--- a/drafts/分层随机抽样.pptx
+++ b/drafts/分层随机抽样.pptx
@@ -5,7 +5,7 @@
     <p:sldMasterId id="2147483648" r:id="rId1"/>
   </p:sldMasterIdLst>
   <p:notesMasterIdLst>
-    <p:notesMasterId r:id="rId16"/>
+    <p:notesMasterId r:id="rId14"/>
   </p:notesMasterIdLst>
   <p:sldIdLst>
     <p:sldId id="256" r:id="rId2"/>
@@ -20,8 +20,6 @@
     <p:sldId id="443" r:id="rId11"/>
     <p:sldId id="444" r:id="rId12"/>
     <p:sldId id="445" r:id="rId13"/>
-    <p:sldId id="446" r:id="rId14"/>
-    <p:sldId id="447" r:id="rId15"/>
   </p:sldIdLst>
   <p:sldSz cx="9144000" cy="6858000" type="screen4x3"/>
   <p:notesSz cx="6858000" cy="9144000"/>
@@ -137,8 +135,6 @@
             <p14:sldId id="443"/>
             <p14:sldId id="444"/>
             <p14:sldId id="445"/>
-            <p14:sldId id="446"/>
-            <p14:sldId id="447"/>
           </p14:sldIdLst>
         </p14:section>
       </p14:sectionLst>
@@ -243,7 +239,7 @@
           <a:p>
             <a:fld id="{6F7AA325-DB71-47EF-B2B6-BF13F4BFA7BA}" type="datetimeFigureOut">
               <a:rPr lang="zh-CN" altLang="en-US" smtClean="0"/>
-              <a:t>2019/4/3</a:t>
+              <a:t>2019/4/4</a:t>
             </a:fld>
             <a:endParaRPr lang="zh-CN" altLang="en-US"/>
           </a:p>
@@ -752,174 +748,6 @@
 </p:notes>
 </file>
 
-<file path=ppt/notesSlides/notesSlide12.xml><?xml version="1.0" encoding="utf-8"?>
-<p:notes xmlns:a="http://schemas.openxmlformats.org/drawingml/2006/main" xmlns:r="http://schemas.openxmlformats.org/officeDocument/2006/relationships" xmlns:p="http://schemas.openxmlformats.org/presentationml/2006/main">
-  <p:cSld>
-    <p:spTree>
-      <p:nvGrpSpPr>
-        <p:cNvPr id="1" name=""/>
-        <p:cNvGrpSpPr/>
-        <p:nvPr/>
-      </p:nvGrpSpPr>
-      <p:grpSpPr>
-        <a:xfrm>
-          <a:off x="0" y="0"/>
-          <a:ext cx="0" cy="0"/>
-          <a:chOff x="0" y="0"/>
-          <a:chExt cx="0" cy="0"/>
-        </a:xfrm>
-      </p:grpSpPr>
-      <p:sp>
-        <p:nvSpPr>
-          <p:cNvPr id="2" name="幻灯片图像占位符 1"/>
-          <p:cNvSpPr>
-            <a:spLocks noGrp="1" noRot="1" noChangeAspect="1"/>
-          </p:cNvSpPr>
-          <p:nvPr>
-            <p:ph type="sldImg"/>
-          </p:nvPr>
-        </p:nvSpPr>
-        <p:spPr/>
-      </p:sp>
-      <p:sp>
-        <p:nvSpPr>
-          <p:cNvPr id="3" name="备注占位符 2"/>
-          <p:cNvSpPr>
-            <a:spLocks noGrp="1"/>
-          </p:cNvSpPr>
-          <p:nvPr>
-            <p:ph type="body" idx="1"/>
-          </p:nvPr>
-        </p:nvSpPr>
-        <p:spPr/>
-        <p:txBody>
-          <a:bodyPr/>
-          <a:lstStyle/>
-          <a:p>
-            <a:endParaRPr lang="zh-CN" altLang="en-US" dirty="0"/>
-          </a:p>
-        </p:txBody>
-      </p:sp>
-      <p:sp>
-        <p:nvSpPr>
-          <p:cNvPr id="4" name="灯片编号占位符 3"/>
-          <p:cNvSpPr>
-            <a:spLocks noGrp="1"/>
-          </p:cNvSpPr>
-          <p:nvPr>
-            <p:ph type="sldNum" sz="quarter" idx="10"/>
-          </p:nvPr>
-        </p:nvSpPr>
-        <p:spPr/>
-        <p:txBody>
-          <a:bodyPr/>
-          <a:lstStyle/>
-          <a:p>
-            <a:fld id="{1FE69790-E37C-4E5E-9185-4C1D4DC86DAD}" type="slidenum">
-              <a:rPr lang="zh-CN" altLang="en-US" smtClean="0"/>
-              <a:t>13</a:t>
-            </a:fld>
-            <a:endParaRPr lang="zh-CN" altLang="en-US"/>
-          </a:p>
-        </p:txBody>
-      </p:sp>
-    </p:spTree>
-    <p:extLst>
-      <p:ext uri="{BB962C8B-B14F-4D97-AF65-F5344CB8AC3E}">
-        <p14:creationId xmlns:p14="http://schemas.microsoft.com/office/powerpoint/2010/main" val="516593204"/>
-      </p:ext>
-    </p:extLst>
-  </p:cSld>
-  <p:clrMapOvr>
-    <a:masterClrMapping/>
-  </p:clrMapOvr>
-</p:notes>
-</file>
-
-<file path=ppt/notesSlides/notesSlide13.xml><?xml version="1.0" encoding="utf-8"?>
-<p:notes xmlns:a="http://schemas.openxmlformats.org/drawingml/2006/main" xmlns:r="http://schemas.openxmlformats.org/officeDocument/2006/relationships" xmlns:p="http://schemas.openxmlformats.org/presentationml/2006/main">
-  <p:cSld>
-    <p:spTree>
-      <p:nvGrpSpPr>
-        <p:cNvPr id="1" name=""/>
-        <p:cNvGrpSpPr/>
-        <p:nvPr/>
-      </p:nvGrpSpPr>
-      <p:grpSpPr>
-        <a:xfrm>
-          <a:off x="0" y="0"/>
-          <a:ext cx="0" cy="0"/>
-          <a:chOff x="0" y="0"/>
-          <a:chExt cx="0" cy="0"/>
-        </a:xfrm>
-      </p:grpSpPr>
-      <p:sp>
-        <p:nvSpPr>
-          <p:cNvPr id="2" name="幻灯片图像占位符 1"/>
-          <p:cNvSpPr>
-            <a:spLocks noGrp="1" noRot="1" noChangeAspect="1"/>
-          </p:cNvSpPr>
-          <p:nvPr>
-            <p:ph type="sldImg"/>
-          </p:nvPr>
-        </p:nvSpPr>
-        <p:spPr/>
-      </p:sp>
-      <p:sp>
-        <p:nvSpPr>
-          <p:cNvPr id="3" name="备注占位符 2"/>
-          <p:cNvSpPr>
-            <a:spLocks noGrp="1"/>
-          </p:cNvSpPr>
-          <p:nvPr>
-            <p:ph type="body" idx="1"/>
-          </p:nvPr>
-        </p:nvSpPr>
-        <p:spPr/>
-        <p:txBody>
-          <a:bodyPr/>
-          <a:lstStyle/>
-          <a:p>
-            <a:endParaRPr lang="zh-CN" altLang="en-US" dirty="0"/>
-          </a:p>
-        </p:txBody>
-      </p:sp>
-      <p:sp>
-        <p:nvSpPr>
-          <p:cNvPr id="4" name="灯片编号占位符 3"/>
-          <p:cNvSpPr>
-            <a:spLocks noGrp="1"/>
-          </p:cNvSpPr>
-          <p:nvPr>
-            <p:ph type="sldNum" sz="quarter" idx="10"/>
-          </p:nvPr>
-        </p:nvSpPr>
-        <p:spPr/>
-        <p:txBody>
-          <a:bodyPr/>
-          <a:lstStyle/>
-          <a:p>
-            <a:fld id="{1FE69790-E37C-4E5E-9185-4C1D4DC86DAD}" type="slidenum">
-              <a:rPr lang="zh-CN" altLang="en-US" smtClean="0"/>
-              <a:t>14</a:t>
-            </a:fld>
-            <a:endParaRPr lang="zh-CN" altLang="en-US"/>
-          </a:p>
-        </p:txBody>
-      </p:sp>
-    </p:spTree>
-    <p:extLst>
-      <p:ext uri="{BB962C8B-B14F-4D97-AF65-F5344CB8AC3E}">
-        <p14:creationId xmlns:p14="http://schemas.microsoft.com/office/powerpoint/2010/main" val="1423123648"/>
-      </p:ext>
-    </p:extLst>
-  </p:cSld>
-  <p:clrMapOvr>
-    <a:masterClrMapping/>
-  </p:clrMapOvr>
-</p:notes>
-</file>
-
 <file path=ppt/notesSlides/notesSlide2.xml><?xml version="1.0" encoding="utf-8"?>
 <p:notes xmlns:a="http://schemas.openxmlformats.org/drawingml/2006/main" xmlns:r="http://schemas.openxmlformats.org/officeDocument/2006/relationships" xmlns:p="http://schemas.openxmlformats.org/presentationml/2006/main">
   <p:cSld>
@@ -1729,7 +1557,7 @@
           <a:p>
             <a:fld id="{530820CF-B880-4189-942D-D702A7CBA730}" type="datetimeFigureOut">
               <a:rPr lang="zh-CN" altLang="en-US" smtClean="0"/>
-              <a:t>2019/4/3</a:t>
+              <a:t>2019/4/4</a:t>
             </a:fld>
             <a:endParaRPr lang="zh-CN" altLang="en-US"/>
           </a:p>
@@ -2598,7 +2426,7 @@
           <a:p>
             <a:fld id="{530820CF-B880-4189-942D-D702A7CBA730}" type="datetimeFigureOut">
               <a:rPr lang="zh-CN" altLang="en-US" smtClean="0"/>
-              <a:t>2019/4/3</a:t>
+              <a:t>2019/4/4</a:t>
             </a:fld>
             <a:endParaRPr lang="zh-CN" altLang="en-US"/>
           </a:p>
@@ -2773,7 +2601,7 @@
           <a:p>
             <a:fld id="{530820CF-B880-4189-942D-D702A7CBA730}" type="datetimeFigureOut">
               <a:rPr lang="zh-CN" altLang="en-US" smtClean="0"/>
-              <a:t>2019/4/3</a:t>
+              <a:t>2019/4/4</a:t>
             </a:fld>
             <a:endParaRPr lang="zh-CN" altLang="en-US"/>
           </a:p>
@@ -2943,7 +2771,7 @@
           <a:p>
             <a:fld id="{530820CF-B880-4189-942D-D702A7CBA730}" type="datetimeFigureOut">
               <a:rPr lang="zh-CN" altLang="en-US" smtClean="0"/>
-              <a:t>2019/4/3</a:t>
+              <a:t>2019/4/4</a:t>
             </a:fld>
             <a:endParaRPr lang="zh-CN" altLang="en-US"/>
           </a:p>
@@ -3153,7 +2981,7 @@
           <a:p>
             <a:fld id="{530820CF-B880-4189-942D-D702A7CBA730}" type="datetimeFigureOut">
               <a:rPr lang="zh-CN" altLang="en-US" smtClean="0"/>
-              <a:t>2019/4/3</a:t>
+              <a:t>2019/4/4</a:t>
             </a:fld>
             <a:endParaRPr lang="zh-CN" altLang="en-US"/>
           </a:p>
@@ -3967,7 +3795,7 @@
           <a:p>
             <a:fld id="{530820CF-B880-4189-942D-D702A7CBA730}" type="datetimeFigureOut">
               <a:rPr lang="zh-CN" altLang="en-US" smtClean="0"/>
-              <a:t>2019/4/3</a:t>
+              <a:t>2019/4/4</a:t>
             </a:fld>
             <a:endParaRPr lang="zh-CN" altLang="en-US"/>
           </a:p>
@@ -4203,7 +4031,7 @@
           <a:p>
             <a:fld id="{530820CF-B880-4189-942D-D702A7CBA730}" type="datetimeFigureOut">
               <a:rPr lang="zh-CN" altLang="en-US" smtClean="0"/>
-              <a:t>2019/4/3</a:t>
+              <a:t>2019/4/4</a:t>
             </a:fld>
             <a:endParaRPr lang="zh-CN" altLang="en-US"/>
           </a:p>
@@ -4526,7 +4354,7 @@
           <a:p>
             <a:fld id="{530820CF-B880-4189-942D-D702A7CBA730}" type="datetimeFigureOut">
               <a:rPr lang="zh-CN" altLang="en-US" smtClean="0"/>
-              <a:t>2019/4/3</a:t>
+              <a:t>2019/4/4</a:t>
             </a:fld>
             <a:endParaRPr lang="zh-CN" altLang="en-US"/>
           </a:p>
@@ -4616,7 +4444,7 @@
           <a:p>
             <a:fld id="{530820CF-B880-4189-942D-D702A7CBA730}" type="datetimeFigureOut">
               <a:rPr lang="zh-CN" altLang="en-US" smtClean="0"/>
-              <a:t>2019/4/3</a:t>
+              <a:t>2019/4/4</a:t>
             </a:fld>
             <a:endParaRPr lang="zh-CN" altLang="en-US"/>
           </a:p>
@@ -5133,7 +4961,7 @@
           <a:p>
             <a:fld id="{530820CF-B880-4189-942D-D702A7CBA730}" type="datetimeFigureOut">
               <a:rPr lang="zh-CN" altLang="en-US" smtClean="0"/>
-              <a:t>2019/4/3</a:t>
+              <a:t>2019/4/4</a:t>
             </a:fld>
             <a:endParaRPr lang="zh-CN" altLang="en-US"/>
           </a:p>
@@ -5644,7 +5472,7 @@
           <a:p>
             <a:fld id="{530820CF-B880-4189-942D-D702A7CBA730}" type="datetimeFigureOut">
               <a:rPr lang="zh-CN" altLang="en-US" smtClean="0"/>
-              <a:t>2019/4/3</a:t>
+              <a:t>2019/4/4</a:t>
             </a:fld>
             <a:endParaRPr lang="zh-CN" altLang="en-US"/>
           </a:p>
@@ -5889,7 +5717,7 @@
           <a:p>
             <a:fld id="{530820CF-B880-4189-942D-D702A7CBA730}" type="datetimeFigureOut">
               <a:rPr lang="zh-CN" altLang="en-US" smtClean="0"/>
-              <a:t>2019/4/3</a:t>
+              <a:t>2019/4/4</a:t>
             </a:fld>
             <a:endParaRPr lang="zh-CN" altLang="en-US"/>
           </a:p>
@@ -6860,8 +6688,8 @@
           </a:p>
         </p:txBody>
       </p:sp>
-      <mc:AlternateContent xmlns:mc="http://schemas.openxmlformats.org/markup-compatibility/2006">
-        <mc:Choice xmlns:a14="http://schemas.microsoft.com/office/drawing/2010/main" Requires="a14">
+      <mc:AlternateContent xmlns:mc="http://schemas.openxmlformats.org/markup-compatibility/2006" xmlns:a14="http://schemas.microsoft.com/office/drawing/2010/main">
+        <mc:Choice Requires="a14">
           <p:sp>
             <p:nvSpPr>
               <p:cNvPr id="4" name="矩形 3">
@@ -6899,7 +6727,7 @@
                   <m:oMath xmlns:m="http://schemas.openxmlformats.org/officeDocument/2006/math">
                     <m:r>
                       <a:rPr lang="zh-CN" altLang="en-US" sz="2800" i="1" smtClean="0">
-                        <a:latin typeface="+mj-ea"/>
+                        <a:latin typeface="Cambria Math" panose="02040503050406030204" pitchFamily="18" charset="0"/>
                         <a:ea typeface="+mj-ea"/>
                       </a:rPr>
                       <m:t>当</m:t>
@@ -7200,7 +7028,7 @@
                     </m:r>
                     <m:r>
                       <a:rPr lang="zh-CN" altLang="en-US" sz="2800" i="1">
-                        <a:latin typeface="+mj-ea"/>
+                        <a:latin typeface="Cambria Math" panose="02040503050406030204" pitchFamily="18" charset="0"/>
                         <a:ea typeface="+mj-ea"/>
                       </a:rPr>
                       <m:t>且</m:t>
@@ -7220,19 +7048,7 @@
                       <a:rPr lang="en-US" altLang="zh-CN" sz="2800" i="1">
                         <a:latin typeface="Cambria Math" panose="02040503050406030204" pitchFamily="18" charset="0"/>
                       </a:rPr>
-                      <m:t>1</m:t>
-                    </m:r>
-                    <m:r>
-                      <a:rPr lang="en-US" altLang="zh-CN" sz="2800" i="1">
-                        <a:latin typeface="Cambria Math" panose="02040503050406030204" pitchFamily="18" charset="0"/>
-                      </a:rPr>
-                      <m:t>/</m:t>
-                    </m:r>
-                    <m:r>
-                      <a:rPr lang="en-US" altLang="zh-CN" sz="2800" i="1">
-                        <a:latin typeface="Cambria Math" panose="02040503050406030204" pitchFamily="18" charset="0"/>
-                      </a:rPr>
-                      <m:t>2</m:t>
+                      <m:t>1/2</m:t>
                     </m:r>
                   </m:oMath>
                 </a14:m>
@@ -7281,13 +7097,7 @@
                               <a:rPr lang="en-US" altLang="zh-CN" sz="2800" i="1">
                                 <a:latin typeface="Cambria Math" panose="02040503050406030204" pitchFamily="18" charset="0"/>
                               </a:rPr>
-                              <m:t>𝑥</m:t>
-                            </m:r>
-                            <m:r>
-                              <a:rPr lang="en-US" altLang="zh-CN" sz="2800" i="1">
-                                <a:latin typeface="Cambria Math" panose="02040503050406030204" pitchFamily="18" charset="0"/>
-                              </a:rPr>
-                              <m:t>𝑦</m:t>
+                              <m:t>𝑥𝑦</m:t>
                             </m:r>
                             <m:r>
                               <a:rPr lang="zh-CN" altLang="en-US" sz="2800" i="1">
@@ -7367,25 +7177,7 @@
                       <a:rPr lang="en-US" altLang="zh-CN" sz="2800" i="1">
                         <a:latin typeface="Cambria Math" panose="02040503050406030204" pitchFamily="18" charset="0"/>
                       </a:rPr>
-                      <m:t>&gt;1</m:t>
-                    </m:r>
-                    <m:r>
-                      <a:rPr lang="en-US" altLang="zh-CN" sz="2800" i="1">
-                        <a:latin typeface="Cambria Math" panose="02040503050406030204" pitchFamily="18" charset="0"/>
-                      </a:rPr>
-                      <m:t>/</m:t>
-                    </m:r>
-                    <m:r>
-                      <a:rPr lang="en-US" altLang="zh-CN" sz="2800" i="1">
-                        <a:latin typeface="Cambria Math" panose="02040503050406030204" pitchFamily="18" charset="0"/>
-                      </a:rPr>
-                      <m:t>2</m:t>
-                    </m:r>
-                    <m:r>
-                      <a:rPr lang="en-US" altLang="zh-CN" sz="2800" i="1">
-                        <a:latin typeface="Cambria Math" panose="02040503050406030204" pitchFamily="18" charset="0"/>
-                      </a:rPr>
-                      <m:t>)</m:t>
+                      <m:t>&gt;1/2)</m:t>
                     </m:r>
                   </m:oMath>
                 </a14:m>
@@ -7404,7 +7196,7 @@
             </p:txBody>
           </p:sp>
         </mc:Choice>
-        <mc:Fallback>
+        <mc:Fallback xmlns="">
           <p:sp>
             <p:nvSpPr>
               <p:cNvPr id="4" name="矩形 3">
@@ -7707,7 +7499,7 @@
                   <m:oMath xmlns:m="http://schemas.openxmlformats.org/officeDocument/2006/math">
                     <m:r>
                       <a:rPr lang="zh-CN" altLang="en-US" sz="2800" i="1" smtClean="0">
-                        <a:latin typeface="+mj-ea"/>
+                        <a:latin typeface="Cambria Math" panose="02040503050406030204" pitchFamily="18" charset="0"/>
                         <a:ea typeface="+mj-ea"/>
                       </a:rPr>
                       <m:t>当</m:t>
@@ -7745,62 +7537,15 @@
                     <a:latin typeface="华文楷体" panose="02010600040101010101" pitchFamily="2" charset="-122"/>
                     <a:ea typeface="华文楷体" panose="02010600040101010101" pitchFamily="2" charset="-122"/>
                   </a:rPr>
-                  <a:t> 较大、总体 </a:t>
+                  <a:t> 较大、各层相对于总体的变异程度一致 </a:t>
                 </a:r>
                 <a14:m>
                   <m:oMath xmlns:m="http://schemas.openxmlformats.org/officeDocument/2006/math">
                     <m:r>
-                      <a:rPr lang="en-US" altLang="zh-CN" sz="2800" b="0" i="1" smtClean="0">
+                      <a:rPr lang="en-US" altLang="zh-CN" sz="2800" i="1" dirty="0">
                         <a:solidFill>
                           <a:prstClr val="black"/>
                         </a:solidFill>
-                        <a:latin typeface="Cambria Math" panose="02040503050406030204" pitchFamily="18" charset="0"/>
-                      </a:rPr>
-                      <m:t>𝑌</m:t>
-                    </m:r>
-                  </m:oMath>
-                </a14:m>
-                <a:r>
-                  <a:rPr lang="zh-CN" altLang="en-US" sz="2800" dirty="0">
-                    <a:latin typeface="+mj-ea"/>
-                    <a:ea typeface="+mj-ea"/>
-                  </a:rPr>
-                  <a:t> 与</a:t>
-                </a:r>
-                <a:r>
-                  <a:rPr lang="zh-CN" altLang="en-US" sz="2800" dirty="0">
-                    <a:solidFill>
-                      <a:prstClr val="black"/>
-                    </a:solidFill>
-                    <a:latin typeface="华文楷体" panose="02010600040101010101" pitchFamily="2" charset="-122"/>
-                    <a:ea typeface="华文楷体" panose="02010600040101010101" pitchFamily="2" charset="-122"/>
-                  </a:rPr>
-                  <a:t>总体 </a:t>
-                </a:r>
-                <a14:m>
-                  <m:oMath xmlns:m="http://schemas.openxmlformats.org/officeDocument/2006/math">
-                    <m:r>
-                      <a:rPr lang="en-US" altLang="zh-CN" sz="2800" i="1">
-                        <a:solidFill>
-                          <a:prstClr val="black"/>
-                        </a:solidFill>
-                        <a:latin typeface="Cambria Math" panose="02040503050406030204" pitchFamily="18" charset="0"/>
-                      </a:rPr>
-                      <m:t>𝑋</m:t>
-                    </m:r>
-                  </m:oMath>
-                </a14:m>
-                <a:r>
-                  <a:rPr lang="zh-CN" altLang="en-US" sz="2800" dirty="0">
-                    <a:latin typeface="+mj-ea"/>
-                    <a:ea typeface="+mj-ea"/>
-                  </a:rPr>
-                  <a:t> 变异系数一致 </a:t>
-                </a:r>
-                <a14:m>
-                  <m:oMath xmlns:m="http://schemas.openxmlformats.org/officeDocument/2006/math">
-                    <m:r>
-                      <a:rPr lang="en-US" altLang="zh-CN" sz="2800" b="0" i="0" smtClean="0">
                         <a:latin typeface="Cambria Math" panose="02040503050406030204" pitchFamily="18" charset="0"/>
                       </a:rPr>
                       <m:t>(</m:t>
@@ -7828,6 +7573,12 @@
                           </a:rPr>
                           <m:t>𝑦</m:t>
                         </m:r>
+                        <m:r>
+                          <a:rPr lang="en-US" altLang="zh-CN" sz="2800" b="0" i="1" smtClean="0">
+                            <a:latin typeface="Cambria Math" panose="02040503050406030204" pitchFamily="18" charset="0"/>
+                          </a:rPr>
+                          <m:t>h</m:t>
+                        </m:r>
                       </m:sub>
                     </m:sSub>
                     <m:r>
@@ -7840,7 +7591,7 @@
                       <m:accPr>
                         <m:chr m:val="̅"/>
                         <m:ctrlPr>
-                          <a:rPr lang="zh-CN" altLang="en-US" sz="2800" i="1">
+                          <a:rPr lang="zh-CN" altLang="en-US" sz="2800" i="1" smtClean="0">
                             <a:latin typeface="Cambria Math" panose="02040503050406030204" pitchFamily="18" charset="0"/>
                           </a:rPr>
                         </m:ctrlPr>
@@ -7883,6 +7634,12 @@
                           </a:rPr>
                           <m:t>𝑥</m:t>
                         </m:r>
+                        <m:r>
+                          <a:rPr lang="en-US" altLang="zh-CN" sz="2800" b="0" i="1" smtClean="0">
+                            <a:latin typeface="Cambria Math" panose="02040503050406030204" pitchFamily="18" charset="0"/>
+                          </a:rPr>
+                          <m:t>h</m:t>
+                        </m:r>
                       </m:sub>
                     </m:sSub>
                     <m:r>
@@ -7910,16 +7667,10 @@
                       </m:e>
                     </m:acc>
                     <m:r>
-                      <a:rPr lang="en-US" altLang="zh-CN" sz="2800" b="0" i="1" smtClean="0">
+                      <a:rPr lang="en-US" altLang="zh-CN" sz="2800" i="1">
                         <a:latin typeface="Cambria Math" panose="02040503050406030204" pitchFamily="18" charset="0"/>
                       </a:rPr>
                       <m:t>)</m:t>
-                    </m:r>
-                    <m:r>
-                      <a:rPr lang="zh-CN" altLang="en-US" sz="2800" i="1">
-                        <a:latin typeface="Cambria Math" panose="02040503050406030204" pitchFamily="18" charset="0"/>
-                      </a:rPr>
-                      <m:t> </m:t>
                     </m:r>
                   </m:oMath>
                 </a14:m>
@@ -7928,7 +7679,7 @@
                     <a:latin typeface="+mj-ea"/>
                     <a:ea typeface="+mj-ea"/>
                   </a:rPr>
-                  <a:t>且各层相关系数大于 </a:t>
+                  <a:t> 且各层相关系数大于 </a:t>
                 </a:r>
                 <a14:m>
                   <m:oMath xmlns:m="http://schemas.openxmlformats.org/officeDocument/2006/math">
@@ -8134,7 +7885,7 @@
               <a:blipFill>
                 <a:blip r:embed="rId4"/>
                 <a:stretch>
-                  <a:fillRect l="-1621" t="-3662" r="-405" b="-7042"/>
+                  <a:fillRect l="-1621" t="-3662" b="-7042"/>
                 </a:stretch>
               </a:blipFill>
             </p:spPr>
@@ -8446,7 +8197,7 @@
                   <m:oMath xmlns:m="http://schemas.openxmlformats.org/officeDocument/2006/math">
                     <m:r>
                       <a:rPr lang="zh-CN" altLang="en-US" sz="2800" i="1" smtClean="0">
-                        <a:latin typeface="+mj-ea"/>
+                        <a:latin typeface="Cambria Math" panose="02040503050406030204" pitchFamily="18" charset="0"/>
                         <a:ea typeface="+mj-ea"/>
                       </a:rPr>
                       <m:t>当</m:t>
@@ -8506,21 +8257,21 @@
                     </m:r>
                     <m:r>
                       <a:rPr lang="zh-CN" altLang="en-US" sz="2800" i="1" smtClean="0">
-                        <a:latin typeface="+mj-ea"/>
+                        <a:latin typeface="Cambria Math" panose="02040503050406030204" pitchFamily="18" charset="0"/>
                         <a:ea typeface="+mj-ea"/>
                       </a:rPr>
                       <m:t>或</m:t>
                     </m:r>
                     <m:r>
                       <a:rPr lang="zh-CN" altLang="en-US" sz="2800" i="1">
-                        <a:latin typeface="+mj-ea"/>
+                        <a:latin typeface="Cambria Math" panose="02040503050406030204" pitchFamily="18" charset="0"/>
                         <a:ea typeface="+mj-ea"/>
                       </a:rPr>
                       <m:t>样本量</m:t>
                     </m:r>
                     <m:r>
                       <a:rPr lang="en-US" altLang="zh-CN" sz="2800" b="0" i="1" smtClean="0">
-                        <a:latin typeface="+mj-ea"/>
+                        <a:latin typeface="Cambria Math" panose="02040503050406030204" pitchFamily="18" charset="0"/>
                         <a:ea typeface="+mj-ea"/>
                       </a:rPr>
                       <m:t> </m:t>
@@ -8593,7 +8344,7 @@
                     <a:latin typeface="+mj-ea"/>
                     <a:ea typeface="+mj-ea"/>
                   </a:rPr>
-                  <a:t> 回归估计精度高于简单估计；</a:t>
+                  <a:t> 回归估计精度不低于简单估计；</a:t>
                 </a:r>
                 <a:endParaRPr lang="en-US" altLang="zh-CN" sz="2800" dirty="0">
                   <a:latin typeface="+mj-ea"/>
@@ -8884,7 +8635,7 @@
             <p:spPr>
               <a:xfrm>
                 <a:off x="719572" y="2625479"/>
-                <a:ext cx="7524836" cy="2246769"/>
+                <a:ext cx="7524836" cy="2677656"/>
               </a:xfrm>
               <a:prstGeom prst="rect">
                 <a:avLst/>
@@ -8906,7 +8657,7 @@
                   <m:oMath xmlns:m="http://schemas.openxmlformats.org/officeDocument/2006/math">
                     <m:r>
                       <a:rPr lang="zh-CN" altLang="en-US" sz="2800" i="1" smtClean="0">
-                        <a:latin typeface="+mj-ea"/>
+                        <a:latin typeface="Cambria Math" panose="02040503050406030204" pitchFamily="18" charset="0"/>
                         <a:ea typeface="+mj-ea"/>
                       </a:rPr>
                       <m:t>当</m:t>
@@ -8918,7 +8669,7 @@
                     <a:latin typeface="+mj-ea"/>
                     <a:ea typeface="+mj-ea"/>
                   </a:rPr>
-                  <a:t>各层样本量 </a:t>
+                  <a:t>存在某些层样本量 </a:t>
                 </a:r>
                 <a14:m>
                   <m:oMath xmlns:m="http://schemas.openxmlformats.org/officeDocument/2006/math">
@@ -8950,49 +8701,86 @@
                   </m:oMath>
                 </a14:m>
                 <a:r>
-                  <a:rPr lang="en-US" altLang="zh-CN" sz="2800" dirty="0">
+                  <a:rPr lang="zh-CN" altLang="en-US" sz="2800" dirty="0">
                     <a:latin typeface="+mj-ea"/>
                     <a:ea typeface="+mj-ea"/>
                   </a:rPr>
-                  <a:t> </a:t>
+                  <a:t>不大 </a:t>
                 </a:r>
                 <a14:m>
                   <m:oMath xmlns:m="http://schemas.openxmlformats.org/officeDocument/2006/math">
                     <m:r>
                       <a:rPr lang="en-US" altLang="zh-CN" sz="2800" i="1">
+                        <a:solidFill>
+                          <a:prstClr val="black"/>
+                        </a:solidFill>
                         <a:latin typeface="Cambria Math" panose="02040503050406030204" pitchFamily="18" charset="0"/>
                       </a:rPr>
                       <m:t>(</m:t>
                     </m:r>
                     <m:r>
-                      <a:rPr lang="zh-CN" altLang="en-US" sz="2800" i="1" smtClean="0">
-                        <a:latin typeface="+mj-ea"/>
+                      <a:rPr lang="zh-CN" altLang="en-US" sz="2800" i="1">
+                        <a:solidFill>
+                          <a:prstClr val="black"/>
+                        </a:solidFill>
+                        <a:latin typeface="Cambria Math" panose="02040503050406030204" pitchFamily="18" charset="0"/>
                         <a:ea typeface="+mj-ea"/>
                       </a:rPr>
                       <m:t>或</m:t>
                     </m:r>
                     <m:r>
                       <a:rPr lang="zh-CN" altLang="en-US" sz="2800" i="1">
-                        <a:latin typeface="+mj-ea"/>
+                        <a:solidFill>
+                          <a:prstClr val="black"/>
+                        </a:solidFill>
+                        <a:latin typeface="Cambria Math" panose="02040503050406030204" pitchFamily="18" charset="0"/>
                         <a:ea typeface="+mj-ea"/>
                       </a:rPr>
                       <m:t>样本量</m:t>
                     </m:r>
                     <m:r>
-                      <a:rPr lang="en-US" altLang="zh-CN" sz="2800" b="0" i="1" smtClean="0">
-                        <a:latin typeface="+mj-ea"/>
+                      <a:rPr lang="en-US" altLang="zh-CN" sz="2800" i="1">
+                        <a:solidFill>
+                          <a:prstClr val="black"/>
+                        </a:solidFill>
+                        <a:latin typeface="Cambria Math" panose="02040503050406030204" pitchFamily="18" charset="0"/>
                         <a:ea typeface="+mj-ea"/>
                       </a:rPr>
                       <m:t> </m:t>
                     </m:r>
                     <m:r>
                       <a:rPr lang="en-US" altLang="zh-CN" sz="2800" i="1">
+                        <a:solidFill>
+                          <a:prstClr val="black"/>
+                        </a:solidFill>
                         <a:latin typeface="Cambria Math" panose="02040503050406030204" pitchFamily="18" charset="0"/>
                       </a:rPr>
                       <m:t>𝑛</m:t>
                     </m:r>
                     <m:r>
+                      <a:rPr lang="en-US" altLang="zh-CN" sz="2800" b="0" i="1" smtClean="0">
+                        <a:solidFill>
+                          <a:prstClr val="black"/>
+                        </a:solidFill>
+                        <a:latin typeface="Cambria Math" panose="02040503050406030204" pitchFamily="18" charset="0"/>
+                      </a:rPr>
+                      <m:t> </m:t>
+                    </m:r>
+                    <m:r>
+                      <a:rPr lang="zh-CN" altLang="en-US" sz="2800" i="1">
+                        <a:solidFill>
+                          <a:prstClr val="black"/>
+                        </a:solidFill>
+                        <a:latin typeface="+mj-ea"/>
+                        <a:ea typeface="+mj-ea"/>
+                      </a:rPr>
+                      <m:t>不大</m:t>
+                    </m:r>
+                    <m:r>
                       <a:rPr lang="en-US" altLang="zh-CN" sz="2800" i="1">
+                        <a:solidFill>
+                          <a:prstClr val="black"/>
+                        </a:solidFill>
                         <a:latin typeface="Cambria Math" panose="02040503050406030204" pitchFamily="18" charset="0"/>
                       </a:rPr>
                       <m:t>)</m:t>
@@ -9004,7 +8792,7 @@
                     <a:latin typeface="+mj-ea"/>
                     <a:ea typeface="+mj-ea"/>
                   </a:rPr>
-                  <a:t> 不大时，比率、回归估计既存在偏差，也没有方差的近似准确公式，此时无法判断三者精度的关系。随机模拟显示：此时回归估计与比估计方差相差不大，但其均方误差显著大于比估计。</a:t>
+                  <a:t> 时，比估计、回归估计既存在偏差，也没有方差的准确或近似公式，此时无法从理论上判断三者精度的关系。随机模拟显示：此时回归估计与比估计方差相差不大，但其均方误差显著大于比估计。</a:t>
                 </a:r>
                 <a:endParaRPr lang="en-US" altLang="zh-CN" sz="2800" dirty="0">
                   <a:latin typeface="+mj-ea"/>
@@ -9032,7 +8820,7 @@
             <p:spPr>
               <a:xfrm>
                 <a:off x="719572" y="2625479"/>
-                <a:ext cx="7524836" cy="2246769"/>
+                <a:ext cx="7524836" cy="2677656"/>
               </a:xfrm>
               <a:prstGeom prst="rect">
                 <a:avLst/>
@@ -9040,7 +8828,7 @@
               <a:blipFill>
                 <a:blip r:embed="rId4"/>
                 <a:stretch>
-                  <a:fillRect l="-1621" t="-3533" r="-6483" b="-6793"/>
+                  <a:fillRect l="-1621" t="-2961" b="-5467"/>
                 </a:stretch>
               </a:blipFill>
             </p:spPr>
@@ -9329,8 +9117,8 @@
             </p:nvSpPr>
             <p:spPr>
               <a:xfrm>
-                <a:off x="719572" y="1400809"/>
-                <a:ext cx="7524836" cy="1992084"/>
+                <a:off x="719572" y="1204142"/>
+                <a:ext cx="7524836" cy="1247842"/>
               </a:xfrm>
               <a:prstGeom prst="rect">
                 <a:avLst/>
@@ -9359,7 +9147,7 @@
                         <a:solidFill>
                           <a:prstClr val="black"/>
                         </a:solidFill>
-                        <a:latin typeface="+mj-ea"/>
+                        <a:latin typeface="Cambria Math" panose="02040503050406030204" pitchFamily="18" charset="0"/>
                         <a:ea typeface="+mj-ea"/>
                       </a:rPr>
                       <m:t>当</m:t>
@@ -9385,7 +9173,7 @@
                             <a:solidFill>
                               <a:prstClr val="black"/>
                             </a:solidFill>
-                            <a:latin typeface="+mj-ea"/>
+                            <a:latin typeface="Cambria Math" panose="02040503050406030204" pitchFamily="18" charset="0"/>
                             <a:ea typeface="+mj-ea"/>
                           </a:rPr>
                         </m:ctrlPr>
@@ -9396,7 +9184,7 @@
                             <a:solidFill>
                               <a:prstClr val="black"/>
                             </a:solidFill>
-                            <a:latin typeface="+mj-ea"/>
+                            <a:latin typeface="Cambria Math" panose="02040503050406030204" pitchFamily="18" charset="0"/>
                             <a:ea typeface="+mj-ea"/>
                           </a:rPr>
                           <m:t>𝑛</m:t>
@@ -9408,7 +9196,7 @@
                             <a:solidFill>
                               <a:prstClr val="black"/>
                             </a:solidFill>
-                            <a:latin typeface="+mj-ea"/>
+                            <a:latin typeface="Cambria Math" panose="02040503050406030204" pitchFamily="18" charset="0"/>
                             <a:ea typeface="+mj-ea"/>
                           </a:rPr>
                           <m:t>h</m:t>
@@ -9446,7 +9234,7 @@
                             <a:solidFill>
                               <a:prstClr val="black"/>
                             </a:solidFill>
-                            <a:latin typeface="+mj-ea"/>
+                            <a:latin typeface="Cambria Math" panose="02040503050406030204" pitchFamily="18" charset="0"/>
                             <a:ea typeface="+mj-ea"/>
                           </a:rPr>
                         </m:ctrlPr>
@@ -9457,7 +9245,7 @@
                             <a:solidFill>
                               <a:prstClr val="black"/>
                             </a:solidFill>
-                            <a:latin typeface="+mj-ea"/>
+                            <a:latin typeface="Cambria Math" panose="02040503050406030204" pitchFamily="18" charset="0"/>
                             <a:ea typeface="+mj-ea"/>
                           </a:rPr>
                           <m:t>𝑅</m:t>
@@ -9469,7 +9257,7 @@
                             <a:solidFill>
                               <a:prstClr val="black"/>
                             </a:solidFill>
-                            <a:latin typeface="+mj-ea"/>
+                            <a:latin typeface="Cambria Math" panose="02040503050406030204" pitchFamily="18" charset="0"/>
                             <a:ea typeface="+mj-ea"/>
                           </a:rPr>
                           <m:t>h</m:t>
@@ -9481,7 +9269,7 @@
                         <a:solidFill>
                           <a:prstClr val="black"/>
                         </a:solidFill>
-                        <a:latin typeface="+mj-ea"/>
+                        <a:latin typeface="Cambria Math" panose="02040503050406030204" pitchFamily="18" charset="0"/>
                         <a:ea typeface="+mj-ea"/>
                       </a:rPr>
                       <m:t>=</m:t>
@@ -9507,7 +9295,7 @@
                             <a:solidFill>
                               <a:prstClr val="black"/>
                             </a:solidFill>
-                            <a:latin typeface="+mj-ea"/>
+                            <a:latin typeface="Cambria Math" panose="02040503050406030204" pitchFamily="18" charset="0"/>
                             <a:ea typeface="+mj-ea"/>
                           </a:rPr>
                         </m:ctrlPr>
@@ -9520,7 +9308,7 @@
                                 <a:solidFill>
                                   <a:prstClr val="black"/>
                                 </a:solidFill>
-                                <a:latin typeface="+mj-ea"/>
+                                <a:latin typeface="Cambria Math" panose="02040503050406030204" pitchFamily="18" charset="0"/>
                                 <a:ea typeface="+mj-ea"/>
                               </a:rPr>
                             </m:ctrlPr>
@@ -9531,7 +9319,7 @@
                                 <a:solidFill>
                                   <a:prstClr val="black"/>
                                 </a:solidFill>
-                                <a:latin typeface="+mj-ea"/>
+                                <a:latin typeface="Cambria Math" panose="02040503050406030204" pitchFamily="18" charset="0"/>
                                 <a:ea typeface="+mj-ea"/>
                               </a:rPr>
                               <m:t>𝑆</m:t>
@@ -9543,7 +9331,7 @@
                                 <a:solidFill>
                                   <a:prstClr val="black"/>
                                 </a:solidFill>
-                                <a:latin typeface="+mj-ea"/>
+                                <a:latin typeface="Cambria Math" panose="02040503050406030204" pitchFamily="18" charset="0"/>
                                 <a:ea typeface="+mj-ea"/>
                               </a:rPr>
                               <m:t>𝑥𝑦</m:t>
@@ -9553,7 +9341,7 @@
                                 <a:solidFill>
                                   <a:prstClr val="black"/>
                                 </a:solidFill>
-                                <a:latin typeface="+mj-ea"/>
+                                <a:latin typeface="Cambria Math" panose="02040503050406030204" pitchFamily="18" charset="0"/>
                                 <a:ea typeface="+mj-ea"/>
                               </a:rPr>
                               <m:t>h</m:t>
@@ -9569,7 +9357,7 @@
                                 <a:solidFill>
                                   <a:prstClr val="black"/>
                                 </a:solidFill>
-                                <a:latin typeface="+mj-ea"/>
+                                <a:latin typeface="Cambria Math" panose="02040503050406030204" pitchFamily="18" charset="0"/>
                                 <a:ea typeface="+mj-ea"/>
                               </a:rPr>
                             </m:ctrlPr>
@@ -9580,7 +9368,7 @@
                                 <a:solidFill>
                                   <a:prstClr val="black"/>
                                 </a:solidFill>
-                                <a:latin typeface="+mj-ea"/>
+                                <a:latin typeface="Cambria Math" panose="02040503050406030204" pitchFamily="18" charset="0"/>
                                 <a:ea typeface="+mj-ea"/>
                               </a:rPr>
                               <m:t>𝑆</m:t>
@@ -9592,7 +9380,7 @@
                                 <a:solidFill>
                                   <a:prstClr val="black"/>
                                 </a:solidFill>
-                                <a:latin typeface="+mj-ea"/>
+                                <a:latin typeface="Cambria Math" panose="02040503050406030204" pitchFamily="18" charset="0"/>
                                 <a:ea typeface="+mj-ea"/>
                               </a:rPr>
                               <m:t>𝑥h</m:t>
@@ -9604,7 +9392,7 @@
                                 <a:solidFill>
                                   <a:prstClr val="black"/>
                                 </a:solidFill>
-                                <a:latin typeface="+mj-ea"/>
+                                <a:latin typeface="Cambria Math" panose="02040503050406030204" pitchFamily="18" charset="0"/>
                                 <a:ea typeface="+mj-ea"/>
                               </a:rPr>
                               <m:t>2</m:t>
@@ -9623,275 +9411,7 @@
                     <a:latin typeface="+mj-ea"/>
                     <a:ea typeface="+mj-ea"/>
                   </a:rPr>
-                  <a:t> （各层回归系数 </a:t>
-                </a:r>
-                <a14:m>
-                  <m:oMath xmlns:m="http://schemas.openxmlformats.org/officeDocument/2006/math">
-                    <m:sSub>
-                      <m:sSubPr>
-                        <m:ctrlPr>
-                          <a:rPr lang="zh-CN" altLang="en-US" sz="2800" i="1">
-                            <a:solidFill>
-                              <a:prstClr val="black"/>
-                            </a:solidFill>
-                            <a:latin typeface="+mj-ea"/>
-                            <a:ea typeface="+mj-ea"/>
-                          </a:rPr>
-                        </m:ctrlPr>
-                      </m:sSubPr>
-                      <m:e>
-                        <m:r>
-                          <a:rPr lang="zh-CN" altLang="en-US" sz="2800" i="1">
-                            <a:solidFill>
-                              <a:prstClr val="black"/>
-                            </a:solidFill>
-                            <a:latin typeface="+mj-ea"/>
-                            <a:ea typeface="+mj-ea"/>
-                          </a:rPr>
-                          <m:t>𝛽</m:t>
-                        </m:r>
-                      </m:e>
-                      <m:sub>
-                        <m:r>
-                          <a:rPr lang="en-US" altLang="zh-CN" sz="2800" i="1">
-                            <a:solidFill>
-                              <a:prstClr val="black"/>
-                            </a:solidFill>
-                            <a:latin typeface="+mj-ea"/>
-                            <a:ea typeface="+mj-ea"/>
-                          </a:rPr>
-                          <m:t>h</m:t>
-                        </m:r>
-                      </m:sub>
-                    </m:sSub>
-                    <m:r>
-                      <a:rPr lang="en-US" altLang="zh-CN" sz="2800" i="1">
-                        <a:solidFill>
-                          <a:prstClr val="black"/>
-                        </a:solidFill>
-                        <a:latin typeface="+mj-ea"/>
-                        <a:ea typeface="+mj-ea"/>
-                      </a:rPr>
-                      <m:t>=</m:t>
-                    </m:r>
-                  </m:oMath>
-                </a14:m>
-                <a:r>
-                  <a:rPr lang="en-US" altLang="zh-CN" sz="2800" dirty="0">
-                    <a:solidFill>
-                      <a:prstClr val="black"/>
-                    </a:solidFill>
-                    <a:latin typeface="+mj-ea"/>
-                    <a:ea typeface="+mj-ea"/>
-                  </a:rPr>
-                  <a:t> </a:t>
-                </a:r>
-                <a14:m>
-                  <m:oMath xmlns:m="http://schemas.openxmlformats.org/officeDocument/2006/math">
-                    <m:f>
-                      <m:fPr>
-                        <m:ctrlPr>
-                          <a:rPr lang="en-US" altLang="zh-CN" sz="2800" i="1">
-                            <a:solidFill>
-                              <a:prstClr val="black"/>
-                            </a:solidFill>
-                            <a:latin typeface="+mj-ea"/>
-                            <a:ea typeface="+mj-ea"/>
-                          </a:rPr>
-                        </m:ctrlPr>
-                      </m:fPr>
-                      <m:num>
-                        <m:sSub>
-                          <m:sSubPr>
-                            <m:ctrlPr>
-                              <a:rPr lang="zh-CN" altLang="en-US" sz="2800" i="1">
-                                <a:solidFill>
-                                  <a:prstClr val="black"/>
-                                </a:solidFill>
-                                <a:latin typeface="+mj-ea"/>
-                                <a:ea typeface="+mj-ea"/>
-                              </a:rPr>
-                            </m:ctrlPr>
-                          </m:sSubPr>
-                          <m:e>
-                            <m:r>
-                              <a:rPr lang="en-US" altLang="zh-CN" sz="2800" i="1">
-                                <a:solidFill>
-                                  <a:prstClr val="black"/>
-                                </a:solidFill>
-                                <a:latin typeface="+mj-ea"/>
-                                <a:ea typeface="+mj-ea"/>
-                              </a:rPr>
-                              <m:t>𝑆</m:t>
-                            </m:r>
-                          </m:e>
-                          <m:sub>
-                            <m:r>
-                              <a:rPr lang="en-US" altLang="zh-CN" sz="2800" i="1">
-                                <a:solidFill>
-                                  <a:prstClr val="black"/>
-                                </a:solidFill>
-                                <a:latin typeface="+mj-ea"/>
-                                <a:ea typeface="+mj-ea"/>
-                              </a:rPr>
-                              <m:t>𝑥𝑦</m:t>
-                            </m:r>
-                            <m:r>
-                              <a:rPr lang="zh-CN" altLang="en-US" sz="2800" i="1">
-                                <a:solidFill>
-                                  <a:prstClr val="black"/>
-                                </a:solidFill>
-                                <a:latin typeface="+mj-ea"/>
-                                <a:ea typeface="+mj-ea"/>
-                              </a:rPr>
-                              <m:t>h</m:t>
-                            </m:r>
-                          </m:sub>
-                        </m:sSub>
-                      </m:num>
-                      <m:den>
-                        <m:sSubSup>
-                          <m:sSubSupPr>
-                            <m:ctrlPr>
-                              <a:rPr lang="en-US" altLang="zh-CN" sz="2800" i="1">
-                                <a:solidFill>
-                                  <a:prstClr val="black"/>
-                                </a:solidFill>
-                                <a:latin typeface="+mj-ea"/>
-                                <a:ea typeface="+mj-ea"/>
-                              </a:rPr>
-                            </m:ctrlPr>
-                          </m:sSubSupPr>
-                          <m:e>
-                            <m:r>
-                              <a:rPr lang="en-US" altLang="zh-CN" sz="2800" i="1">
-                                <a:solidFill>
-                                  <a:prstClr val="black"/>
-                                </a:solidFill>
-                                <a:latin typeface="+mj-ea"/>
-                                <a:ea typeface="+mj-ea"/>
-                              </a:rPr>
-                              <m:t>𝑆</m:t>
-                            </m:r>
-                          </m:e>
-                          <m:sub>
-                            <m:r>
-                              <a:rPr lang="en-US" altLang="zh-CN" sz="2800" i="1">
-                                <a:solidFill>
-                                  <a:prstClr val="black"/>
-                                </a:solidFill>
-                                <a:latin typeface="+mj-ea"/>
-                                <a:ea typeface="+mj-ea"/>
-                              </a:rPr>
-                              <m:t>𝑥h</m:t>
-                            </m:r>
-                          </m:sub>
-                          <m:sup>
-                            <m:r>
-                              <a:rPr lang="en-US" altLang="zh-CN" sz="2800" i="1">
-                                <a:solidFill>
-                                  <a:prstClr val="black"/>
-                                </a:solidFill>
-                                <a:latin typeface="+mj-ea"/>
-                                <a:ea typeface="+mj-ea"/>
-                              </a:rPr>
-                              <m:t>2</m:t>
-                            </m:r>
-                          </m:sup>
-                        </m:sSubSup>
-                      </m:den>
-                    </m:f>
-                  </m:oMath>
-                </a14:m>
-                <a:r>
-                  <a:rPr lang="zh-CN" altLang="en-US" sz="2800" dirty="0">
-                    <a:solidFill>
-                      <a:prstClr val="black"/>
-                    </a:solidFill>
-                    <a:latin typeface="+mj-ea"/>
-                    <a:ea typeface="+mj-ea"/>
-                  </a:rPr>
-                  <a:t> ）时，分别比 </a:t>
-                </a:r>
-                <a:r>
-                  <a:rPr lang="en-US" altLang="zh-CN" sz="2800" dirty="0">
-                    <a:solidFill>
-                      <a:prstClr val="black"/>
-                    </a:solidFill>
-                    <a:latin typeface="+mj-ea"/>
-                    <a:ea typeface="+mj-ea"/>
-                  </a:rPr>
-                  <a:t>(</a:t>
-                </a:r>
-                <a:r>
-                  <a:rPr lang="zh-CN" altLang="en-US" sz="2800" dirty="0">
-                    <a:solidFill>
-                      <a:prstClr val="black"/>
-                    </a:solidFill>
-                    <a:latin typeface="+mj-ea"/>
-                    <a:ea typeface="+mj-ea"/>
-                  </a:rPr>
-                  <a:t>回归</a:t>
-                </a:r>
-                <a:r>
-                  <a:rPr lang="en-US" altLang="zh-CN" sz="2800" dirty="0">
-                    <a:solidFill>
-                      <a:prstClr val="black"/>
-                    </a:solidFill>
-                    <a:latin typeface="+mj-ea"/>
-                    <a:ea typeface="+mj-ea"/>
-                  </a:rPr>
-                  <a:t>) </a:t>
-                </a:r>
-                <a:r>
-                  <a:rPr lang="zh-CN" altLang="en-US" sz="2800" dirty="0">
-                    <a:solidFill>
-                      <a:prstClr val="black"/>
-                    </a:solidFill>
-                    <a:latin typeface="+mj-ea"/>
-                    <a:ea typeface="+mj-ea"/>
-                  </a:rPr>
-                  <a:t>估计精度不低于联合比 </a:t>
-                </a:r>
-                <a:r>
-                  <a:rPr lang="en-US" altLang="zh-CN" sz="2800" dirty="0">
-                    <a:solidFill>
-                      <a:prstClr val="black"/>
-                    </a:solidFill>
-                    <a:latin typeface="+mj-ea"/>
-                    <a:ea typeface="+mj-ea"/>
-                  </a:rPr>
-                  <a:t>(</a:t>
-                </a:r>
-                <a:r>
-                  <a:rPr lang="zh-CN" altLang="en-US" sz="2800" dirty="0">
-                    <a:solidFill>
-                      <a:prstClr val="black"/>
-                    </a:solidFill>
-                    <a:latin typeface="+mj-ea"/>
-                    <a:ea typeface="+mj-ea"/>
-                  </a:rPr>
-                  <a:t>回归</a:t>
-                </a:r>
-                <a:r>
-                  <a:rPr lang="en-US" altLang="zh-CN" sz="2800" dirty="0">
-                    <a:solidFill>
-                      <a:prstClr val="black"/>
-                    </a:solidFill>
-                    <a:latin typeface="+mj-ea"/>
-                    <a:ea typeface="+mj-ea"/>
-                  </a:rPr>
-                  <a:t>) </a:t>
-                </a:r>
-                <a:r>
-                  <a:rPr lang="zh-CN" altLang="en-US" sz="2800" dirty="0">
-                    <a:solidFill>
-                      <a:prstClr val="black"/>
-                    </a:solidFill>
-                    <a:latin typeface="+mj-ea"/>
-                    <a:ea typeface="+mj-ea"/>
-                  </a:rPr>
-                  <a:t>估计；</a:t>
+                  <a:t> 时，分别比估计精度不低于联合比估计；</a:t>
                 </a:r>
                 <a:endParaRPr lang="en-US" altLang="zh-CN" sz="2800" dirty="0">
                   <a:solidFill>
@@ -9921,8 +9441,8 @@
             </p:nvSpPr>
             <p:spPr>
               <a:xfrm>
-                <a:off x="719572" y="1400809"/>
-                <a:ext cx="7524836" cy="1992084"/>
+                <a:off x="719572" y="1204142"/>
+                <a:ext cx="7524836" cy="1247842"/>
               </a:xfrm>
               <a:prstGeom prst="rect">
                 <a:avLst/>
@@ -9930,7 +9450,7 @@
               <a:blipFill>
                 <a:blip r:embed="rId3"/>
                 <a:stretch>
-                  <a:fillRect l="-1621" b="-7339"/>
+                  <a:fillRect l="-1621" b="-12745"/>
                 </a:stretch>
               </a:blipFill>
             </p:spPr>
@@ -10184,7 +9704,7 @@
             </p:nvSpPr>
             <p:spPr>
               <a:xfrm>
-                <a:off x="737509" y="3665009"/>
+                <a:off x="710692" y="3939395"/>
                 <a:ext cx="7524836" cy="2246769"/>
               </a:xfrm>
               <a:prstGeom prst="rect">
@@ -10205,7 +9725,7 @@
                     </a:solidFill>
                     <a:ea typeface="华文楷体" panose="02010600040101010101" pitchFamily="2" charset="-122"/>
                   </a:rPr>
-                  <a:t>6.</a:t>
+                  <a:t>7.</a:t>
                 </a:r>
                 <a14:m>
                   <m:oMath xmlns:m="http://schemas.openxmlformats.org/officeDocument/2006/math">
@@ -10310,7 +9830,7 @@
                     <a:latin typeface="华文楷体" panose="02010600040101010101" pitchFamily="2" charset="-122"/>
                     <a:ea typeface="华文楷体" panose="02010600040101010101" pitchFamily="2" charset="-122"/>
                   </a:rPr>
-                  <a:t>不大时，由于此时无法得到分别比 </a:t>
+                  <a:t>不大时，由于此时没有分别比 </a:t>
                 </a:r>
                 <a:r>
                   <a:rPr lang="en-US" altLang="zh-CN" sz="2800" dirty="0">
@@ -10350,7 +9870,7 @@
                     <a:latin typeface="华文楷体" panose="02010600040101010101" pitchFamily="2" charset="-122"/>
                     <a:ea typeface="华文楷体" panose="02010600040101010101" pitchFamily="2" charset="-122"/>
                   </a:rPr>
-                  <a:t>估计方差的近似准确公式，以及联合估计无需辅助变量各层特征的便利性，如果要选择比 </a:t>
+                  <a:t>估计方差的准确或近似公式，以及联合估计无需辅助变量各层特征的便利性，如果要选择比 </a:t>
                 </a:r>
                 <a:r>
                   <a:rPr lang="en-US" altLang="zh-CN" sz="2800" dirty="0">
@@ -10460,7 +9980,7 @@
             </p:nvSpPr>
             <p:spPr>
               <a:xfrm>
-                <a:off x="737509" y="3665009"/>
+                <a:off x="710692" y="3939395"/>
                 <a:ext cx="7524836" cy="2246769"/>
               </a:xfrm>
               <a:prstGeom prst="rect">
@@ -10469,7 +9989,188 @@
               <a:blipFill>
                 <a:blip r:embed="rId4"/>
                 <a:stretch>
-                  <a:fillRect l="-1702" t="-3252" r="-1053" b="-6504"/>
+                  <a:fillRect l="-1702" t="-3252" r="-2512" b="-6504"/>
+                </a:stretch>
+              </a:blipFill>
+            </p:spPr>
+            <p:txBody>
+              <a:bodyPr/>
+              <a:lstStyle/>
+              <a:p>
+                <a:r>
+                  <a:rPr lang="zh-CN" altLang="en-US">
+                    <a:noFill/>
+                  </a:rPr>
+                  <a:t> </a:t>
+                </a:r>
+              </a:p>
+            </p:txBody>
+          </p:sp>
+        </mc:Fallback>
+      </mc:AlternateContent>
+      <mc:AlternateContent xmlns:mc="http://schemas.openxmlformats.org/markup-compatibility/2006">
+        <mc:Choice xmlns:a14="http://schemas.microsoft.com/office/drawing/2010/main" Requires="a14">
+          <p:sp>
+            <p:nvSpPr>
+              <p:cNvPr id="5" name="矩形 4">
+                <a:extLst>
+                  <a:ext uri="{FF2B5EF4-FFF2-40B4-BE49-F238E27FC236}">
+                    <a16:creationId xmlns:a16="http://schemas.microsoft.com/office/drawing/2014/main" id="{CB5AAC92-26ED-452E-A611-EE334A4112D7}"/>
+                  </a:ext>
+                </a:extLst>
+              </p:cNvPr>
+              <p:cNvSpPr/>
+              <p:nvPr/>
+            </p:nvSpPr>
+            <p:spPr>
+              <a:xfrm>
+                <a:off x="712888" y="2718636"/>
+                <a:ext cx="7524836" cy="954107"/>
+              </a:xfrm>
+              <a:prstGeom prst="rect">
+                <a:avLst/>
+              </a:prstGeom>
+            </p:spPr>
+            <p:txBody>
+              <a:bodyPr wrap="square">
+                <a:spAutoFit/>
+              </a:bodyPr>
+              <a:lstStyle/>
+              <a:p>
+                <a:pPr lvl="0"/>
+                <a:r>
+                  <a:rPr lang="en-US" altLang="zh-CN" sz="2800" dirty="0">
+                    <a:solidFill>
+                      <a:prstClr val="black"/>
+                    </a:solidFill>
+                    <a:latin typeface="华文楷体" panose="02010600040101010101" pitchFamily="2" charset="-122"/>
+                    <a:ea typeface="华文楷体" panose="02010600040101010101" pitchFamily="2" charset="-122"/>
+                  </a:rPr>
+                  <a:t>6.</a:t>
+                </a:r>
+                <a14:m>
+                  <m:oMath xmlns:m="http://schemas.openxmlformats.org/officeDocument/2006/math">
+                    <m:r>
+                      <a:rPr lang="zh-CN" altLang="en-US" sz="2800" i="1">
+                        <a:solidFill>
+                          <a:prstClr val="black"/>
+                        </a:solidFill>
+                        <a:latin typeface="Cambria Math" panose="02040503050406030204" pitchFamily="18" charset="0"/>
+                        <a:ea typeface="+mj-ea"/>
+                      </a:rPr>
+                      <m:t>当</m:t>
+                    </m:r>
+                  </m:oMath>
+                </a14:m>
+                <a:r>
+                  <a:rPr lang="zh-CN" altLang="en-US" sz="2800" dirty="0">
+                    <a:solidFill>
+                      <a:prstClr val="black"/>
+                    </a:solidFill>
+                    <a:latin typeface="华文楷体" panose="02010600040101010101" pitchFamily="2" charset="-122"/>
+                    <a:ea typeface="华文楷体" panose="02010600040101010101" pitchFamily="2" charset="-122"/>
+                  </a:rPr>
+                  <a:t>各层样本量 </a:t>
+                </a:r>
+                <a14:m>
+                  <m:oMath xmlns:m="http://schemas.openxmlformats.org/officeDocument/2006/math">
+                    <m:sSub>
+                      <m:sSubPr>
+                        <m:ctrlPr>
+                          <a:rPr lang="zh-CN" altLang="en-US" sz="2800" i="1">
+                            <a:solidFill>
+                              <a:prstClr val="black"/>
+                            </a:solidFill>
+                            <a:latin typeface="Cambria Math" panose="02040503050406030204" pitchFamily="18" charset="0"/>
+                            <a:ea typeface="+mj-ea"/>
+                          </a:rPr>
+                        </m:ctrlPr>
+                      </m:sSubPr>
+                      <m:e>
+                        <m:r>
+                          <a:rPr lang="en-US" altLang="zh-CN" sz="2800" i="1">
+                            <a:solidFill>
+                              <a:prstClr val="black"/>
+                            </a:solidFill>
+                            <a:latin typeface="Cambria Math" panose="02040503050406030204" pitchFamily="18" charset="0"/>
+                            <a:ea typeface="+mj-ea"/>
+                          </a:rPr>
+                          <m:t>𝑛</m:t>
+                        </m:r>
+                      </m:e>
+                      <m:sub>
+                        <m:r>
+                          <a:rPr lang="en-US" altLang="zh-CN" sz="2800" i="1">
+                            <a:solidFill>
+                              <a:prstClr val="black"/>
+                            </a:solidFill>
+                            <a:latin typeface="Cambria Math" panose="02040503050406030204" pitchFamily="18" charset="0"/>
+                            <a:ea typeface="+mj-ea"/>
+                          </a:rPr>
+                          <m:t>h</m:t>
+                        </m:r>
+                      </m:sub>
+                    </m:sSub>
+                  </m:oMath>
+                </a14:m>
+                <a:r>
+                  <a:rPr lang="en-US" altLang="zh-CN" sz="2800" dirty="0">
+                    <a:solidFill>
+                      <a:prstClr val="black"/>
+                    </a:solidFill>
+                    <a:latin typeface="华文楷体" panose="02010600040101010101" pitchFamily="2" charset="-122"/>
+                    <a:ea typeface="华文楷体" panose="02010600040101010101" pitchFamily="2" charset="-122"/>
+                  </a:rPr>
+                  <a:t> </a:t>
+                </a:r>
+                <a:r>
+                  <a:rPr lang="zh-CN" altLang="en-US" sz="2800" dirty="0">
+                    <a:solidFill>
+                      <a:prstClr val="black"/>
+                    </a:solidFill>
+                    <a:latin typeface="华文楷体" panose="02010600040101010101" pitchFamily="2" charset="-122"/>
+                    <a:ea typeface="华文楷体" panose="02010600040101010101" pitchFamily="2" charset="-122"/>
+                  </a:rPr>
+                  <a:t>较大时，分别回归估计精度不低于联合回归估计；</a:t>
+                </a:r>
+                <a:endParaRPr lang="en-US" altLang="zh-CN" sz="2800" dirty="0">
+                  <a:solidFill>
+                    <a:prstClr val="black"/>
+                  </a:solidFill>
+                  <a:latin typeface="华文楷体" panose="02010600040101010101" pitchFamily="2" charset="-122"/>
+                  <a:ea typeface="华文楷体" panose="02010600040101010101" pitchFamily="2" charset="-122"/>
+                </a:endParaRPr>
+              </a:p>
+            </p:txBody>
+          </p:sp>
+        </mc:Choice>
+        <mc:Fallback>
+          <p:sp>
+            <p:nvSpPr>
+              <p:cNvPr id="5" name="矩形 4">
+                <a:extLst>
+                  <a:ext uri="{FF2B5EF4-FFF2-40B4-BE49-F238E27FC236}">
+                    <a16:creationId xmlns:a16="http://schemas.microsoft.com/office/drawing/2014/main" id="{CB5AAC92-26ED-452E-A611-EE334A4112D7}"/>
+                  </a:ext>
+                </a:extLst>
+              </p:cNvPr>
+              <p:cNvSpPr>
+                <a:spLocks noRot="1" noChangeAspect="1" noMove="1" noResize="1" noEditPoints="1" noAdjustHandles="1" noChangeArrowheads="1" noChangeShapeType="1" noTextEdit="1"/>
+              </p:cNvSpPr>
+              <p:nvPr/>
+            </p:nvSpPr>
+            <p:spPr>
+              <a:xfrm>
+                <a:off x="712888" y="2718636"/>
+                <a:ext cx="7524836" cy="954107"/>
+              </a:xfrm>
+              <a:prstGeom prst="rect">
+                <a:avLst/>
+              </a:prstGeom>
+              <a:blipFill>
+                <a:blip r:embed="rId5"/>
+                <a:stretch>
+                  <a:fillRect l="-1702" t="-7051" b="-17308"/>
                 </a:stretch>
               </a:blipFill>
             </p:spPr>
@@ -10653,4609 +10354,6 @@
       <p:bldP spid="7" grpId="0"/>
     </p:bldLst>
   </p:timing>
-</p:sld>
-</file>
-
-<file path=ppt/slides/slide13.xml><?xml version="1.0" encoding="utf-8"?>
-<p:sld xmlns:a="http://schemas.openxmlformats.org/drawingml/2006/main" xmlns:r="http://schemas.openxmlformats.org/officeDocument/2006/relationships" xmlns:p="http://schemas.openxmlformats.org/presentationml/2006/main">
-  <p:cSld>
-    <p:spTree>
-      <p:nvGrpSpPr>
-        <p:cNvPr id="1" name=""/>
-        <p:cNvGrpSpPr/>
-        <p:nvPr/>
-      </p:nvGrpSpPr>
-      <p:grpSpPr>
-        <a:xfrm>
-          <a:off x="0" y="0"/>
-          <a:ext cx="0" cy="0"/>
-          <a:chOff x="0" y="0"/>
-          <a:chExt cx="0" cy="0"/>
-        </a:xfrm>
-      </p:grpSpPr>
-      <p:sp>
-        <p:nvSpPr>
-          <p:cNvPr id="2" name="Rectangle 2">
-            <a:extLst>
-              <a:ext uri="{FF2B5EF4-FFF2-40B4-BE49-F238E27FC236}">
-                <a16:creationId xmlns:a16="http://schemas.microsoft.com/office/drawing/2014/main" id="{23BEFF27-23DB-427F-9B52-8C60A56F0BE2}"/>
-              </a:ext>
-            </a:extLst>
-          </p:cNvPr>
-          <p:cNvSpPr>
-            <a:spLocks noChangeArrowheads="1"/>
-          </p:cNvSpPr>
-          <p:nvPr/>
-        </p:nvSpPr>
-        <p:spPr bwMode="auto">
-          <a:xfrm>
-            <a:off x="0" y="0"/>
-            <a:ext cx="9144000" cy="0"/>
-          </a:xfrm>
-          <a:prstGeom prst="rect">
-            <a:avLst/>
-          </a:prstGeom>
-          <a:noFill/>
-          <a:ln>
-            <a:noFill/>
-          </a:ln>
-          <a:effectLst/>
-          <a:extLst>
-            <a:ext uri="{909E8E84-426E-40DD-AFC4-6F175D3DCCD1}">
-              <a14:hiddenFill xmlns:a14="http://schemas.microsoft.com/office/drawing/2010/main">
-                <a:solidFill>
-                  <a:schemeClr val="accent1"/>
-                </a:solidFill>
-              </a14:hiddenFill>
-            </a:ext>
-            <a:ext uri="{91240B29-F687-4F45-9708-019B960494DF}">
-              <a14:hiddenLine xmlns:a14="http://schemas.microsoft.com/office/drawing/2010/main" w="9525">
-                <a:solidFill>
-                  <a:schemeClr val="tx1"/>
-                </a:solidFill>
-                <a:miter lim="800000"/>
-                <a:headEnd/>
-                <a:tailEnd/>
-              </a14:hiddenLine>
-            </a:ext>
-            <a:ext uri="{AF507438-7753-43E0-B8FC-AC1667EBCBE1}">
-              <a14:hiddenEffects xmlns:a14="http://schemas.microsoft.com/office/drawing/2010/main">
-                <a:effectLst>
-                  <a:outerShdw dist="35921" dir="2700000" algn="ctr" rotWithShape="0">
-                    <a:schemeClr val="bg2"/>
-                  </a:outerShdw>
-                </a:effectLst>
-              </a14:hiddenEffects>
-            </a:ext>
-          </a:extLst>
-        </p:spPr>
-        <p:txBody>
-          <a:bodyPr vert="horz" wrap="none" lIns="91440" tIns="45720" rIns="91440" bIns="45720" numCol="1" anchor="ctr" anchorCtr="0" compatLnSpc="1">
-            <a:prstTxWarp prst="textNoShape">
-              <a:avLst/>
-            </a:prstTxWarp>
-            <a:spAutoFit/>
-          </a:bodyPr>
-          <a:lstStyle/>
-          <a:p>
-            <a:endParaRPr lang="zh-CN" altLang="en-US"/>
-          </a:p>
-        </p:txBody>
-      </p:sp>
-      <p:sp>
-        <p:nvSpPr>
-          <p:cNvPr id="11" name="内容占位符 2">
-            <a:extLst>
-              <a:ext uri="{FF2B5EF4-FFF2-40B4-BE49-F238E27FC236}">
-                <a16:creationId xmlns:a16="http://schemas.microsoft.com/office/drawing/2014/main" id="{168A288C-76F5-464D-9CFA-B0FEF34AADE0}"/>
-              </a:ext>
-            </a:extLst>
-          </p:cNvPr>
-          <p:cNvSpPr txBox="1">
-            <a:spLocks/>
-          </p:cNvSpPr>
-          <p:nvPr/>
-        </p:nvSpPr>
-        <p:spPr>
-          <a:xfrm>
-            <a:off x="395605" y="260350"/>
-            <a:ext cx="8208645" cy="880110"/>
-          </a:xfrm>
-          <a:prstGeom prst="rect">
-            <a:avLst/>
-          </a:prstGeom>
-        </p:spPr>
-        <p:txBody>
-          <a:bodyPr vert="horz">
-            <a:normAutofit/>
-          </a:bodyPr>
-          <a:lstStyle>
-            <a:lvl1pPr marL="274320" indent="-274320" algn="l" rtl="0" eaLnBrk="1" latinLnBrk="0" hangingPunct="1">
-              <a:spcBef>
-                <a:spcPts val="600"/>
-              </a:spcBef>
-              <a:buClr>
-                <a:schemeClr val="accent1"/>
-              </a:buClr>
-              <a:buSzPct val="70000"/>
-              <a:buFont typeface="Wingdings" panose="05000000000000000000"/>
-              <a:buChar char=""/>
-              <a:defRPr kumimoji="0" sz="2400" kern="1200">
-                <a:solidFill>
-                  <a:schemeClr val="tx1"/>
-                </a:solidFill>
-                <a:latin typeface="+mn-lt"/>
-                <a:ea typeface="+mn-ea"/>
-                <a:cs typeface="+mn-cs"/>
-              </a:defRPr>
-            </a:lvl1pPr>
-            <a:lvl2pPr marL="640080" indent="-274320" algn="l" rtl="0" eaLnBrk="1" latinLnBrk="0" hangingPunct="1">
-              <a:spcBef>
-                <a:spcPct val="20000"/>
-              </a:spcBef>
-              <a:buClr>
-                <a:schemeClr val="accent1"/>
-              </a:buClr>
-              <a:buSzPct val="80000"/>
-              <a:buFont typeface="Wingdings 2" panose="05020102010507070707"/>
-              <a:buChar char=""/>
-              <a:defRPr kumimoji="0" sz="2100" kern="1200">
-                <a:solidFill>
-                  <a:schemeClr val="tx1"/>
-                </a:solidFill>
-                <a:latin typeface="+mn-lt"/>
-                <a:ea typeface="+mn-ea"/>
-                <a:cs typeface="+mn-cs"/>
-              </a:defRPr>
-            </a:lvl2pPr>
-            <a:lvl3pPr marL="914400" indent="-182880" algn="l" rtl="0" eaLnBrk="1" latinLnBrk="0" hangingPunct="1">
-              <a:spcBef>
-                <a:spcPct val="20000"/>
-              </a:spcBef>
-              <a:buClr>
-                <a:schemeClr val="accent1">
-                  <a:shade val="75000"/>
-                </a:schemeClr>
-              </a:buClr>
-              <a:buSzPct val="60000"/>
-              <a:buFont typeface="Wingdings" panose="05000000000000000000"/>
-              <a:buChar char=""/>
-              <a:defRPr kumimoji="0" sz="1800" kern="1200">
-                <a:solidFill>
-                  <a:schemeClr val="tx1"/>
-                </a:solidFill>
-                <a:latin typeface="+mn-lt"/>
-                <a:ea typeface="+mn-ea"/>
-                <a:cs typeface="+mn-cs"/>
-              </a:defRPr>
-            </a:lvl3pPr>
-            <a:lvl4pPr marL="1188720" indent="-182880" algn="l" rtl="0" eaLnBrk="1" latinLnBrk="0" hangingPunct="1">
-              <a:spcBef>
-                <a:spcPct val="20000"/>
-              </a:spcBef>
-              <a:buClr>
-                <a:schemeClr val="accent1">
-                  <a:tint val="60000"/>
-                </a:schemeClr>
-              </a:buClr>
-              <a:buSzPct val="60000"/>
-              <a:buFont typeface="Wingdings" panose="05000000000000000000"/>
-              <a:buChar char=""/>
-              <a:defRPr kumimoji="0" sz="1800" kern="1200">
-                <a:solidFill>
-                  <a:schemeClr val="tx1"/>
-                </a:solidFill>
-                <a:latin typeface="+mn-lt"/>
-                <a:ea typeface="+mn-ea"/>
-                <a:cs typeface="+mn-cs"/>
-              </a:defRPr>
-            </a:lvl4pPr>
-            <a:lvl5pPr marL="1463040" indent="-182880" algn="l" rtl="0" eaLnBrk="1" latinLnBrk="0" hangingPunct="1">
-              <a:spcBef>
-                <a:spcPct val="20000"/>
-              </a:spcBef>
-              <a:buClr>
-                <a:schemeClr val="accent2">
-                  <a:tint val="60000"/>
-                </a:schemeClr>
-              </a:buClr>
-              <a:buSzPct val="68000"/>
-              <a:buFont typeface="Wingdings 2" panose="05020102010507070707"/>
-              <a:buChar char=""/>
-              <a:defRPr kumimoji="0" sz="1600" kern="1200">
-                <a:solidFill>
-                  <a:schemeClr val="tx1"/>
-                </a:solidFill>
-                <a:latin typeface="+mn-lt"/>
-                <a:ea typeface="+mn-ea"/>
-                <a:cs typeface="+mn-cs"/>
-              </a:defRPr>
-            </a:lvl5pPr>
-            <a:lvl6pPr marL="1737360" indent="-182880" algn="l" rtl="0" eaLnBrk="1" latinLnBrk="0" hangingPunct="1">
-              <a:spcBef>
-                <a:spcPct val="20000"/>
-              </a:spcBef>
-              <a:buClr>
-                <a:schemeClr val="accent1"/>
-              </a:buClr>
-              <a:buChar char="•"/>
-              <a:defRPr kumimoji="0" sz="1600" kern="1200">
-                <a:solidFill>
-                  <a:schemeClr val="tx2"/>
-                </a:solidFill>
-                <a:latin typeface="+mn-lt"/>
-                <a:ea typeface="+mn-ea"/>
-                <a:cs typeface="+mn-cs"/>
-              </a:defRPr>
-            </a:lvl6pPr>
-            <a:lvl7pPr marL="2011680" indent="-182880" algn="l" rtl="0" eaLnBrk="1" latinLnBrk="0" hangingPunct="1">
-              <a:spcBef>
-                <a:spcPct val="20000"/>
-              </a:spcBef>
-              <a:buClr>
-                <a:schemeClr val="accent1">
-                  <a:tint val="60000"/>
-                </a:schemeClr>
-              </a:buClr>
-              <a:buSzPct val="60000"/>
-              <a:buFont typeface="Wingdings" panose="05000000000000000000"/>
-              <a:buChar char=""/>
-              <a:defRPr kumimoji="0" sz="1400" kern="1200" baseline="0">
-                <a:solidFill>
-                  <a:schemeClr val="tx2"/>
-                </a:solidFill>
-                <a:latin typeface="+mn-lt"/>
-                <a:ea typeface="+mn-ea"/>
-                <a:cs typeface="+mn-cs"/>
-              </a:defRPr>
-            </a:lvl7pPr>
-            <a:lvl8pPr marL="2286000" indent="-182880" algn="l" rtl="0" eaLnBrk="1" latinLnBrk="0" hangingPunct="1">
-              <a:spcBef>
-                <a:spcPct val="20000"/>
-              </a:spcBef>
-              <a:buClr>
-                <a:schemeClr val="accent2"/>
-              </a:buClr>
-              <a:buChar char="•"/>
-              <a:defRPr kumimoji="0" sz="1400" kern="1200" cap="small" baseline="0">
-                <a:solidFill>
-                  <a:schemeClr val="tx2"/>
-                </a:solidFill>
-                <a:latin typeface="+mn-lt"/>
-                <a:ea typeface="+mn-ea"/>
-                <a:cs typeface="+mn-cs"/>
-              </a:defRPr>
-            </a:lvl8pPr>
-            <a:lvl9pPr marL="2560320" indent="-182880" algn="l" rtl="0" eaLnBrk="1" latinLnBrk="0" hangingPunct="1">
-              <a:spcBef>
-                <a:spcPct val="20000"/>
-              </a:spcBef>
-              <a:buClr>
-                <a:schemeClr val="accent1">
-                  <a:shade val="75000"/>
-                </a:schemeClr>
-              </a:buClr>
-              <a:buChar char="•"/>
-              <a:defRPr kumimoji="0" sz="1400" kern="1200" baseline="0">
-                <a:solidFill>
-                  <a:schemeClr val="tx2"/>
-                </a:solidFill>
-                <a:latin typeface="+mn-lt"/>
-                <a:ea typeface="+mn-ea"/>
-                <a:cs typeface="+mn-cs"/>
-              </a:defRPr>
-            </a:lvl9pPr>
-          </a:lstStyle>
-          <a:p>
-            <a:r>
-              <a:rPr lang="zh-CN" altLang="en-US" sz="4400" b="1" dirty="0">
-                <a:latin typeface="隶书" panose="02010509060101010101" pitchFamily="49" charset="-122"/>
-                <a:ea typeface="隶书" panose="02010509060101010101" pitchFamily="49" charset="-122"/>
-              </a:rPr>
-              <a:t>联合回归估计的期望与方差</a:t>
-            </a:r>
-            <a:endParaRPr lang="en-US" altLang="zh-CN" sz="4400" b="1" dirty="0">
-              <a:latin typeface="隶书" panose="02010509060101010101" pitchFamily="49" charset="-122"/>
-              <a:ea typeface="隶书" panose="02010509060101010101" pitchFamily="49" charset="-122"/>
-            </a:endParaRPr>
-          </a:p>
-        </p:txBody>
-      </p:sp>
-      <mc:AlternateContent xmlns:mc="http://schemas.openxmlformats.org/markup-compatibility/2006">
-        <mc:Choice xmlns:a14="http://schemas.microsoft.com/office/drawing/2010/main" Requires="a14">
-          <p:sp>
-            <p:nvSpPr>
-              <p:cNvPr id="6" name="矩形 5">
-                <a:extLst>
-                  <a:ext uri="{FF2B5EF4-FFF2-40B4-BE49-F238E27FC236}">
-                    <a16:creationId xmlns:a16="http://schemas.microsoft.com/office/drawing/2014/main" id="{DE6C91C3-2963-4391-8792-B818F67E9DB2}"/>
-                  </a:ext>
-                </a:extLst>
-              </p:cNvPr>
-              <p:cNvSpPr/>
-              <p:nvPr/>
-            </p:nvSpPr>
-            <p:spPr>
-              <a:xfrm>
-                <a:off x="760239" y="1167442"/>
-                <a:ext cx="7623522" cy="5230984"/>
-              </a:xfrm>
-              <a:prstGeom prst="rect">
-                <a:avLst/>
-              </a:prstGeom>
-            </p:spPr>
-            <p:txBody>
-              <a:bodyPr wrap="square">
-                <a:spAutoFit/>
-              </a:bodyPr>
-              <a:lstStyle/>
-              <a:p>
-                <a:pPr lvl="0"/>
-                <a14:m>
-                  <m:oMath xmlns:m="http://schemas.openxmlformats.org/officeDocument/2006/math">
-                    <m:r>
-                      <a:rPr lang="zh-CN" altLang="en-US" sz="2400" i="1" smtClean="0">
-                        <a:solidFill>
-                          <a:prstClr val="black"/>
-                        </a:solidFill>
-                        <a:latin typeface="Cambria Math" panose="02040503050406030204" pitchFamily="18" charset="0"/>
-                        <a:ea typeface="+mj-ea"/>
-                      </a:rPr>
-                      <m:t>𝛽</m:t>
-                    </m:r>
-                    <m:r>
-                      <a:rPr lang="en-US" altLang="zh-CN" sz="2400" b="0" i="1" smtClean="0">
-                        <a:solidFill>
-                          <a:prstClr val="black"/>
-                        </a:solidFill>
-                        <a:latin typeface="Cambria Math" panose="02040503050406030204" pitchFamily="18" charset="0"/>
-                        <a:ea typeface="+mj-ea"/>
-                      </a:rPr>
-                      <m:t> </m:t>
-                    </m:r>
-                  </m:oMath>
-                </a14:m>
-                <a:r>
-                  <a:rPr lang="zh-CN" altLang="en-US" sz="2400" dirty="0">
-                    <a:solidFill>
-                      <a:prstClr val="black"/>
-                    </a:solidFill>
-                    <a:latin typeface="华文楷体" panose="02010600040101010101" pitchFamily="2" charset="-122"/>
-                    <a:ea typeface="华文楷体" panose="02010600040101010101" pitchFamily="2" charset="-122"/>
-                  </a:rPr>
-                  <a:t>事先给定：</a:t>
-                </a:r>
-                <a:endParaRPr lang="en-US" altLang="zh-CN" sz="2400" dirty="0">
-                  <a:solidFill>
-                    <a:prstClr val="black"/>
-                  </a:solidFill>
-                </a:endParaRPr>
-              </a:p>
-              <a:p>
-                <a:pPr lvl="0"/>
-                <a:endParaRPr lang="en-US" altLang="zh-CN" sz="2400" dirty="0">
-                  <a:solidFill>
-                    <a:prstClr val="black"/>
-                  </a:solidFill>
-                </a:endParaRPr>
-              </a:p>
-              <a:p>
-                <a:pPr lvl="0"/>
-                <a14:m>
-                  <m:oMathPara xmlns:m="http://schemas.openxmlformats.org/officeDocument/2006/math">
-                    <m:oMathParaPr>
-                      <m:jc m:val="centerGroup"/>
-                    </m:oMathParaPr>
-                    <m:oMath xmlns:m="http://schemas.openxmlformats.org/officeDocument/2006/math">
-                      <m:r>
-                        <a:rPr lang="zh-CN" altLang="en-US" sz="2400" i="1">
-                          <a:solidFill>
-                            <a:prstClr val="black"/>
-                          </a:solidFill>
-                          <a:latin typeface="Cambria Math" panose="02040503050406030204" pitchFamily="18" charset="0"/>
-                        </a:rPr>
-                        <m:t>𝐸</m:t>
-                      </m:r>
-                      <m:d>
-                        <m:dPr>
-                          <m:ctrlPr>
-                            <a:rPr lang="zh-CN" altLang="en-US" sz="2400" i="1">
-                              <a:solidFill>
-                                <a:prstClr val="black"/>
-                              </a:solidFill>
-                              <a:latin typeface="Cambria Math" panose="02040503050406030204" pitchFamily="18" charset="0"/>
-                            </a:rPr>
-                          </m:ctrlPr>
-                        </m:dPr>
-                        <m:e>
-                          <m:sSub>
-                            <m:sSubPr>
-                              <m:ctrlPr>
-                                <a:rPr lang="zh-CN" altLang="en-US" sz="2400" i="1">
-                                  <a:solidFill>
-                                    <a:prstClr val="black"/>
-                                  </a:solidFill>
-                                  <a:latin typeface="Cambria Math" panose="02040503050406030204" pitchFamily="18" charset="0"/>
-                                </a:rPr>
-                              </m:ctrlPr>
-                            </m:sSubPr>
-                            <m:e>
-                              <m:acc>
-                                <m:accPr>
-                                  <m:chr m:val="̅"/>
-                                  <m:ctrlPr>
-                                    <a:rPr lang="zh-CN" altLang="en-US" sz="2400" i="1">
-                                      <a:solidFill>
-                                        <a:prstClr val="black"/>
-                                      </a:solidFill>
-                                      <a:latin typeface="Cambria Math" panose="02040503050406030204" pitchFamily="18" charset="0"/>
-                                    </a:rPr>
-                                  </m:ctrlPr>
-                                </m:accPr>
-                                <m:e>
-                                  <m:r>
-                                    <a:rPr lang="zh-CN" altLang="en-US" sz="2400" i="1">
-                                      <a:solidFill>
-                                        <a:prstClr val="black"/>
-                                      </a:solidFill>
-                                      <a:latin typeface="Cambria Math" panose="02040503050406030204" pitchFamily="18" charset="0"/>
-                                    </a:rPr>
-                                    <m:t>𝑦</m:t>
-                                  </m:r>
-                                </m:e>
-                              </m:acc>
-                            </m:e>
-                            <m:sub>
-                              <m:r>
-                                <a:rPr lang="zh-CN" altLang="en-US" sz="2400" i="1">
-                                  <a:solidFill>
-                                    <a:prstClr val="black"/>
-                                  </a:solidFill>
-                                  <a:latin typeface="Cambria Math" panose="02040503050406030204" pitchFamily="18" charset="0"/>
-                                </a:rPr>
-                                <m:t>𝑙𝑟𝑐</m:t>
-                              </m:r>
-                            </m:sub>
-                          </m:sSub>
-                        </m:e>
-                      </m:d>
-                      <m:r>
-                        <a:rPr lang="zh-CN" altLang="en-US" sz="2400">
-                          <a:solidFill>
-                            <a:prstClr val="black"/>
-                          </a:solidFill>
-                          <a:latin typeface="Cambria Math" panose="02040503050406030204" pitchFamily="18" charset="0"/>
-                        </a:rPr>
-                        <m:t>=</m:t>
-                      </m:r>
-                      <m:acc>
-                        <m:accPr>
-                          <m:chr m:val="̅"/>
-                          <m:ctrlPr>
-                            <a:rPr lang="zh-CN" altLang="en-US" sz="2400" i="1">
-                              <a:solidFill>
-                                <a:prstClr val="black"/>
-                              </a:solidFill>
-                              <a:latin typeface="Cambria Math" panose="02040503050406030204" pitchFamily="18" charset="0"/>
-                            </a:rPr>
-                          </m:ctrlPr>
-                        </m:accPr>
-                        <m:e>
-                          <m:r>
-                            <a:rPr lang="zh-CN" altLang="en-US" sz="2400" i="1">
-                              <a:solidFill>
-                                <a:prstClr val="black"/>
-                              </a:solidFill>
-                              <a:latin typeface="Cambria Math" panose="02040503050406030204" pitchFamily="18" charset="0"/>
-                            </a:rPr>
-                            <m:t>𝑌</m:t>
-                          </m:r>
-                        </m:e>
-                      </m:acc>
-                    </m:oMath>
-                  </m:oMathPara>
-                </a14:m>
-                <a:endParaRPr lang="en-US" altLang="zh-CN" sz="2400" dirty="0">
-                  <a:solidFill>
-                    <a:prstClr val="black"/>
-                  </a:solidFill>
-                </a:endParaRPr>
-              </a:p>
-              <a:p>
-                <a:pPr lvl="0"/>
-                <a14:m>
-                  <m:oMathPara xmlns:m="http://schemas.openxmlformats.org/officeDocument/2006/math">
-                    <m:oMathParaPr>
-                      <m:jc m:val="centerGroup"/>
-                    </m:oMathParaPr>
-                    <m:oMath xmlns:m="http://schemas.openxmlformats.org/officeDocument/2006/math">
-                      <m:r>
-                        <a:rPr lang="zh-CN" altLang="en-US" sz="2400" i="1">
-                          <a:solidFill>
-                            <a:prstClr val="black"/>
-                          </a:solidFill>
-                          <a:latin typeface="Cambria Math" panose="02040503050406030204" pitchFamily="18" charset="0"/>
-                        </a:rPr>
-                        <m:t>𝑉</m:t>
-                      </m:r>
-                      <m:d>
-                        <m:dPr>
-                          <m:ctrlPr>
-                            <a:rPr lang="zh-CN" altLang="en-US" sz="2400" i="1">
-                              <a:solidFill>
-                                <a:prstClr val="black"/>
-                              </a:solidFill>
-                              <a:latin typeface="Cambria Math" panose="02040503050406030204" pitchFamily="18" charset="0"/>
-                            </a:rPr>
-                          </m:ctrlPr>
-                        </m:dPr>
-                        <m:e>
-                          <m:sSub>
-                            <m:sSubPr>
-                              <m:ctrlPr>
-                                <a:rPr lang="zh-CN" altLang="en-US" sz="2400" i="1">
-                                  <a:solidFill>
-                                    <a:prstClr val="black"/>
-                                  </a:solidFill>
-                                  <a:latin typeface="Cambria Math" panose="02040503050406030204" pitchFamily="18" charset="0"/>
-                                </a:rPr>
-                              </m:ctrlPr>
-                            </m:sSubPr>
-                            <m:e>
-                              <m:acc>
-                                <m:accPr>
-                                  <m:chr m:val="̅"/>
-                                  <m:ctrlPr>
-                                    <a:rPr lang="zh-CN" altLang="en-US" sz="2400" i="1">
-                                      <a:solidFill>
-                                        <a:prstClr val="black"/>
-                                      </a:solidFill>
-                                      <a:latin typeface="Cambria Math" panose="02040503050406030204" pitchFamily="18" charset="0"/>
-                                    </a:rPr>
-                                  </m:ctrlPr>
-                                </m:accPr>
-                                <m:e>
-                                  <m:r>
-                                    <a:rPr lang="zh-CN" altLang="en-US" sz="2400" i="1">
-                                      <a:solidFill>
-                                        <a:prstClr val="black"/>
-                                      </a:solidFill>
-                                      <a:latin typeface="Cambria Math" panose="02040503050406030204" pitchFamily="18" charset="0"/>
-                                    </a:rPr>
-                                    <m:t>𝑦</m:t>
-                                  </m:r>
-                                </m:e>
-                              </m:acc>
-                            </m:e>
-                            <m:sub>
-                              <m:r>
-                                <a:rPr lang="zh-CN" altLang="en-US" sz="2400" i="1">
-                                  <a:solidFill>
-                                    <a:prstClr val="black"/>
-                                  </a:solidFill>
-                                  <a:latin typeface="Cambria Math" panose="02040503050406030204" pitchFamily="18" charset="0"/>
-                                </a:rPr>
-                                <m:t>𝑙𝑟𝑐</m:t>
-                              </m:r>
-                            </m:sub>
-                          </m:sSub>
-                        </m:e>
-                      </m:d>
-                      <m:r>
-                        <a:rPr lang="zh-CN" altLang="en-US" sz="2400">
-                          <a:solidFill>
-                            <a:prstClr val="black"/>
-                          </a:solidFill>
-                          <a:latin typeface="Cambria Math" panose="02040503050406030204" pitchFamily="18" charset="0"/>
-                        </a:rPr>
-                        <m:t>=</m:t>
-                      </m:r>
-                      <m:nary>
-                        <m:naryPr>
-                          <m:chr m:val="∑"/>
-                          <m:limLoc m:val="undOvr"/>
-                          <m:grow m:val="on"/>
-                          <m:ctrlPr>
-                            <a:rPr lang="zh-CN" altLang="en-US" sz="2400" i="1">
-                              <a:solidFill>
-                                <a:prstClr val="black"/>
-                              </a:solidFill>
-                              <a:latin typeface="Cambria Math" panose="02040503050406030204" pitchFamily="18" charset="0"/>
-                            </a:rPr>
-                          </m:ctrlPr>
-                        </m:naryPr>
-                        <m:sub>
-                          <m:r>
-                            <a:rPr lang="zh-CN" altLang="en-US" sz="2400" i="1">
-                              <a:solidFill>
-                                <a:prstClr val="black"/>
-                              </a:solidFill>
-                              <a:latin typeface="Cambria Math" panose="02040503050406030204" pitchFamily="18" charset="0"/>
-                            </a:rPr>
-                            <m:t>h</m:t>
-                          </m:r>
-                          <m:r>
-                            <a:rPr lang="zh-CN" altLang="en-US" sz="2400">
-                              <a:solidFill>
-                                <a:prstClr val="black"/>
-                              </a:solidFill>
-                              <a:latin typeface="Cambria Math" panose="02040503050406030204" pitchFamily="18" charset="0"/>
-                            </a:rPr>
-                            <m:t>=1</m:t>
-                          </m:r>
-                        </m:sub>
-                        <m:sup>
-                          <m:r>
-                            <a:rPr lang="zh-CN" altLang="en-US" sz="2400" i="1">
-                              <a:solidFill>
-                                <a:prstClr val="black"/>
-                              </a:solidFill>
-                              <a:latin typeface="Cambria Math" panose="02040503050406030204" pitchFamily="18" charset="0"/>
-                            </a:rPr>
-                            <m:t>𝐿</m:t>
-                          </m:r>
-                        </m:sup>
-                        <m:e>
-                          <m:sSubSup>
-                            <m:sSubSupPr>
-                              <m:ctrlPr>
-                                <a:rPr lang="zh-CN" altLang="en-US" sz="2400" i="1">
-                                  <a:solidFill>
-                                    <a:prstClr val="black"/>
-                                  </a:solidFill>
-                                  <a:latin typeface="Cambria Math" panose="02040503050406030204" pitchFamily="18" charset="0"/>
-                                </a:rPr>
-                              </m:ctrlPr>
-                            </m:sSubSupPr>
-                            <m:e>
-                              <m:r>
-                                <a:rPr lang="zh-CN" altLang="en-US" sz="2400" i="1">
-                                  <a:solidFill>
-                                    <a:prstClr val="black"/>
-                                  </a:solidFill>
-                                  <a:latin typeface="Cambria Math" panose="02040503050406030204" pitchFamily="18" charset="0"/>
-                                </a:rPr>
-                                <m:t>𝑊</m:t>
-                              </m:r>
-                            </m:e>
-                            <m:sub>
-                              <m:r>
-                                <a:rPr lang="zh-CN" altLang="en-US" sz="2400" i="1">
-                                  <a:solidFill>
-                                    <a:prstClr val="black"/>
-                                  </a:solidFill>
-                                  <a:latin typeface="Cambria Math" panose="02040503050406030204" pitchFamily="18" charset="0"/>
-                                </a:rPr>
-                                <m:t>h</m:t>
-                              </m:r>
-                            </m:sub>
-                            <m:sup>
-                              <m:r>
-                                <a:rPr lang="zh-CN" altLang="en-US" sz="2400">
-                                  <a:solidFill>
-                                    <a:prstClr val="black"/>
-                                  </a:solidFill>
-                                  <a:latin typeface="Cambria Math" panose="02040503050406030204" pitchFamily="18" charset="0"/>
-                                </a:rPr>
-                                <m:t>2</m:t>
-                              </m:r>
-                            </m:sup>
-                          </m:sSubSup>
-                        </m:e>
-                      </m:nary>
-                      <m:f>
-                        <m:fPr>
-                          <m:ctrlPr>
-                            <a:rPr lang="zh-CN" altLang="en-US" sz="2400" i="1">
-                              <a:solidFill>
-                                <a:prstClr val="black"/>
-                              </a:solidFill>
-                              <a:latin typeface="Cambria Math" panose="02040503050406030204" pitchFamily="18" charset="0"/>
-                            </a:rPr>
-                          </m:ctrlPr>
-                        </m:fPr>
-                        <m:num>
-                          <m:r>
-                            <a:rPr lang="zh-CN" altLang="en-US" sz="2400">
-                              <a:solidFill>
-                                <a:prstClr val="black"/>
-                              </a:solidFill>
-                              <a:latin typeface="Cambria Math" panose="02040503050406030204" pitchFamily="18" charset="0"/>
-                            </a:rPr>
-                            <m:t>1−</m:t>
-                          </m:r>
-                          <m:sSub>
-                            <m:sSubPr>
-                              <m:ctrlPr>
-                                <a:rPr lang="zh-CN" altLang="en-US" sz="2400" i="1">
-                                  <a:solidFill>
-                                    <a:prstClr val="black"/>
-                                  </a:solidFill>
-                                  <a:latin typeface="Cambria Math" panose="02040503050406030204" pitchFamily="18" charset="0"/>
-                                </a:rPr>
-                              </m:ctrlPr>
-                            </m:sSubPr>
-                            <m:e>
-                              <m:r>
-                                <a:rPr lang="zh-CN" altLang="en-US" sz="2400" i="1">
-                                  <a:solidFill>
-                                    <a:prstClr val="black"/>
-                                  </a:solidFill>
-                                  <a:latin typeface="Cambria Math" panose="02040503050406030204" pitchFamily="18" charset="0"/>
-                                </a:rPr>
-                                <m:t>𝑓</m:t>
-                              </m:r>
-                            </m:e>
-                            <m:sub>
-                              <m:r>
-                                <a:rPr lang="zh-CN" altLang="en-US" sz="2400" i="1">
-                                  <a:solidFill>
-                                    <a:prstClr val="black"/>
-                                  </a:solidFill>
-                                  <a:latin typeface="Cambria Math" panose="02040503050406030204" pitchFamily="18" charset="0"/>
-                                </a:rPr>
-                                <m:t>h</m:t>
-                              </m:r>
-                            </m:sub>
-                          </m:sSub>
-                        </m:num>
-                        <m:den>
-                          <m:sSub>
-                            <m:sSubPr>
-                              <m:ctrlPr>
-                                <a:rPr lang="zh-CN" altLang="en-US" sz="2400" i="1">
-                                  <a:solidFill>
-                                    <a:prstClr val="black"/>
-                                  </a:solidFill>
-                                  <a:latin typeface="Cambria Math" panose="02040503050406030204" pitchFamily="18" charset="0"/>
-                                </a:rPr>
-                              </m:ctrlPr>
-                            </m:sSubPr>
-                            <m:e>
-                              <m:r>
-                                <a:rPr lang="zh-CN" altLang="en-US" sz="2400" i="1">
-                                  <a:solidFill>
-                                    <a:prstClr val="black"/>
-                                  </a:solidFill>
-                                  <a:latin typeface="Cambria Math" panose="02040503050406030204" pitchFamily="18" charset="0"/>
-                                </a:rPr>
-                                <m:t>𝑛</m:t>
-                              </m:r>
-                            </m:e>
-                            <m:sub>
-                              <m:r>
-                                <a:rPr lang="zh-CN" altLang="en-US" sz="2400" i="1">
-                                  <a:solidFill>
-                                    <a:prstClr val="black"/>
-                                  </a:solidFill>
-                                  <a:latin typeface="Cambria Math" panose="02040503050406030204" pitchFamily="18" charset="0"/>
-                                </a:rPr>
-                                <m:t>h</m:t>
-                              </m:r>
-                            </m:sub>
-                          </m:sSub>
-                        </m:den>
-                      </m:f>
-                      <m:d>
-                        <m:dPr>
-                          <m:ctrlPr>
-                            <a:rPr lang="zh-CN" altLang="en-US" sz="2400" i="1">
-                              <a:solidFill>
-                                <a:prstClr val="black"/>
-                              </a:solidFill>
-                              <a:latin typeface="Cambria Math" panose="02040503050406030204" pitchFamily="18" charset="0"/>
-                            </a:rPr>
-                          </m:ctrlPr>
-                        </m:dPr>
-                        <m:e>
-                          <m:sSubSup>
-                            <m:sSubSupPr>
-                              <m:ctrlPr>
-                                <a:rPr lang="zh-CN" altLang="en-US" sz="2400" i="1">
-                                  <a:solidFill>
-                                    <a:prstClr val="black"/>
-                                  </a:solidFill>
-                                  <a:latin typeface="Cambria Math" panose="02040503050406030204" pitchFamily="18" charset="0"/>
-                                </a:rPr>
-                              </m:ctrlPr>
-                            </m:sSubSupPr>
-                            <m:e>
-                              <m:r>
-                                <a:rPr lang="zh-CN" altLang="en-US" sz="2400" i="1">
-                                  <a:solidFill>
-                                    <a:prstClr val="black"/>
-                                  </a:solidFill>
-                                  <a:latin typeface="Cambria Math" panose="02040503050406030204" pitchFamily="18" charset="0"/>
-                                </a:rPr>
-                                <m:t>𝑆</m:t>
-                              </m:r>
-                            </m:e>
-                            <m:sub>
-                              <m:r>
-                                <a:rPr lang="zh-CN" altLang="en-US" sz="2400" i="1">
-                                  <a:solidFill>
-                                    <a:prstClr val="black"/>
-                                  </a:solidFill>
-                                  <a:latin typeface="Cambria Math" panose="02040503050406030204" pitchFamily="18" charset="0"/>
-                                </a:rPr>
-                                <m:t>𝑦h</m:t>
-                              </m:r>
-                            </m:sub>
-                            <m:sup>
-                              <m:r>
-                                <a:rPr lang="zh-CN" altLang="en-US" sz="2400">
-                                  <a:solidFill>
-                                    <a:prstClr val="black"/>
-                                  </a:solidFill>
-                                  <a:latin typeface="Cambria Math" panose="02040503050406030204" pitchFamily="18" charset="0"/>
-                                </a:rPr>
-                                <m:t>2</m:t>
-                              </m:r>
-                            </m:sup>
-                          </m:sSubSup>
-                          <m:r>
-                            <a:rPr lang="zh-CN" altLang="en-US" sz="2400">
-                              <a:solidFill>
-                                <a:prstClr val="black"/>
-                              </a:solidFill>
-                              <a:latin typeface="Cambria Math" panose="02040503050406030204" pitchFamily="18" charset="0"/>
-                            </a:rPr>
-                            <m:t>−2</m:t>
-                          </m:r>
-                          <m:r>
-                            <a:rPr lang="zh-CN" altLang="en-US" sz="2400" i="1">
-                              <a:solidFill>
-                                <a:prstClr val="black"/>
-                              </a:solidFill>
-                              <a:latin typeface="Cambria Math" panose="02040503050406030204" pitchFamily="18" charset="0"/>
-                            </a:rPr>
-                            <m:t>𝛽</m:t>
-                          </m:r>
-                          <m:sSub>
-                            <m:sSubPr>
-                              <m:ctrlPr>
-                                <a:rPr lang="zh-CN" altLang="en-US" sz="2400" i="1">
-                                  <a:solidFill>
-                                    <a:prstClr val="black"/>
-                                  </a:solidFill>
-                                  <a:latin typeface="Cambria Math" panose="02040503050406030204" pitchFamily="18" charset="0"/>
-                                </a:rPr>
-                              </m:ctrlPr>
-                            </m:sSubPr>
-                            <m:e>
-                              <m:r>
-                                <a:rPr lang="zh-CN" altLang="en-US" sz="2400" i="1">
-                                  <a:solidFill>
-                                    <a:prstClr val="black"/>
-                                  </a:solidFill>
-                                  <a:latin typeface="Cambria Math" panose="02040503050406030204" pitchFamily="18" charset="0"/>
-                                </a:rPr>
-                                <m:t>𝑆</m:t>
-                              </m:r>
-                            </m:e>
-                            <m:sub>
-                              <m:r>
-                                <a:rPr lang="zh-CN" altLang="en-US" sz="2400" i="1">
-                                  <a:solidFill>
-                                    <a:prstClr val="black"/>
-                                  </a:solidFill>
-                                  <a:latin typeface="Cambria Math" panose="02040503050406030204" pitchFamily="18" charset="0"/>
-                                </a:rPr>
-                                <m:t>𝑥𝑦h</m:t>
-                              </m:r>
-                            </m:sub>
-                          </m:sSub>
-                          <m:r>
-                            <a:rPr lang="zh-CN" altLang="en-US" sz="2400">
-                              <a:solidFill>
-                                <a:prstClr val="black"/>
-                              </a:solidFill>
-                              <a:latin typeface="Cambria Math" panose="02040503050406030204" pitchFamily="18" charset="0"/>
-                            </a:rPr>
-                            <m:t>+</m:t>
-                          </m:r>
-                          <m:sSup>
-                            <m:sSupPr>
-                              <m:ctrlPr>
-                                <a:rPr lang="zh-CN" altLang="en-US" sz="2400" i="1">
-                                  <a:solidFill>
-                                    <a:prstClr val="black"/>
-                                  </a:solidFill>
-                                  <a:latin typeface="Cambria Math" panose="02040503050406030204" pitchFamily="18" charset="0"/>
-                                </a:rPr>
-                              </m:ctrlPr>
-                            </m:sSupPr>
-                            <m:e>
-                              <m:r>
-                                <a:rPr lang="zh-CN" altLang="en-US" sz="2400" i="1">
-                                  <a:solidFill>
-                                    <a:prstClr val="black"/>
-                                  </a:solidFill>
-                                  <a:latin typeface="Cambria Math" panose="02040503050406030204" pitchFamily="18" charset="0"/>
-                                </a:rPr>
-                                <m:t>𝛽</m:t>
-                              </m:r>
-                            </m:e>
-                            <m:sup>
-                              <m:r>
-                                <a:rPr lang="zh-CN" altLang="en-US" sz="2400">
-                                  <a:solidFill>
-                                    <a:prstClr val="black"/>
-                                  </a:solidFill>
-                                  <a:latin typeface="Cambria Math" panose="02040503050406030204" pitchFamily="18" charset="0"/>
-                                </a:rPr>
-                                <m:t>2</m:t>
-                              </m:r>
-                            </m:sup>
-                          </m:sSup>
-                          <m:sSubSup>
-                            <m:sSubSupPr>
-                              <m:ctrlPr>
-                                <a:rPr lang="zh-CN" altLang="en-US" sz="2400" i="1">
-                                  <a:solidFill>
-                                    <a:prstClr val="black"/>
-                                  </a:solidFill>
-                                  <a:latin typeface="Cambria Math" panose="02040503050406030204" pitchFamily="18" charset="0"/>
-                                </a:rPr>
-                              </m:ctrlPr>
-                            </m:sSubSupPr>
-                            <m:e>
-                              <m:r>
-                                <a:rPr lang="zh-CN" altLang="en-US" sz="2400" i="1">
-                                  <a:solidFill>
-                                    <a:prstClr val="black"/>
-                                  </a:solidFill>
-                                  <a:latin typeface="Cambria Math" panose="02040503050406030204" pitchFamily="18" charset="0"/>
-                                </a:rPr>
-                                <m:t>𝑆</m:t>
-                              </m:r>
-                            </m:e>
-                            <m:sub>
-                              <m:r>
-                                <a:rPr lang="zh-CN" altLang="en-US" sz="2400" i="1">
-                                  <a:solidFill>
-                                    <a:prstClr val="black"/>
-                                  </a:solidFill>
-                                  <a:latin typeface="Cambria Math" panose="02040503050406030204" pitchFamily="18" charset="0"/>
-                                </a:rPr>
-                                <m:t>𝑥h</m:t>
-                              </m:r>
-                            </m:sub>
-                            <m:sup>
-                              <m:r>
-                                <a:rPr lang="zh-CN" altLang="en-US" sz="2400">
-                                  <a:solidFill>
-                                    <a:prstClr val="black"/>
-                                  </a:solidFill>
-                                  <a:latin typeface="Cambria Math" panose="02040503050406030204" pitchFamily="18" charset="0"/>
-                                </a:rPr>
-                                <m:t>2</m:t>
-                              </m:r>
-                            </m:sup>
-                          </m:sSubSup>
-                        </m:e>
-                      </m:d>
-                    </m:oMath>
-                  </m:oMathPara>
-                </a14:m>
-                <a:endParaRPr lang="en-US" altLang="zh-CN" dirty="0"/>
-              </a:p>
-              <a:p>
-                <a:pPr lvl="0"/>
-                <a:endParaRPr lang="en-US" altLang="zh-CN" sz="2400" i="1" dirty="0">
-                  <a:solidFill>
-                    <a:prstClr val="black"/>
-                  </a:solidFill>
-                  <a:latin typeface="Cambria Math" panose="02040503050406030204" pitchFamily="18" charset="0"/>
-                  <a:ea typeface="+mj-ea"/>
-                </a:endParaRPr>
-              </a:p>
-              <a:p>
-                <a:pPr lvl="0"/>
-                <a14:m>
-                  <m:oMath xmlns:m="http://schemas.openxmlformats.org/officeDocument/2006/math">
-                    <m:r>
-                      <a:rPr lang="zh-CN" altLang="en-US" sz="2400" i="1">
-                        <a:solidFill>
-                          <a:prstClr val="black"/>
-                        </a:solidFill>
-                        <a:latin typeface="Cambria Math" panose="02040503050406030204" pitchFamily="18" charset="0"/>
-                        <a:ea typeface="+mj-ea"/>
-                      </a:rPr>
-                      <m:t>𝛽</m:t>
-                    </m:r>
-                    <m:r>
-                      <a:rPr lang="en-US" altLang="zh-CN" sz="2400" b="0" i="1" smtClean="0">
-                        <a:solidFill>
-                          <a:prstClr val="black"/>
-                        </a:solidFill>
-                        <a:latin typeface="Cambria Math" panose="02040503050406030204" pitchFamily="18" charset="0"/>
-                        <a:ea typeface="+mj-ea"/>
-                      </a:rPr>
-                      <m:t> </m:t>
-                    </m:r>
-                  </m:oMath>
-                </a14:m>
-                <a:r>
-                  <a:rPr lang="zh-CN" altLang="en-US" sz="2400" dirty="0">
-                    <a:solidFill>
-                      <a:prstClr val="black"/>
-                    </a:solidFill>
-                    <a:latin typeface="华文楷体" panose="02010600040101010101" pitchFamily="2" charset="-122"/>
-                    <a:ea typeface="华文楷体" panose="02010600040101010101" pitchFamily="2" charset="-122"/>
-                  </a:rPr>
-                  <a:t>事先未定，</a:t>
-                </a:r>
-                <a14:m>
-                  <m:oMath xmlns:m="http://schemas.openxmlformats.org/officeDocument/2006/math">
-                    <m:r>
-                      <a:rPr lang="zh-CN" altLang="en-US" sz="2400" i="1">
-                        <a:solidFill>
-                          <a:prstClr val="black"/>
-                        </a:solidFill>
-                        <a:latin typeface="Cambria Math" panose="02040503050406030204" pitchFamily="18" charset="0"/>
-                        <a:ea typeface="+mj-ea"/>
-                      </a:rPr>
-                      <m:t>样本量</m:t>
-                    </m:r>
-                    <m:r>
-                      <a:rPr lang="en-US" altLang="zh-CN" sz="2400" i="1">
-                        <a:solidFill>
-                          <a:prstClr val="black"/>
-                        </a:solidFill>
-                        <a:latin typeface="Cambria Math" panose="02040503050406030204" pitchFamily="18" charset="0"/>
-                        <a:ea typeface="+mj-ea"/>
-                      </a:rPr>
-                      <m:t> </m:t>
-                    </m:r>
-                    <m:r>
-                      <a:rPr lang="en-US" altLang="zh-CN" sz="2400" i="1">
-                        <a:solidFill>
-                          <a:prstClr val="black"/>
-                        </a:solidFill>
-                        <a:latin typeface="Cambria Math" panose="02040503050406030204" pitchFamily="18" charset="0"/>
-                        <a:ea typeface="+mj-ea"/>
-                      </a:rPr>
-                      <m:t>𝑛</m:t>
-                    </m:r>
-                    <m:r>
-                      <a:rPr lang="en-US" altLang="zh-CN" sz="2400" b="0" i="1" smtClean="0">
-                        <a:solidFill>
-                          <a:prstClr val="black"/>
-                        </a:solidFill>
-                        <a:latin typeface="Cambria Math" panose="02040503050406030204" pitchFamily="18" charset="0"/>
-                        <a:ea typeface="+mj-ea"/>
-                      </a:rPr>
-                      <m:t> </m:t>
-                    </m:r>
-                  </m:oMath>
-                </a14:m>
-                <a:r>
-                  <a:rPr lang="zh-CN" altLang="en-US" sz="2400" dirty="0">
-                    <a:solidFill>
-                      <a:prstClr val="black"/>
-                    </a:solidFill>
-                    <a:latin typeface="华文楷体" panose="02010600040101010101" pitchFamily="2" charset="-122"/>
-                    <a:ea typeface="华文楷体" panose="02010600040101010101" pitchFamily="2" charset="-122"/>
-                  </a:rPr>
-                  <a:t>较大：</a:t>
-                </a:r>
-                <a:endParaRPr lang="en-US" altLang="zh-CN" sz="2400" dirty="0">
-                  <a:solidFill>
-                    <a:prstClr val="black"/>
-                  </a:solidFill>
-                  <a:latin typeface="华文楷体" panose="02010600040101010101" pitchFamily="2" charset="-122"/>
-                  <a:ea typeface="华文楷体" panose="02010600040101010101" pitchFamily="2" charset="-122"/>
-                </a:endParaRPr>
-              </a:p>
-              <a:p>
-                <a:pPr lvl="0"/>
-                <a:endParaRPr lang="en-US" altLang="zh-CN" sz="2400" dirty="0">
-                  <a:solidFill>
-                    <a:prstClr val="black"/>
-                  </a:solidFill>
-                  <a:latin typeface="华文楷体" panose="02010600040101010101" pitchFamily="2" charset="-122"/>
-                  <a:ea typeface="华文楷体" panose="02010600040101010101" pitchFamily="2" charset="-122"/>
-                </a:endParaRPr>
-              </a:p>
-              <a:p>
-                <a:pPr lvl="0"/>
-                <a14:m>
-                  <m:oMathPara xmlns:m="http://schemas.openxmlformats.org/officeDocument/2006/math">
-                    <m:oMathParaPr>
-                      <m:jc m:val="centerGroup"/>
-                    </m:oMathParaPr>
-                    <m:oMath xmlns:m="http://schemas.openxmlformats.org/officeDocument/2006/math">
-                      <m:r>
-                        <a:rPr lang="zh-CN" altLang="en-US" sz="2400" i="1">
-                          <a:solidFill>
-                            <a:prstClr val="black"/>
-                          </a:solidFill>
-                          <a:latin typeface="Cambria Math" panose="02040503050406030204" pitchFamily="18" charset="0"/>
-                        </a:rPr>
-                        <m:t>𝐸</m:t>
-                      </m:r>
-                      <m:d>
-                        <m:dPr>
-                          <m:ctrlPr>
-                            <a:rPr lang="zh-CN" altLang="en-US" sz="2400" i="1">
-                              <a:solidFill>
-                                <a:prstClr val="black"/>
-                              </a:solidFill>
-                              <a:latin typeface="Cambria Math" panose="02040503050406030204" pitchFamily="18" charset="0"/>
-                            </a:rPr>
-                          </m:ctrlPr>
-                        </m:dPr>
-                        <m:e>
-                          <m:sSub>
-                            <m:sSubPr>
-                              <m:ctrlPr>
-                                <a:rPr lang="zh-CN" altLang="en-US" sz="2400" i="1">
-                                  <a:solidFill>
-                                    <a:prstClr val="black"/>
-                                  </a:solidFill>
-                                  <a:latin typeface="Cambria Math" panose="02040503050406030204" pitchFamily="18" charset="0"/>
-                                </a:rPr>
-                              </m:ctrlPr>
-                            </m:sSubPr>
-                            <m:e>
-                              <m:acc>
-                                <m:accPr>
-                                  <m:chr m:val="̅"/>
-                                  <m:ctrlPr>
-                                    <a:rPr lang="zh-CN" altLang="en-US" sz="2400" i="1">
-                                      <a:solidFill>
-                                        <a:prstClr val="black"/>
-                                      </a:solidFill>
-                                      <a:latin typeface="Cambria Math" panose="02040503050406030204" pitchFamily="18" charset="0"/>
-                                    </a:rPr>
-                                  </m:ctrlPr>
-                                </m:accPr>
-                                <m:e>
-                                  <m:r>
-                                    <a:rPr lang="zh-CN" altLang="en-US" sz="2400" i="1">
-                                      <a:solidFill>
-                                        <a:prstClr val="black"/>
-                                      </a:solidFill>
-                                      <a:latin typeface="Cambria Math" panose="02040503050406030204" pitchFamily="18" charset="0"/>
-                                    </a:rPr>
-                                    <m:t>𝑦</m:t>
-                                  </m:r>
-                                </m:e>
-                              </m:acc>
-                            </m:e>
-                            <m:sub>
-                              <m:r>
-                                <a:rPr lang="zh-CN" altLang="en-US" sz="2400" i="1">
-                                  <a:solidFill>
-                                    <a:prstClr val="black"/>
-                                  </a:solidFill>
-                                  <a:latin typeface="Cambria Math" panose="02040503050406030204" pitchFamily="18" charset="0"/>
-                                </a:rPr>
-                                <m:t>𝑙𝑟</m:t>
-                              </m:r>
-                              <m:r>
-                                <a:rPr lang="en-US" altLang="zh-CN" sz="2400" i="1">
-                                  <a:solidFill>
-                                    <a:prstClr val="black"/>
-                                  </a:solidFill>
-                                  <a:latin typeface="Cambria Math" panose="02040503050406030204" pitchFamily="18" charset="0"/>
-                                </a:rPr>
-                                <m:t>𝑐</m:t>
-                              </m:r>
-                            </m:sub>
-                          </m:sSub>
-                        </m:e>
-                      </m:d>
-                      <m:r>
-                        <a:rPr lang="zh-CN" altLang="en-US" sz="2400">
-                          <a:solidFill>
-                            <a:prstClr val="black"/>
-                          </a:solidFill>
-                          <a:latin typeface="Cambria Math" panose="02040503050406030204" pitchFamily="18" charset="0"/>
-                        </a:rPr>
-                        <m:t>≈</m:t>
-                      </m:r>
-                      <m:acc>
-                        <m:accPr>
-                          <m:chr m:val="̅"/>
-                          <m:ctrlPr>
-                            <a:rPr lang="zh-CN" altLang="en-US" sz="2400" i="1">
-                              <a:solidFill>
-                                <a:prstClr val="black"/>
-                              </a:solidFill>
-                              <a:latin typeface="Cambria Math" panose="02040503050406030204" pitchFamily="18" charset="0"/>
-                            </a:rPr>
-                          </m:ctrlPr>
-                        </m:accPr>
-                        <m:e>
-                          <m:r>
-                            <a:rPr lang="zh-CN" altLang="en-US" sz="2400" i="1">
-                              <a:solidFill>
-                                <a:prstClr val="black"/>
-                              </a:solidFill>
-                              <a:latin typeface="Cambria Math" panose="02040503050406030204" pitchFamily="18" charset="0"/>
-                            </a:rPr>
-                            <m:t>𝑌</m:t>
-                          </m:r>
-                        </m:e>
-                      </m:acc>
-                      <m:r>
-                        <a:rPr lang="en-US" altLang="zh-CN" sz="2400" i="1">
-                          <a:solidFill>
-                            <a:prstClr val="black"/>
-                          </a:solidFill>
-                          <a:latin typeface="Cambria Math" panose="02040503050406030204" pitchFamily="18" charset="0"/>
-                        </a:rPr>
-                        <m:t>,</m:t>
-                      </m:r>
-                      <m:sSub>
-                        <m:sSubPr>
-                          <m:ctrlPr>
-                            <a:rPr lang="zh-CN" altLang="en-US" sz="2400" i="1">
-                              <a:solidFill>
-                                <a:prstClr val="black"/>
-                              </a:solidFill>
-                              <a:latin typeface="Cambria Math" panose="02040503050406030204" pitchFamily="18" charset="0"/>
-                            </a:rPr>
-                          </m:ctrlPr>
-                        </m:sSubPr>
-                        <m:e>
-                          <m:r>
-                            <a:rPr lang="zh-CN" altLang="en-US" sz="2400" i="1">
-                              <a:solidFill>
-                                <a:prstClr val="black"/>
-                              </a:solidFill>
-                              <a:latin typeface="Cambria Math" panose="02040503050406030204" pitchFamily="18" charset="0"/>
-                            </a:rPr>
-                            <m:t>𝐵</m:t>
-                          </m:r>
-                        </m:e>
-                        <m:sub>
-                          <m:r>
-                            <a:rPr lang="zh-CN" altLang="en-US" sz="2400" i="1">
-                              <a:solidFill>
-                                <a:prstClr val="black"/>
-                              </a:solidFill>
-                              <a:latin typeface="Cambria Math" panose="02040503050406030204" pitchFamily="18" charset="0"/>
-                            </a:rPr>
-                            <m:t>𝑐</m:t>
-                          </m:r>
-                        </m:sub>
-                      </m:sSub>
-                      <m:r>
-                        <a:rPr lang="en-US" altLang="zh-CN" sz="2400" i="1">
-                          <a:solidFill>
-                            <a:prstClr val="black"/>
-                          </a:solidFill>
-                          <a:latin typeface="Cambria Math" panose="02040503050406030204" pitchFamily="18" charset="0"/>
-                        </a:rPr>
-                        <m:t>=</m:t>
-                      </m:r>
-                      <m:f>
-                        <m:fPr>
-                          <m:ctrlPr>
-                            <a:rPr lang="zh-CN" altLang="en-US" sz="2400" i="1">
-                              <a:solidFill>
-                                <a:prstClr val="black"/>
-                              </a:solidFill>
-                              <a:latin typeface="Cambria Math" panose="02040503050406030204" pitchFamily="18" charset="0"/>
-                            </a:rPr>
-                          </m:ctrlPr>
-                        </m:fPr>
-                        <m:num>
-                          <m:nary>
-                            <m:naryPr>
-                              <m:chr m:val="∑"/>
-                              <m:limLoc m:val="undOvr"/>
-                              <m:grow m:val="on"/>
-                              <m:ctrlPr>
-                                <a:rPr lang="zh-CN" altLang="en-US" sz="2400" i="1">
-                                  <a:solidFill>
-                                    <a:prstClr val="black"/>
-                                  </a:solidFill>
-                                  <a:latin typeface="Cambria Math" panose="02040503050406030204" pitchFamily="18" charset="0"/>
-                                </a:rPr>
-                              </m:ctrlPr>
-                            </m:naryPr>
-                            <m:sub>
-                              <m:r>
-                                <a:rPr lang="zh-CN" altLang="en-US" sz="2400" i="1">
-                                  <a:solidFill>
-                                    <a:prstClr val="black"/>
-                                  </a:solidFill>
-                                  <a:latin typeface="Cambria Math" panose="02040503050406030204" pitchFamily="18" charset="0"/>
-                                </a:rPr>
-                                <m:t>h</m:t>
-                              </m:r>
-                              <m:r>
-                                <a:rPr lang="zh-CN" altLang="en-US" sz="2400">
-                                  <a:solidFill>
-                                    <a:prstClr val="black"/>
-                                  </a:solidFill>
-                                  <a:latin typeface="Cambria Math" panose="02040503050406030204" pitchFamily="18" charset="0"/>
-                                </a:rPr>
-                                <m:t>=1</m:t>
-                              </m:r>
-                            </m:sub>
-                            <m:sup>
-                              <m:r>
-                                <a:rPr lang="zh-CN" altLang="en-US" sz="2400" i="1">
-                                  <a:solidFill>
-                                    <a:prstClr val="black"/>
-                                  </a:solidFill>
-                                  <a:latin typeface="Cambria Math" panose="02040503050406030204" pitchFamily="18" charset="0"/>
-                                </a:rPr>
-                                <m:t>𝐿</m:t>
-                              </m:r>
-                            </m:sup>
-                            <m:e>
-                              <m:sSub>
-                                <m:sSubPr>
-                                  <m:ctrlPr>
-                                    <a:rPr lang="zh-CN" altLang="en-US" sz="2400" i="1">
-                                      <a:solidFill>
-                                        <a:prstClr val="black"/>
-                                      </a:solidFill>
-                                      <a:latin typeface="Cambria Math" panose="02040503050406030204" pitchFamily="18" charset="0"/>
-                                    </a:rPr>
-                                  </m:ctrlPr>
-                                </m:sSubPr>
-                                <m:e>
-                                  <m:r>
-                                    <a:rPr lang="en-US" altLang="zh-CN" sz="2400" i="1">
-                                      <a:solidFill>
-                                        <a:prstClr val="black"/>
-                                      </a:solidFill>
-                                      <a:latin typeface="Cambria Math" panose="02040503050406030204" pitchFamily="18" charset="0"/>
-                                    </a:rPr>
-                                    <m:t>𝑎</m:t>
-                                  </m:r>
-                                </m:e>
-                                <m:sub>
-                                  <m:r>
-                                    <a:rPr lang="en-US" altLang="zh-CN" sz="2400" i="1">
-                                      <a:solidFill>
-                                        <a:prstClr val="black"/>
-                                      </a:solidFill>
-                                      <a:latin typeface="Cambria Math" panose="02040503050406030204" pitchFamily="18" charset="0"/>
-                                    </a:rPr>
-                                    <m:t>h</m:t>
-                                  </m:r>
-                                </m:sub>
-                              </m:sSub>
-                            </m:e>
-                          </m:nary>
-                          <m:sSub>
-                            <m:sSubPr>
-                              <m:ctrlPr>
-                                <a:rPr lang="zh-CN" altLang="en-US" sz="2400" i="1">
-                                  <a:solidFill>
-                                    <a:prstClr val="black"/>
-                                  </a:solidFill>
-                                  <a:latin typeface="Cambria Math" panose="02040503050406030204" pitchFamily="18" charset="0"/>
-                                </a:rPr>
-                              </m:ctrlPr>
-                            </m:sSubPr>
-                            <m:e>
-                              <m:r>
-                                <a:rPr lang="en-US" altLang="zh-CN" sz="2400" i="1">
-                                  <a:solidFill>
-                                    <a:prstClr val="black"/>
-                                  </a:solidFill>
-                                  <a:latin typeface="Cambria Math" panose="02040503050406030204" pitchFamily="18" charset="0"/>
-                                </a:rPr>
-                                <m:t>𝐵</m:t>
-                              </m:r>
-                            </m:e>
-                            <m:sub>
-                              <m:r>
-                                <a:rPr lang="en-US" altLang="zh-CN" sz="2400" i="1">
-                                  <a:solidFill>
-                                    <a:prstClr val="black"/>
-                                  </a:solidFill>
-                                  <a:latin typeface="Cambria Math" panose="02040503050406030204" pitchFamily="18" charset="0"/>
-                                </a:rPr>
-                                <m:t>h</m:t>
-                              </m:r>
-                            </m:sub>
-                          </m:sSub>
-                        </m:num>
-                        <m:den>
-                          <m:nary>
-                            <m:naryPr>
-                              <m:chr m:val="∑"/>
-                              <m:limLoc m:val="undOvr"/>
-                              <m:grow m:val="on"/>
-                              <m:ctrlPr>
-                                <a:rPr lang="zh-CN" altLang="en-US" sz="2400" i="1">
-                                  <a:solidFill>
-                                    <a:prstClr val="black"/>
-                                  </a:solidFill>
-                                  <a:latin typeface="Cambria Math" panose="02040503050406030204" pitchFamily="18" charset="0"/>
-                                </a:rPr>
-                              </m:ctrlPr>
-                            </m:naryPr>
-                            <m:sub>
-                              <m:r>
-                                <a:rPr lang="zh-CN" altLang="en-US" sz="2400" i="1">
-                                  <a:solidFill>
-                                    <a:prstClr val="black"/>
-                                  </a:solidFill>
-                                  <a:latin typeface="Cambria Math" panose="02040503050406030204" pitchFamily="18" charset="0"/>
-                                </a:rPr>
-                                <m:t>h</m:t>
-                              </m:r>
-                              <m:r>
-                                <a:rPr lang="zh-CN" altLang="en-US" sz="2400">
-                                  <a:solidFill>
-                                    <a:prstClr val="black"/>
-                                  </a:solidFill>
-                                  <a:latin typeface="Cambria Math" panose="02040503050406030204" pitchFamily="18" charset="0"/>
-                                </a:rPr>
-                                <m:t>=1</m:t>
-                              </m:r>
-                            </m:sub>
-                            <m:sup>
-                              <m:r>
-                                <a:rPr lang="zh-CN" altLang="en-US" sz="2400" i="1">
-                                  <a:solidFill>
-                                    <a:prstClr val="black"/>
-                                  </a:solidFill>
-                                  <a:latin typeface="Cambria Math" panose="02040503050406030204" pitchFamily="18" charset="0"/>
-                                </a:rPr>
-                                <m:t>𝐿</m:t>
-                              </m:r>
-                            </m:sup>
-                            <m:e>
-                              <m:sSub>
-                                <m:sSubPr>
-                                  <m:ctrlPr>
-                                    <a:rPr lang="zh-CN" altLang="en-US" sz="2400" i="1">
-                                      <a:solidFill>
-                                        <a:prstClr val="black"/>
-                                      </a:solidFill>
-                                      <a:latin typeface="Cambria Math" panose="02040503050406030204" pitchFamily="18" charset="0"/>
-                                    </a:rPr>
-                                  </m:ctrlPr>
-                                </m:sSubPr>
-                                <m:e>
-                                  <m:r>
-                                    <a:rPr lang="en-US" altLang="zh-CN" sz="2400" i="1">
-                                      <a:solidFill>
-                                        <a:prstClr val="black"/>
-                                      </a:solidFill>
-                                      <a:latin typeface="Cambria Math" panose="02040503050406030204" pitchFamily="18" charset="0"/>
-                                    </a:rPr>
-                                    <m:t>𝑎</m:t>
-                                  </m:r>
-                                </m:e>
-                                <m:sub>
-                                  <m:r>
-                                    <a:rPr lang="en-US" altLang="zh-CN" sz="2400" i="1">
-                                      <a:solidFill>
-                                        <a:prstClr val="black"/>
-                                      </a:solidFill>
-                                      <a:latin typeface="Cambria Math" panose="02040503050406030204" pitchFamily="18" charset="0"/>
-                                    </a:rPr>
-                                    <m:t>h</m:t>
-                                  </m:r>
-                                </m:sub>
-                              </m:sSub>
-                            </m:e>
-                          </m:nary>
-                        </m:den>
-                      </m:f>
-                      <m:r>
-                        <a:rPr lang="en-US" altLang="zh-CN" sz="2400" i="1">
-                          <a:solidFill>
-                            <a:prstClr val="black"/>
-                          </a:solidFill>
-                          <a:latin typeface="Cambria Math" panose="02040503050406030204" pitchFamily="18" charset="0"/>
-                        </a:rPr>
-                        <m:t>,</m:t>
-                      </m:r>
-                      <m:sSub>
-                        <m:sSubPr>
-                          <m:ctrlPr>
-                            <a:rPr lang="zh-CN" altLang="en-US" sz="2400" i="1">
-                              <a:solidFill>
-                                <a:prstClr val="black"/>
-                              </a:solidFill>
-                              <a:latin typeface="Cambria Math" panose="02040503050406030204" pitchFamily="18" charset="0"/>
-                            </a:rPr>
-                          </m:ctrlPr>
-                        </m:sSubPr>
-                        <m:e>
-                          <m:r>
-                            <a:rPr lang="en-US" altLang="zh-CN" sz="2400" i="1">
-                              <a:solidFill>
-                                <a:prstClr val="black"/>
-                              </a:solidFill>
-                              <a:latin typeface="Cambria Math" panose="02040503050406030204" pitchFamily="18" charset="0"/>
-                            </a:rPr>
-                            <m:t>𝑎</m:t>
-                          </m:r>
-                        </m:e>
-                        <m:sub>
-                          <m:r>
-                            <a:rPr lang="en-US" altLang="zh-CN" sz="2400" i="1">
-                              <a:solidFill>
-                                <a:prstClr val="black"/>
-                              </a:solidFill>
-                              <a:latin typeface="Cambria Math" panose="02040503050406030204" pitchFamily="18" charset="0"/>
-                            </a:rPr>
-                            <m:t>h</m:t>
-                          </m:r>
-                        </m:sub>
-                      </m:sSub>
-                      <m:r>
-                        <a:rPr lang="en-US" altLang="zh-CN" sz="2400" i="1">
-                          <a:solidFill>
-                            <a:prstClr val="black"/>
-                          </a:solidFill>
-                          <a:latin typeface="Cambria Math" panose="02040503050406030204" pitchFamily="18" charset="0"/>
-                        </a:rPr>
-                        <m:t>=</m:t>
-                      </m:r>
-                      <m:f>
-                        <m:fPr>
-                          <m:ctrlPr>
-                            <a:rPr lang="zh-CN" altLang="en-US" sz="2400" i="1">
-                              <a:solidFill>
-                                <a:prstClr val="black"/>
-                              </a:solidFill>
-                              <a:latin typeface="Cambria Math" panose="02040503050406030204" pitchFamily="18" charset="0"/>
-                            </a:rPr>
-                          </m:ctrlPr>
-                        </m:fPr>
-                        <m:num>
-                          <m:sSubSup>
-                            <m:sSubSupPr>
-                              <m:ctrlPr>
-                                <a:rPr lang="zh-CN" altLang="en-US" sz="2400" i="1">
-                                  <a:solidFill>
-                                    <a:prstClr val="black"/>
-                                  </a:solidFill>
-                                  <a:latin typeface="Cambria Math" panose="02040503050406030204" pitchFamily="18" charset="0"/>
-                                </a:rPr>
-                              </m:ctrlPr>
-                            </m:sSubSupPr>
-                            <m:e>
-                              <m:r>
-                                <a:rPr lang="zh-CN" altLang="en-US" sz="2400" i="1">
-                                  <a:solidFill>
-                                    <a:prstClr val="black"/>
-                                  </a:solidFill>
-                                  <a:latin typeface="Cambria Math" panose="02040503050406030204" pitchFamily="18" charset="0"/>
-                                </a:rPr>
-                                <m:t>𝑊</m:t>
-                              </m:r>
-                            </m:e>
-                            <m:sub>
-                              <m:r>
-                                <a:rPr lang="zh-CN" altLang="en-US" sz="2400" i="1">
-                                  <a:solidFill>
-                                    <a:prstClr val="black"/>
-                                  </a:solidFill>
-                                  <a:latin typeface="Cambria Math" panose="02040503050406030204" pitchFamily="18" charset="0"/>
-                                </a:rPr>
-                                <m:t>h</m:t>
-                              </m:r>
-                            </m:sub>
-                            <m:sup>
-                              <m:r>
-                                <a:rPr lang="zh-CN" altLang="en-US" sz="2400">
-                                  <a:solidFill>
-                                    <a:prstClr val="black"/>
-                                  </a:solidFill>
-                                  <a:latin typeface="Cambria Math" panose="02040503050406030204" pitchFamily="18" charset="0"/>
-                                </a:rPr>
-                                <m:t>2</m:t>
-                              </m:r>
-                            </m:sup>
-                          </m:sSubSup>
-                          <m:r>
-                            <a:rPr lang="en-US" altLang="zh-CN" sz="2400">
-                              <a:solidFill>
-                                <a:prstClr val="black"/>
-                              </a:solidFill>
-                              <a:latin typeface="Cambria Math" panose="02040503050406030204" pitchFamily="18" charset="0"/>
-                            </a:rPr>
-                            <m:t>(</m:t>
-                          </m:r>
-                          <m:r>
-                            <a:rPr lang="zh-CN" altLang="en-US" sz="2400">
-                              <a:solidFill>
-                                <a:prstClr val="black"/>
-                              </a:solidFill>
-                              <a:latin typeface="Cambria Math" panose="02040503050406030204" pitchFamily="18" charset="0"/>
-                            </a:rPr>
-                            <m:t>1−</m:t>
-                          </m:r>
-                          <m:sSub>
-                            <m:sSubPr>
-                              <m:ctrlPr>
-                                <a:rPr lang="zh-CN" altLang="en-US" sz="2400" i="1">
-                                  <a:solidFill>
-                                    <a:prstClr val="black"/>
-                                  </a:solidFill>
-                                  <a:latin typeface="Cambria Math" panose="02040503050406030204" pitchFamily="18" charset="0"/>
-                                </a:rPr>
-                              </m:ctrlPr>
-                            </m:sSubPr>
-                            <m:e>
-                              <m:r>
-                                <a:rPr lang="zh-CN" altLang="en-US" sz="2400" i="1">
-                                  <a:solidFill>
-                                    <a:prstClr val="black"/>
-                                  </a:solidFill>
-                                  <a:latin typeface="Cambria Math" panose="02040503050406030204" pitchFamily="18" charset="0"/>
-                                </a:rPr>
-                                <m:t>𝑓</m:t>
-                              </m:r>
-                            </m:e>
-                            <m:sub>
-                              <m:r>
-                                <a:rPr lang="zh-CN" altLang="en-US" sz="2400" i="1">
-                                  <a:solidFill>
-                                    <a:prstClr val="black"/>
-                                  </a:solidFill>
-                                  <a:latin typeface="Cambria Math" panose="02040503050406030204" pitchFamily="18" charset="0"/>
-                                </a:rPr>
-                                <m:t>h</m:t>
-                              </m:r>
-                            </m:sub>
-                          </m:sSub>
-                          <m:r>
-                            <a:rPr lang="en-US" altLang="zh-CN" sz="2400" i="1">
-                              <a:solidFill>
-                                <a:prstClr val="black"/>
-                              </a:solidFill>
-                              <a:latin typeface="Cambria Math" panose="02040503050406030204" pitchFamily="18" charset="0"/>
-                            </a:rPr>
-                            <m:t>)</m:t>
-                          </m:r>
-                          <m:sSubSup>
-                            <m:sSubSupPr>
-                              <m:ctrlPr>
-                                <a:rPr lang="zh-CN" altLang="en-US" sz="2400" i="1">
-                                  <a:solidFill>
-                                    <a:prstClr val="black"/>
-                                  </a:solidFill>
-                                  <a:latin typeface="Cambria Math" panose="02040503050406030204" pitchFamily="18" charset="0"/>
-                                </a:rPr>
-                              </m:ctrlPr>
-                            </m:sSubSupPr>
-                            <m:e>
-                              <m:r>
-                                <a:rPr lang="zh-CN" altLang="en-US" sz="2400" i="1">
-                                  <a:solidFill>
-                                    <a:prstClr val="black"/>
-                                  </a:solidFill>
-                                  <a:latin typeface="Cambria Math" panose="02040503050406030204" pitchFamily="18" charset="0"/>
-                                </a:rPr>
-                                <m:t>𝑆</m:t>
-                              </m:r>
-                            </m:e>
-                            <m:sub>
-                              <m:r>
-                                <a:rPr lang="zh-CN" altLang="en-US" sz="2400" i="1">
-                                  <a:solidFill>
-                                    <a:prstClr val="black"/>
-                                  </a:solidFill>
-                                  <a:latin typeface="Cambria Math" panose="02040503050406030204" pitchFamily="18" charset="0"/>
-                                </a:rPr>
-                                <m:t>𝑥h</m:t>
-                              </m:r>
-                            </m:sub>
-                            <m:sup>
-                              <m:r>
-                                <a:rPr lang="zh-CN" altLang="en-US" sz="2400">
-                                  <a:solidFill>
-                                    <a:prstClr val="black"/>
-                                  </a:solidFill>
-                                  <a:latin typeface="Cambria Math" panose="02040503050406030204" pitchFamily="18" charset="0"/>
-                                </a:rPr>
-                                <m:t>2</m:t>
-                              </m:r>
-                            </m:sup>
-                          </m:sSubSup>
-                        </m:num>
-                        <m:den>
-                          <m:sSub>
-                            <m:sSubPr>
-                              <m:ctrlPr>
-                                <a:rPr lang="zh-CN" altLang="en-US" sz="2400" i="1">
-                                  <a:solidFill>
-                                    <a:prstClr val="black"/>
-                                  </a:solidFill>
-                                  <a:latin typeface="Cambria Math" panose="02040503050406030204" pitchFamily="18" charset="0"/>
-                                </a:rPr>
-                              </m:ctrlPr>
-                            </m:sSubPr>
-                            <m:e>
-                              <m:r>
-                                <a:rPr lang="zh-CN" altLang="en-US" sz="2400" i="1">
-                                  <a:solidFill>
-                                    <a:prstClr val="black"/>
-                                  </a:solidFill>
-                                  <a:latin typeface="Cambria Math" panose="02040503050406030204" pitchFamily="18" charset="0"/>
-                                </a:rPr>
-                                <m:t>𝑛</m:t>
-                              </m:r>
-                            </m:e>
-                            <m:sub>
-                              <m:r>
-                                <a:rPr lang="zh-CN" altLang="en-US" sz="2400" i="1">
-                                  <a:solidFill>
-                                    <a:prstClr val="black"/>
-                                  </a:solidFill>
-                                  <a:latin typeface="Cambria Math" panose="02040503050406030204" pitchFamily="18" charset="0"/>
-                                </a:rPr>
-                                <m:t>h</m:t>
-                              </m:r>
-                            </m:sub>
-                          </m:sSub>
-                        </m:den>
-                      </m:f>
-                    </m:oMath>
-                  </m:oMathPara>
-                </a14:m>
-                <a:endParaRPr lang="en-US" altLang="zh-CN" sz="2400" dirty="0">
-                  <a:solidFill>
-                    <a:prstClr val="black"/>
-                  </a:solidFill>
-                </a:endParaRPr>
-              </a:p>
-              <a:p>
-                <a:pPr lvl="0"/>
-                <a14:m>
-                  <m:oMathPara xmlns:m="http://schemas.openxmlformats.org/officeDocument/2006/math">
-                    <m:oMathParaPr>
-                      <m:jc m:val="centerGroup"/>
-                    </m:oMathParaPr>
-                    <m:oMath xmlns:m="http://schemas.openxmlformats.org/officeDocument/2006/math">
-                      <m:r>
-                        <a:rPr lang="zh-CN" altLang="en-US" sz="2400" i="1">
-                          <a:solidFill>
-                            <a:prstClr val="black"/>
-                          </a:solidFill>
-                          <a:latin typeface="Cambria Math" panose="02040503050406030204" pitchFamily="18" charset="0"/>
-                        </a:rPr>
-                        <m:t>𝑉</m:t>
-                      </m:r>
-                      <m:d>
-                        <m:dPr>
-                          <m:ctrlPr>
-                            <a:rPr lang="zh-CN" altLang="en-US" sz="2400" i="1">
-                              <a:solidFill>
-                                <a:prstClr val="black"/>
-                              </a:solidFill>
-                              <a:latin typeface="Cambria Math" panose="02040503050406030204" pitchFamily="18" charset="0"/>
-                            </a:rPr>
-                          </m:ctrlPr>
-                        </m:dPr>
-                        <m:e>
-                          <m:sSub>
-                            <m:sSubPr>
-                              <m:ctrlPr>
-                                <a:rPr lang="zh-CN" altLang="en-US" sz="2400" i="1">
-                                  <a:solidFill>
-                                    <a:prstClr val="black"/>
-                                  </a:solidFill>
-                                  <a:latin typeface="Cambria Math" panose="02040503050406030204" pitchFamily="18" charset="0"/>
-                                </a:rPr>
-                              </m:ctrlPr>
-                            </m:sSubPr>
-                            <m:e>
-                              <m:acc>
-                                <m:accPr>
-                                  <m:chr m:val="̅"/>
-                                  <m:ctrlPr>
-                                    <a:rPr lang="zh-CN" altLang="en-US" sz="2400" i="1">
-                                      <a:solidFill>
-                                        <a:prstClr val="black"/>
-                                      </a:solidFill>
-                                      <a:latin typeface="Cambria Math" panose="02040503050406030204" pitchFamily="18" charset="0"/>
-                                    </a:rPr>
-                                  </m:ctrlPr>
-                                </m:accPr>
-                                <m:e>
-                                  <m:r>
-                                    <a:rPr lang="zh-CN" altLang="en-US" sz="2400" i="1">
-                                      <a:solidFill>
-                                        <a:prstClr val="black"/>
-                                      </a:solidFill>
-                                      <a:latin typeface="Cambria Math" panose="02040503050406030204" pitchFamily="18" charset="0"/>
-                                    </a:rPr>
-                                    <m:t>𝑦</m:t>
-                                  </m:r>
-                                </m:e>
-                              </m:acc>
-                            </m:e>
-                            <m:sub>
-                              <m:r>
-                                <a:rPr lang="zh-CN" altLang="en-US" sz="2400" i="1">
-                                  <a:solidFill>
-                                    <a:prstClr val="black"/>
-                                  </a:solidFill>
-                                  <a:latin typeface="Cambria Math" panose="02040503050406030204" pitchFamily="18" charset="0"/>
-                                </a:rPr>
-                                <m:t>𝑙𝑟𝑐</m:t>
-                              </m:r>
-                            </m:sub>
-                          </m:sSub>
-                        </m:e>
-                      </m:d>
-                      <m:r>
-                        <a:rPr lang="zh-CN" altLang="en-US" sz="2400">
-                          <a:solidFill>
-                            <a:prstClr val="black"/>
-                          </a:solidFill>
-                          <a:latin typeface="Cambria Math" panose="02040503050406030204" pitchFamily="18" charset="0"/>
-                        </a:rPr>
-                        <m:t>≈</m:t>
-                      </m:r>
-                      <m:nary>
-                        <m:naryPr>
-                          <m:chr m:val="∑"/>
-                          <m:limLoc m:val="undOvr"/>
-                          <m:grow m:val="on"/>
-                          <m:ctrlPr>
-                            <a:rPr lang="zh-CN" altLang="en-US" sz="2400" i="1">
-                              <a:solidFill>
-                                <a:prstClr val="black"/>
-                              </a:solidFill>
-                              <a:latin typeface="Cambria Math" panose="02040503050406030204" pitchFamily="18" charset="0"/>
-                            </a:rPr>
-                          </m:ctrlPr>
-                        </m:naryPr>
-                        <m:sub>
-                          <m:r>
-                            <a:rPr lang="zh-CN" altLang="en-US" sz="2400" i="1">
-                              <a:solidFill>
-                                <a:prstClr val="black"/>
-                              </a:solidFill>
-                              <a:latin typeface="Cambria Math" panose="02040503050406030204" pitchFamily="18" charset="0"/>
-                            </a:rPr>
-                            <m:t>h</m:t>
-                          </m:r>
-                          <m:r>
-                            <a:rPr lang="zh-CN" altLang="en-US" sz="2400">
-                              <a:solidFill>
-                                <a:prstClr val="black"/>
-                              </a:solidFill>
-                              <a:latin typeface="Cambria Math" panose="02040503050406030204" pitchFamily="18" charset="0"/>
-                            </a:rPr>
-                            <m:t>=1</m:t>
-                          </m:r>
-                        </m:sub>
-                        <m:sup>
-                          <m:r>
-                            <a:rPr lang="zh-CN" altLang="en-US" sz="2400" i="1">
-                              <a:solidFill>
-                                <a:prstClr val="black"/>
-                              </a:solidFill>
-                              <a:latin typeface="Cambria Math" panose="02040503050406030204" pitchFamily="18" charset="0"/>
-                            </a:rPr>
-                            <m:t>𝐿</m:t>
-                          </m:r>
-                        </m:sup>
-                        <m:e>
-                          <m:sSubSup>
-                            <m:sSubSupPr>
-                              <m:ctrlPr>
-                                <a:rPr lang="zh-CN" altLang="en-US" sz="2400" i="1">
-                                  <a:solidFill>
-                                    <a:prstClr val="black"/>
-                                  </a:solidFill>
-                                  <a:latin typeface="Cambria Math" panose="02040503050406030204" pitchFamily="18" charset="0"/>
-                                </a:rPr>
-                              </m:ctrlPr>
-                            </m:sSubSupPr>
-                            <m:e>
-                              <m:r>
-                                <a:rPr lang="zh-CN" altLang="en-US" sz="2400" i="1">
-                                  <a:solidFill>
-                                    <a:prstClr val="black"/>
-                                  </a:solidFill>
-                                  <a:latin typeface="Cambria Math" panose="02040503050406030204" pitchFamily="18" charset="0"/>
-                                </a:rPr>
-                                <m:t>𝑊</m:t>
-                              </m:r>
-                            </m:e>
-                            <m:sub>
-                              <m:r>
-                                <a:rPr lang="zh-CN" altLang="en-US" sz="2400" i="1">
-                                  <a:solidFill>
-                                    <a:prstClr val="black"/>
-                                  </a:solidFill>
-                                  <a:latin typeface="Cambria Math" panose="02040503050406030204" pitchFamily="18" charset="0"/>
-                                </a:rPr>
-                                <m:t>h</m:t>
-                              </m:r>
-                            </m:sub>
-                            <m:sup>
-                              <m:r>
-                                <a:rPr lang="zh-CN" altLang="en-US" sz="2400">
-                                  <a:solidFill>
-                                    <a:prstClr val="black"/>
-                                  </a:solidFill>
-                                  <a:latin typeface="Cambria Math" panose="02040503050406030204" pitchFamily="18" charset="0"/>
-                                </a:rPr>
-                                <m:t>2</m:t>
-                              </m:r>
-                            </m:sup>
-                          </m:sSubSup>
-                        </m:e>
-                      </m:nary>
-                      <m:f>
-                        <m:fPr>
-                          <m:ctrlPr>
-                            <a:rPr lang="zh-CN" altLang="en-US" sz="2400" i="1">
-                              <a:solidFill>
-                                <a:prstClr val="black"/>
-                              </a:solidFill>
-                              <a:latin typeface="Cambria Math" panose="02040503050406030204" pitchFamily="18" charset="0"/>
-                            </a:rPr>
-                          </m:ctrlPr>
-                        </m:fPr>
-                        <m:num>
-                          <m:r>
-                            <a:rPr lang="zh-CN" altLang="en-US" sz="2400">
-                              <a:solidFill>
-                                <a:prstClr val="black"/>
-                              </a:solidFill>
-                              <a:latin typeface="Cambria Math" panose="02040503050406030204" pitchFamily="18" charset="0"/>
-                            </a:rPr>
-                            <m:t>1−</m:t>
-                          </m:r>
-                          <m:sSub>
-                            <m:sSubPr>
-                              <m:ctrlPr>
-                                <a:rPr lang="zh-CN" altLang="en-US" sz="2400" i="1">
-                                  <a:solidFill>
-                                    <a:prstClr val="black"/>
-                                  </a:solidFill>
-                                  <a:latin typeface="Cambria Math" panose="02040503050406030204" pitchFamily="18" charset="0"/>
-                                </a:rPr>
-                              </m:ctrlPr>
-                            </m:sSubPr>
-                            <m:e>
-                              <m:r>
-                                <a:rPr lang="zh-CN" altLang="en-US" sz="2400" i="1">
-                                  <a:solidFill>
-                                    <a:prstClr val="black"/>
-                                  </a:solidFill>
-                                  <a:latin typeface="Cambria Math" panose="02040503050406030204" pitchFamily="18" charset="0"/>
-                                </a:rPr>
-                                <m:t>𝑓</m:t>
-                              </m:r>
-                            </m:e>
-                            <m:sub>
-                              <m:r>
-                                <a:rPr lang="zh-CN" altLang="en-US" sz="2400" i="1">
-                                  <a:solidFill>
-                                    <a:prstClr val="black"/>
-                                  </a:solidFill>
-                                  <a:latin typeface="Cambria Math" panose="02040503050406030204" pitchFamily="18" charset="0"/>
-                                </a:rPr>
-                                <m:t>h</m:t>
-                              </m:r>
-                            </m:sub>
-                          </m:sSub>
-                        </m:num>
-                        <m:den>
-                          <m:sSub>
-                            <m:sSubPr>
-                              <m:ctrlPr>
-                                <a:rPr lang="zh-CN" altLang="en-US" sz="2400" i="1">
-                                  <a:solidFill>
-                                    <a:prstClr val="black"/>
-                                  </a:solidFill>
-                                  <a:latin typeface="Cambria Math" panose="02040503050406030204" pitchFamily="18" charset="0"/>
-                                </a:rPr>
-                              </m:ctrlPr>
-                            </m:sSubPr>
-                            <m:e>
-                              <m:r>
-                                <a:rPr lang="zh-CN" altLang="en-US" sz="2400" i="1">
-                                  <a:solidFill>
-                                    <a:prstClr val="black"/>
-                                  </a:solidFill>
-                                  <a:latin typeface="Cambria Math" panose="02040503050406030204" pitchFamily="18" charset="0"/>
-                                </a:rPr>
-                                <m:t>𝑛</m:t>
-                              </m:r>
-                            </m:e>
-                            <m:sub>
-                              <m:r>
-                                <a:rPr lang="zh-CN" altLang="en-US" sz="2400" i="1">
-                                  <a:solidFill>
-                                    <a:prstClr val="black"/>
-                                  </a:solidFill>
-                                  <a:latin typeface="Cambria Math" panose="02040503050406030204" pitchFamily="18" charset="0"/>
-                                </a:rPr>
-                                <m:t>h</m:t>
-                              </m:r>
-                            </m:sub>
-                          </m:sSub>
-                        </m:den>
-                      </m:f>
-                      <m:d>
-                        <m:dPr>
-                          <m:ctrlPr>
-                            <a:rPr lang="zh-CN" altLang="en-US" sz="2400" i="1">
-                              <a:solidFill>
-                                <a:prstClr val="black"/>
-                              </a:solidFill>
-                              <a:latin typeface="Cambria Math" panose="02040503050406030204" pitchFamily="18" charset="0"/>
-                            </a:rPr>
-                          </m:ctrlPr>
-                        </m:dPr>
-                        <m:e>
-                          <m:sSubSup>
-                            <m:sSubSupPr>
-                              <m:ctrlPr>
-                                <a:rPr lang="zh-CN" altLang="en-US" sz="2400" i="1">
-                                  <a:solidFill>
-                                    <a:prstClr val="black"/>
-                                  </a:solidFill>
-                                  <a:latin typeface="Cambria Math" panose="02040503050406030204" pitchFamily="18" charset="0"/>
-                                </a:rPr>
-                              </m:ctrlPr>
-                            </m:sSubSupPr>
-                            <m:e>
-                              <m:r>
-                                <a:rPr lang="zh-CN" altLang="en-US" sz="2400" i="1">
-                                  <a:solidFill>
-                                    <a:prstClr val="black"/>
-                                  </a:solidFill>
-                                  <a:latin typeface="Cambria Math" panose="02040503050406030204" pitchFamily="18" charset="0"/>
-                                </a:rPr>
-                                <m:t>𝑆</m:t>
-                              </m:r>
-                            </m:e>
-                            <m:sub>
-                              <m:r>
-                                <a:rPr lang="zh-CN" altLang="en-US" sz="2400" i="1">
-                                  <a:solidFill>
-                                    <a:prstClr val="black"/>
-                                  </a:solidFill>
-                                  <a:latin typeface="Cambria Math" panose="02040503050406030204" pitchFamily="18" charset="0"/>
-                                </a:rPr>
-                                <m:t>𝑦h</m:t>
-                              </m:r>
-                            </m:sub>
-                            <m:sup>
-                              <m:r>
-                                <a:rPr lang="zh-CN" altLang="en-US" sz="2400">
-                                  <a:solidFill>
-                                    <a:prstClr val="black"/>
-                                  </a:solidFill>
-                                  <a:latin typeface="Cambria Math" panose="02040503050406030204" pitchFamily="18" charset="0"/>
-                                </a:rPr>
-                                <m:t>2</m:t>
-                              </m:r>
-                            </m:sup>
-                          </m:sSubSup>
-                          <m:r>
-                            <a:rPr lang="zh-CN" altLang="en-US" sz="2400">
-                              <a:solidFill>
-                                <a:prstClr val="black"/>
-                              </a:solidFill>
-                              <a:latin typeface="Cambria Math" panose="02040503050406030204" pitchFamily="18" charset="0"/>
-                            </a:rPr>
-                            <m:t>−2</m:t>
-                          </m:r>
-                          <m:sSub>
-                            <m:sSubPr>
-                              <m:ctrlPr>
-                                <a:rPr lang="zh-CN" altLang="en-US" sz="2400" i="1">
-                                  <a:solidFill>
-                                    <a:prstClr val="black"/>
-                                  </a:solidFill>
-                                  <a:latin typeface="Cambria Math" panose="02040503050406030204" pitchFamily="18" charset="0"/>
-                                </a:rPr>
-                              </m:ctrlPr>
-                            </m:sSubPr>
-                            <m:e>
-                              <m:r>
-                                <a:rPr lang="zh-CN" altLang="en-US" sz="2400" i="1">
-                                  <a:solidFill>
-                                    <a:prstClr val="black"/>
-                                  </a:solidFill>
-                                  <a:latin typeface="Cambria Math" panose="02040503050406030204" pitchFamily="18" charset="0"/>
-                                </a:rPr>
-                                <m:t>𝐵</m:t>
-                              </m:r>
-                            </m:e>
-                            <m:sub>
-                              <m:r>
-                                <a:rPr lang="zh-CN" altLang="en-US" sz="2400" i="1">
-                                  <a:solidFill>
-                                    <a:prstClr val="black"/>
-                                  </a:solidFill>
-                                  <a:latin typeface="Cambria Math" panose="02040503050406030204" pitchFamily="18" charset="0"/>
-                                </a:rPr>
-                                <m:t>𝑐</m:t>
-                              </m:r>
-                            </m:sub>
-                          </m:sSub>
-                          <m:sSub>
-                            <m:sSubPr>
-                              <m:ctrlPr>
-                                <a:rPr lang="zh-CN" altLang="en-US" sz="2400" i="1">
-                                  <a:solidFill>
-                                    <a:prstClr val="black"/>
-                                  </a:solidFill>
-                                  <a:latin typeface="Cambria Math" panose="02040503050406030204" pitchFamily="18" charset="0"/>
-                                </a:rPr>
-                              </m:ctrlPr>
-                            </m:sSubPr>
-                            <m:e>
-                              <m:r>
-                                <a:rPr lang="zh-CN" altLang="en-US" sz="2400" i="1">
-                                  <a:solidFill>
-                                    <a:prstClr val="black"/>
-                                  </a:solidFill>
-                                  <a:latin typeface="Cambria Math" panose="02040503050406030204" pitchFamily="18" charset="0"/>
-                                </a:rPr>
-                                <m:t>𝑆</m:t>
-                              </m:r>
-                            </m:e>
-                            <m:sub>
-                              <m:r>
-                                <a:rPr lang="zh-CN" altLang="en-US" sz="2400" i="1">
-                                  <a:solidFill>
-                                    <a:prstClr val="black"/>
-                                  </a:solidFill>
-                                  <a:latin typeface="Cambria Math" panose="02040503050406030204" pitchFamily="18" charset="0"/>
-                                </a:rPr>
-                                <m:t>𝑥𝑦h</m:t>
-                              </m:r>
-                            </m:sub>
-                          </m:sSub>
-                          <m:r>
-                            <a:rPr lang="zh-CN" altLang="en-US" sz="2400">
-                              <a:solidFill>
-                                <a:prstClr val="black"/>
-                              </a:solidFill>
-                              <a:latin typeface="Cambria Math" panose="02040503050406030204" pitchFamily="18" charset="0"/>
-                            </a:rPr>
-                            <m:t>+</m:t>
-                          </m:r>
-                          <m:sSubSup>
-                            <m:sSubSupPr>
-                              <m:ctrlPr>
-                                <a:rPr lang="zh-CN" altLang="en-US" sz="2400" i="1">
-                                  <a:solidFill>
-                                    <a:prstClr val="black"/>
-                                  </a:solidFill>
-                                  <a:latin typeface="Cambria Math" panose="02040503050406030204" pitchFamily="18" charset="0"/>
-                                </a:rPr>
-                              </m:ctrlPr>
-                            </m:sSubSupPr>
-                            <m:e>
-                              <m:r>
-                                <a:rPr lang="zh-CN" altLang="en-US" sz="2400" i="1">
-                                  <a:solidFill>
-                                    <a:prstClr val="black"/>
-                                  </a:solidFill>
-                                  <a:latin typeface="Cambria Math" panose="02040503050406030204" pitchFamily="18" charset="0"/>
-                                </a:rPr>
-                                <m:t>𝐵</m:t>
-                              </m:r>
-                            </m:e>
-                            <m:sub>
-                              <m:r>
-                                <a:rPr lang="zh-CN" altLang="en-US" sz="2400" i="1">
-                                  <a:solidFill>
-                                    <a:prstClr val="black"/>
-                                  </a:solidFill>
-                                  <a:latin typeface="Cambria Math" panose="02040503050406030204" pitchFamily="18" charset="0"/>
-                                </a:rPr>
-                                <m:t>𝑐</m:t>
-                              </m:r>
-                            </m:sub>
-                            <m:sup>
-                              <m:r>
-                                <a:rPr lang="zh-CN" altLang="en-US" sz="2400">
-                                  <a:solidFill>
-                                    <a:prstClr val="black"/>
-                                  </a:solidFill>
-                                  <a:latin typeface="Cambria Math" panose="02040503050406030204" pitchFamily="18" charset="0"/>
-                                </a:rPr>
-                                <m:t>2</m:t>
-                              </m:r>
-                            </m:sup>
-                          </m:sSubSup>
-                          <m:sSubSup>
-                            <m:sSubSupPr>
-                              <m:ctrlPr>
-                                <a:rPr lang="zh-CN" altLang="en-US" sz="2400" i="1">
-                                  <a:solidFill>
-                                    <a:prstClr val="black"/>
-                                  </a:solidFill>
-                                  <a:latin typeface="Cambria Math" panose="02040503050406030204" pitchFamily="18" charset="0"/>
-                                </a:rPr>
-                              </m:ctrlPr>
-                            </m:sSubSupPr>
-                            <m:e>
-                              <m:r>
-                                <a:rPr lang="zh-CN" altLang="en-US" sz="2400" i="1">
-                                  <a:solidFill>
-                                    <a:prstClr val="black"/>
-                                  </a:solidFill>
-                                  <a:latin typeface="Cambria Math" panose="02040503050406030204" pitchFamily="18" charset="0"/>
-                                </a:rPr>
-                                <m:t>𝑆</m:t>
-                              </m:r>
-                            </m:e>
-                            <m:sub>
-                              <m:r>
-                                <a:rPr lang="zh-CN" altLang="en-US" sz="2400" i="1">
-                                  <a:solidFill>
-                                    <a:prstClr val="black"/>
-                                  </a:solidFill>
-                                  <a:latin typeface="Cambria Math" panose="02040503050406030204" pitchFamily="18" charset="0"/>
-                                </a:rPr>
-                                <m:t>𝑥h</m:t>
-                              </m:r>
-                            </m:sub>
-                            <m:sup>
-                              <m:r>
-                                <a:rPr lang="zh-CN" altLang="en-US" sz="2400">
-                                  <a:solidFill>
-                                    <a:prstClr val="black"/>
-                                  </a:solidFill>
-                                  <a:latin typeface="Cambria Math" panose="02040503050406030204" pitchFamily="18" charset="0"/>
-                                </a:rPr>
-                                <m:t>2</m:t>
-                              </m:r>
-                            </m:sup>
-                          </m:sSubSup>
-                        </m:e>
-                      </m:d>
-                    </m:oMath>
-                  </m:oMathPara>
-                </a14:m>
-                <a:endParaRPr lang="zh-CN" altLang="en-US" dirty="0"/>
-              </a:p>
-            </p:txBody>
-          </p:sp>
-        </mc:Choice>
-        <mc:Fallback>
-          <p:sp>
-            <p:nvSpPr>
-              <p:cNvPr id="6" name="矩形 5">
-                <a:extLst>
-                  <a:ext uri="{FF2B5EF4-FFF2-40B4-BE49-F238E27FC236}">
-                    <a16:creationId xmlns:a16="http://schemas.microsoft.com/office/drawing/2014/main" id="{DE6C91C3-2963-4391-8792-B818F67E9DB2}"/>
-                  </a:ext>
-                </a:extLst>
-              </p:cNvPr>
-              <p:cNvSpPr>
-                <a:spLocks noRot="1" noChangeAspect="1" noMove="1" noResize="1" noEditPoints="1" noAdjustHandles="1" noChangeArrowheads="1" noChangeShapeType="1" noTextEdit="1"/>
-              </p:cNvSpPr>
-              <p:nvPr/>
-            </p:nvSpPr>
-            <p:spPr>
-              <a:xfrm>
-                <a:off x="760239" y="1167442"/>
-                <a:ext cx="7623522" cy="5230984"/>
-              </a:xfrm>
-              <a:prstGeom prst="rect">
-                <a:avLst/>
-              </a:prstGeom>
-              <a:blipFill>
-                <a:blip r:embed="rId3"/>
-                <a:stretch>
-                  <a:fillRect l="-720" t="-816"/>
-                </a:stretch>
-              </a:blipFill>
-            </p:spPr>
-            <p:txBody>
-              <a:bodyPr/>
-              <a:lstStyle/>
-              <a:p>
-                <a:r>
-                  <a:rPr lang="zh-CN" altLang="en-US">
-                    <a:noFill/>
-                  </a:rPr>
-                  <a:t> </a:t>
-                </a:r>
-              </a:p>
-            </p:txBody>
-          </p:sp>
-        </mc:Fallback>
-      </mc:AlternateContent>
-    </p:spTree>
-    <p:extLst>
-      <p:ext uri="{BB962C8B-B14F-4D97-AF65-F5344CB8AC3E}">
-        <p14:creationId xmlns:p14="http://schemas.microsoft.com/office/powerpoint/2010/main" val="4117512207"/>
-      </p:ext>
-    </p:extLst>
-  </p:cSld>
-  <p:clrMapOvr>
-    <a:masterClrMapping/>
-  </p:clrMapOvr>
-  <mc:AlternateContent xmlns:mc="http://schemas.openxmlformats.org/markup-compatibility/2006" xmlns:p14="http://schemas.microsoft.com/office/powerpoint/2010/main">
-    <mc:Choice Requires="p14">
-      <p:transition spd="slow" p14:dur="3400">
-        <p14:reveal/>
-      </p:transition>
-    </mc:Choice>
-    <mc:Fallback xmlns="">
-      <p:transition spd="slow">
-        <p:fade/>
-      </p:transition>
-    </mc:Fallback>
-  </mc:AlternateContent>
-</p:sld>
-</file>
-
-<file path=ppt/slides/slide14.xml><?xml version="1.0" encoding="utf-8"?>
-<p:sld xmlns:a="http://schemas.openxmlformats.org/drawingml/2006/main" xmlns:r="http://schemas.openxmlformats.org/officeDocument/2006/relationships" xmlns:p="http://schemas.openxmlformats.org/presentationml/2006/main">
-  <p:cSld>
-    <p:spTree>
-      <p:nvGrpSpPr>
-        <p:cNvPr id="1" name=""/>
-        <p:cNvGrpSpPr/>
-        <p:nvPr/>
-      </p:nvGrpSpPr>
-      <p:grpSpPr>
-        <a:xfrm>
-          <a:off x="0" y="0"/>
-          <a:ext cx="0" cy="0"/>
-          <a:chOff x="0" y="0"/>
-          <a:chExt cx="0" cy="0"/>
-        </a:xfrm>
-      </p:grpSpPr>
-      <p:sp>
-        <p:nvSpPr>
-          <p:cNvPr id="2" name="Rectangle 2">
-            <a:extLst>
-              <a:ext uri="{FF2B5EF4-FFF2-40B4-BE49-F238E27FC236}">
-                <a16:creationId xmlns:a16="http://schemas.microsoft.com/office/drawing/2014/main" id="{23BEFF27-23DB-427F-9B52-8C60A56F0BE2}"/>
-              </a:ext>
-            </a:extLst>
-          </p:cNvPr>
-          <p:cNvSpPr>
-            <a:spLocks noChangeArrowheads="1"/>
-          </p:cNvSpPr>
-          <p:nvPr/>
-        </p:nvSpPr>
-        <p:spPr bwMode="auto">
-          <a:xfrm>
-            <a:off x="0" y="0"/>
-            <a:ext cx="9144000" cy="0"/>
-          </a:xfrm>
-          <a:prstGeom prst="rect">
-            <a:avLst/>
-          </a:prstGeom>
-          <a:noFill/>
-          <a:ln>
-            <a:noFill/>
-          </a:ln>
-          <a:effectLst/>
-          <a:extLst>
-            <a:ext uri="{909E8E84-426E-40DD-AFC4-6F175D3DCCD1}">
-              <a14:hiddenFill xmlns:a14="http://schemas.microsoft.com/office/drawing/2010/main">
-                <a:solidFill>
-                  <a:schemeClr val="accent1"/>
-                </a:solidFill>
-              </a14:hiddenFill>
-            </a:ext>
-            <a:ext uri="{91240B29-F687-4F45-9708-019B960494DF}">
-              <a14:hiddenLine xmlns:a14="http://schemas.microsoft.com/office/drawing/2010/main" w="9525">
-                <a:solidFill>
-                  <a:schemeClr val="tx1"/>
-                </a:solidFill>
-                <a:miter lim="800000"/>
-                <a:headEnd/>
-                <a:tailEnd/>
-              </a14:hiddenLine>
-            </a:ext>
-            <a:ext uri="{AF507438-7753-43E0-B8FC-AC1667EBCBE1}">
-              <a14:hiddenEffects xmlns:a14="http://schemas.microsoft.com/office/drawing/2010/main">
-                <a:effectLst>
-                  <a:outerShdw dist="35921" dir="2700000" algn="ctr" rotWithShape="0">
-                    <a:schemeClr val="bg2"/>
-                  </a:outerShdw>
-                </a:effectLst>
-              </a14:hiddenEffects>
-            </a:ext>
-          </a:extLst>
-        </p:spPr>
-        <p:txBody>
-          <a:bodyPr vert="horz" wrap="none" lIns="91440" tIns="45720" rIns="91440" bIns="45720" numCol="1" anchor="ctr" anchorCtr="0" compatLnSpc="1">
-            <a:prstTxWarp prst="textNoShape">
-              <a:avLst/>
-            </a:prstTxWarp>
-            <a:spAutoFit/>
-          </a:bodyPr>
-          <a:lstStyle/>
-          <a:p>
-            <a:endParaRPr lang="zh-CN" altLang="en-US"/>
-          </a:p>
-        </p:txBody>
-      </p:sp>
-      <p:sp>
-        <p:nvSpPr>
-          <p:cNvPr id="11" name="内容占位符 2">
-            <a:extLst>
-              <a:ext uri="{FF2B5EF4-FFF2-40B4-BE49-F238E27FC236}">
-                <a16:creationId xmlns:a16="http://schemas.microsoft.com/office/drawing/2014/main" id="{168A288C-76F5-464D-9CFA-B0FEF34AADE0}"/>
-              </a:ext>
-            </a:extLst>
-          </p:cNvPr>
-          <p:cNvSpPr txBox="1">
-            <a:spLocks/>
-          </p:cNvSpPr>
-          <p:nvPr/>
-        </p:nvSpPr>
-        <p:spPr>
-          <a:xfrm>
-            <a:off x="395605" y="260350"/>
-            <a:ext cx="8208645" cy="880110"/>
-          </a:xfrm>
-          <a:prstGeom prst="rect">
-            <a:avLst/>
-          </a:prstGeom>
-        </p:spPr>
-        <p:txBody>
-          <a:bodyPr vert="horz">
-            <a:normAutofit/>
-          </a:bodyPr>
-          <a:lstStyle>
-            <a:lvl1pPr marL="274320" indent="-274320" algn="l" rtl="0" eaLnBrk="1" latinLnBrk="0" hangingPunct="1">
-              <a:spcBef>
-                <a:spcPts val="600"/>
-              </a:spcBef>
-              <a:buClr>
-                <a:schemeClr val="accent1"/>
-              </a:buClr>
-              <a:buSzPct val="70000"/>
-              <a:buFont typeface="Wingdings" panose="05000000000000000000"/>
-              <a:buChar char=""/>
-              <a:defRPr kumimoji="0" sz="2400" kern="1200">
-                <a:solidFill>
-                  <a:schemeClr val="tx1"/>
-                </a:solidFill>
-                <a:latin typeface="+mn-lt"/>
-                <a:ea typeface="+mn-ea"/>
-                <a:cs typeface="+mn-cs"/>
-              </a:defRPr>
-            </a:lvl1pPr>
-            <a:lvl2pPr marL="640080" indent="-274320" algn="l" rtl="0" eaLnBrk="1" latinLnBrk="0" hangingPunct="1">
-              <a:spcBef>
-                <a:spcPct val="20000"/>
-              </a:spcBef>
-              <a:buClr>
-                <a:schemeClr val="accent1"/>
-              </a:buClr>
-              <a:buSzPct val="80000"/>
-              <a:buFont typeface="Wingdings 2" panose="05020102010507070707"/>
-              <a:buChar char=""/>
-              <a:defRPr kumimoji="0" sz="2100" kern="1200">
-                <a:solidFill>
-                  <a:schemeClr val="tx1"/>
-                </a:solidFill>
-                <a:latin typeface="+mn-lt"/>
-                <a:ea typeface="+mn-ea"/>
-                <a:cs typeface="+mn-cs"/>
-              </a:defRPr>
-            </a:lvl2pPr>
-            <a:lvl3pPr marL="914400" indent="-182880" algn="l" rtl="0" eaLnBrk="1" latinLnBrk="0" hangingPunct="1">
-              <a:spcBef>
-                <a:spcPct val="20000"/>
-              </a:spcBef>
-              <a:buClr>
-                <a:schemeClr val="accent1">
-                  <a:shade val="75000"/>
-                </a:schemeClr>
-              </a:buClr>
-              <a:buSzPct val="60000"/>
-              <a:buFont typeface="Wingdings" panose="05000000000000000000"/>
-              <a:buChar char=""/>
-              <a:defRPr kumimoji="0" sz="1800" kern="1200">
-                <a:solidFill>
-                  <a:schemeClr val="tx1"/>
-                </a:solidFill>
-                <a:latin typeface="+mn-lt"/>
-                <a:ea typeface="+mn-ea"/>
-                <a:cs typeface="+mn-cs"/>
-              </a:defRPr>
-            </a:lvl3pPr>
-            <a:lvl4pPr marL="1188720" indent="-182880" algn="l" rtl="0" eaLnBrk="1" latinLnBrk="0" hangingPunct="1">
-              <a:spcBef>
-                <a:spcPct val="20000"/>
-              </a:spcBef>
-              <a:buClr>
-                <a:schemeClr val="accent1">
-                  <a:tint val="60000"/>
-                </a:schemeClr>
-              </a:buClr>
-              <a:buSzPct val="60000"/>
-              <a:buFont typeface="Wingdings" panose="05000000000000000000"/>
-              <a:buChar char=""/>
-              <a:defRPr kumimoji="0" sz="1800" kern="1200">
-                <a:solidFill>
-                  <a:schemeClr val="tx1"/>
-                </a:solidFill>
-                <a:latin typeface="+mn-lt"/>
-                <a:ea typeface="+mn-ea"/>
-                <a:cs typeface="+mn-cs"/>
-              </a:defRPr>
-            </a:lvl4pPr>
-            <a:lvl5pPr marL="1463040" indent="-182880" algn="l" rtl="0" eaLnBrk="1" latinLnBrk="0" hangingPunct="1">
-              <a:spcBef>
-                <a:spcPct val="20000"/>
-              </a:spcBef>
-              <a:buClr>
-                <a:schemeClr val="accent2">
-                  <a:tint val="60000"/>
-                </a:schemeClr>
-              </a:buClr>
-              <a:buSzPct val="68000"/>
-              <a:buFont typeface="Wingdings 2" panose="05020102010507070707"/>
-              <a:buChar char=""/>
-              <a:defRPr kumimoji="0" sz="1600" kern="1200">
-                <a:solidFill>
-                  <a:schemeClr val="tx1"/>
-                </a:solidFill>
-                <a:latin typeface="+mn-lt"/>
-                <a:ea typeface="+mn-ea"/>
-                <a:cs typeface="+mn-cs"/>
-              </a:defRPr>
-            </a:lvl5pPr>
-            <a:lvl6pPr marL="1737360" indent="-182880" algn="l" rtl="0" eaLnBrk="1" latinLnBrk="0" hangingPunct="1">
-              <a:spcBef>
-                <a:spcPct val="20000"/>
-              </a:spcBef>
-              <a:buClr>
-                <a:schemeClr val="accent1"/>
-              </a:buClr>
-              <a:buChar char="•"/>
-              <a:defRPr kumimoji="0" sz="1600" kern="1200">
-                <a:solidFill>
-                  <a:schemeClr val="tx2"/>
-                </a:solidFill>
-                <a:latin typeface="+mn-lt"/>
-                <a:ea typeface="+mn-ea"/>
-                <a:cs typeface="+mn-cs"/>
-              </a:defRPr>
-            </a:lvl6pPr>
-            <a:lvl7pPr marL="2011680" indent="-182880" algn="l" rtl="0" eaLnBrk="1" latinLnBrk="0" hangingPunct="1">
-              <a:spcBef>
-                <a:spcPct val="20000"/>
-              </a:spcBef>
-              <a:buClr>
-                <a:schemeClr val="accent1">
-                  <a:tint val="60000"/>
-                </a:schemeClr>
-              </a:buClr>
-              <a:buSzPct val="60000"/>
-              <a:buFont typeface="Wingdings" panose="05000000000000000000"/>
-              <a:buChar char=""/>
-              <a:defRPr kumimoji="0" sz="1400" kern="1200" baseline="0">
-                <a:solidFill>
-                  <a:schemeClr val="tx2"/>
-                </a:solidFill>
-                <a:latin typeface="+mn-lt"/>
-                <a:ea typeface="+mn-ea"/>
-                <a:cs typeface="+mn-cs"/>
-              </a:defRPr>
-            </a:lvl7pPr>
-            <a:lvl8pPr marL="2286000" indent="-182880" algn="l" rtl="0" eaLnBrk="1" latinLnBrk="0" hangingPunct="1">
-              <a:spcBef>
-                <a:spcPct val="20000"/>
-              </a:spcBef>
-              <a:buClr>
-                <a:schemeClr val="accent2"/>
-              </a:buClr>
-              <a:buChar char="•"/>
-              <a:defRPr kumimoji="0" sz="1400" kern="1200" cap="small" baseline="0">
-                <a:solidFill>
-                  <a:schemeClr val="tx2"/>
-                </a:solidFill>
-                <a:latin typeface="+mn-lt"/>
-                <a:ea typeface="+mn-ea"/>
-                <a:cs typeface="+mn-cs"/>
-              </a:defRPr>
-            </a:lvl8pPr>
-            <a:lvl9pPr marL="2560320" indent="-182880" algn="l" rtl="0" eaLnBrk="1" latinLnBrk="0" hangingPunct="1">
-              <a:spcBef>
-                <a:spcPct val="20000"/>
-              </a:spcBef>
-              <a:buClr>
-                <a:schemeClr val="accent1">
-                  <a:shade val="75000"/>
-                </a:schemeClr>
-              </a:buClr>
-              <a:buChar char="•"/>
-              <a:defRPr kumimoji="0" sz="1400" kern="1200" baseline="0">
-                <a:solidFill>
-                  <a:schemeClr val="tx2"/>
-                </a:solidFill>
-                <a:latin typeface="+mn-lt"/>
-                <a:ea typeface="+mn-ea"/>
-                <a:cs typeface="+mn-cs"/>
-              </a:defRPr>
-            </a:lvl9pPr>
-          </a:lstStyle>
-          <a:p>
-            <a:r>
-              <a:rPr lang="zh-CN" altLang="en-US" sz="4400" b="1" dirty="0">
-                <a:latin typeface="隶书" panose="02010509060101010101" pitchFamily="49" charset="-122"/>
-                <a:ea typeface="隶书" panose="02010509060101010101" pitchFamily="49" charset="-122"/>
-              </a:rPr>
-              <a:t>分别</a:t>
-            </a:r>
-            <a:r>
-              <a:rPr lang="en-US" altLang="zh-CN" sz="4400" b="1" dirty="0">
-                <a:latin typeface="隶书" panose="02010509060101010101" pitchFamily="49" charset="-122"/>
-                <a:ea typeface="隶书" panose="02010509060101010101" pitchFamily="49" charset="-122"/>
-              </a:rPr>
-              <a:t>/</a:t>
-            </a:r>
-            <a:r>
-              <a:rPr lang="zh-CN" altLang="en-US" sz="4400" b="1" dirty="0">
-                <a:latin typeface="隶书" panose="02010509060101010101" pitchFamily="49" charset="-122"/>
-                <a:ea typeface="隶书" panose="02010509060101010101" pitchFamily="49" charset="-122"/>
-              </a:rPr>
-              <a:t>联合回归估计的比较</a:t>
-            </a:r>
-            <a:endParaRPr lang="en-US" altLang="zh-CN" sz="4400" b="1" dirty="0">
-              <a:latin typeface="隶书" panose="02010509060101010101" pitchFamily="49" charset="-122"/>
-              <a:ea typeface="隶书" panose="02010509060101010101" pitchFamily="49" charset="-122"/>
-            </a:endParaRPr>
-          </a:p>
-        </p:txBody>
-      </p:sp>
-      <mc:AlternateContent xmlns:mc="http://schemas.openxmlformats.org/markup-compatibility/2006">
-        <mc:Choice xmlns:a14="http://schemas.microsoft.com/office/drawing/2010/main" Requires="a14">
-          <p:sp>
-            <p:nvSpPr>
-              <p:cNvPr id="4" name="矩形 3">
-                <a:extLst>
-                  <a:ext uri="{FF2B5EF4-FFF2-40B4-BE49-F238E27FC236}">
-                    <a16:creationId xmlns:a16="http://schemas.microsoft.com/office/drawing/2014/main" id="{B41B3928-8087-42BD-8575-42BC4C286A98}"/>
-                  </a:ext>
-                </a:extLst>
-              </p:cNvPr>
-              <p:cNvSpPr/>
-              <p:nvPr/>
-            </p:nvSpPr>
-            <p:spPr>
-              <a:xfrm>
-                <a:off x="908655" y="1628800"/>
-                <a:ext cx="7182544" cy="3661323"/>
-              </a:xfrm>
-              <a:prstGeom prst="rect">
-                <a:avLst/>
-              </a:prstGeom>
-            </p:spPr>
-            <p:txBody>
-              <a:bodyPr wrap="square">
-                <a:spAutoFit/>
-              </a:bodyPr>
-              <a:lstStyle/>
-              <a:p>
-                <a14:m>
-                  <m:oMathPara xmlns:m="http://schemas.openxmlformats.org/officeDocument/2006/math">
-                    <m:oMathParaPr>
-                      <m:jc m:val="centerGroup"/>
-                    </m:oMathParaPr>
-                    <m:oMath xmlns:m="http://schemas.openxmlformats.org/officeDocument/2006/math">
-                      <m:sSub>
-                        <m:sSubPr>
-                          <m:ctrlPr>
-                            <a:rPr lang="en-US" altLang="zh-CN" sz="2400" i="1" smtClean="0">
-                              <a:latin typeface="Cambria Math" panose="02040503050406030204" pitchFamily="18" charset="0"/>
-                            </a:rPr>
-                          </m:ctrlPr>
-                        </m:sSubPr>
-                        <m:e>
-                          <m:r>
-                            <a:rPr lang="zh-CN" altLang="en-US" sz="2400" i="1">
-                              <a:latin typeface="Cambria Math" panose="02040503050406030204" pitchFamily="18" charset="0"/>
-                            </a:rPr>
-                            <m:t>𝑉</m:t>
-                          </m:r>
-                        </m:e>
-                        <m:sub>
-                          <m:r>
-                            <m:rPr>
-                              <m:sty m:val="p"/>
-                            </m:rPr>
-                            <a:rPr lang="en-US" altLang="zh-CN" sz="2400" i="1">
-                              <a:latin typeface="Cambria Math" panose="02040503050406030204" pitchFamily="18" charset="0"/>
-                            </a:rPr>
-                            <m:t>min</m:t>
-                          </m:r>
-                        </m:sub>
-                      </m:sSub>
-                      <m:d>
-                        <m:dPr>
-                          <m:ctrlPr>
-                            <a:rPr lang="zh-CN" altLang="en-US" sz="2400" i="1">
-                              <a:latin typeface="Cambria Math" panose="02040503050406030204" pitchFamily="18" charset="0"/>
-                            </a:rPr>
-                          </m:ctrlPr>
-                        </m:dPr>
-                        <m:e>
-                          <m:sSub>
-                            <m:sSubPr>
-                              <m:ctrlPr>
-                                <a:rPr lang="zh-CN" altLang="en-US" sz="2400" i="1">
-                                  <a:latin typeface="Cambria Math" panose="02040503050406030204" pitchFamily="18" charset="0"/>
-                                </a:rPr>
-                              </m:ctrlPr>
-                            </m:sSubPr>
-                            <m:e>
-                              <m:acc>
-                                <m:accPr>
-                                  <m:chr m:val="̅"/>
-                                  <m:ctrlPr>
-                                    <a:rPr lang="zh-CN" altLang="en-US" sz="2400" i="1">
-                                      <a:latin typeface="Cambria Math" panose="02040503050406030204" pitchFamily="18" charset="0"/>
-                                    </a:rPr>
-                                  </m:ctrlPr>
-                                </m:accPr>
-                                <m:e>
-                                  <m:r>
-                                    <a:rPr lang="zh-CN" altLang="en-US" sz="2400" i="1">
-                                      <a:latin typeface="Cambria Math" panose="02040503050406030204" pitchFamily="18" charset="0"/>
-                                    </a:rPr>
-                                    <m:t>𝑦</m:t>
-                                  </m:r>
-                                </m:e>
-                              </m:acc>
-                            </m:e>
-                            <m:sub>
-                              <m:r>
-                                <a:rPr lang="zh-CN" altLang="en-US" sz="2400" i="1">
-                                  <a:latin typeface="Cambria Math" panose="02040503050406030204" pitchFamily="18" charset="0"/>
-                                </a:rPr>
-                                <m:t>𝑙𝑟𝑠</m:t>
-                              </m:r>
-                            </m:sub>
-                          </m:sSub>
-                        </m:e>
-                      </m:d>
-                      <m:r>
-                        <a:rPr lang="en-US" altLang="zh-CN" sz="2400" b="0" i="0" smtClean="0">
-                          <a:latin typeface="Cambria Math" panose="02040503050406030204" pitchFamily="18" charset="0"/>
-                        </a:rPr>
-                        <m:t>=</m:t>
-                      </m:r>
-                      <m:nary>
-                        <m:naryPr>
-                          <m:chr m:val="∑"/>
-                          <m:limLoc m:val="undOvr"/>
-                          <m:grow m:val="on"/>
-                          <m:ctrlPr>
-                            <a:rPr lang="zh-CN" altLang="en-US" sz="2400" i="1">
-                              <a:latin typeface="Cambria Math" panose="02040503050406030204" pitchFamily="18" charset="0"/>
-                            </a:rPr>
-                          </m:ctrlPr>
-                        </m:naryPr>
-                        <m:sub>
-                          <m:r>
-                            <a:rPr lang="zh-CN" altLang="en-US" sz="2400" i="1">
-                              <a:latin typeface="Cambria Math" panose="02040503050406030204" pitchFamily="18" charset="0"/>
-                            </a:rPr>
-                            <m:t>h</m:t>
-                          </m:r>
-                          <m:r>
-                            <a:rPr lang="zh-CN" altLang="en-US" sz="2400">
-                              <a:latin typeface="Cambria Math" panose="02040503050406030204" pitchFamily="18" charset="0"/>
-                            </a:rPr>
-                            <m:t>=1</m:t>
-                          </m:r>
-                        </m:sub>
-                        <m:sup>
-                          <m:r>
-                            <a:rPr lang="zh-CN" altLang="en-US" sz="2400" i="1">
-                              <a:latin typeface="Cambria Math" panose="02040503050406030204" pitchFamily="18" charset="0"/>
-                            </a:rPr>
-                            <m:t>𝐿</m:t>
-                          </m:r>
-                        </m:sup>
-                        <m:e>
-                          <m:sSubSup>
-                            <m:sSubSupPr>
-                              <m:ctrlPr>
-                                <a:rPr lang="zh-CN" altLang="en-US" sz="2400" i="1">
-                                  <a:latin typeface="Cambria Math" panose="02040503050406030204" pitchFamily="18" charset="0"/>
-                                </a:rPr>
-                              </m:ctrlPr>
-                            </m:sSubSupPr>
-                            <m:e>
-                              <m:r>
-                                <a:rPr lang="zh-CN" altLang="en-US" sz="2400" i="1">
-                                  <a:latin typeface="Cambria Math" panose="02040503050406030204" pitchFamily="18" charset="0"/>
-                                </a:rPr>
-                                <m:t>𝑊</m:t>
-                              </m:r>
-                            </m:e>
-                            <m:sub>
-                              <m:r>
-                                <a:rPr lang="zh-CN" altLang="en-US" sz="2400" i="1">
-                                  <a:latin typeface="Cambria Math" panose="02040503050406030204" pitchFamily="18" charset="0"/>
-                                </a:rPr>
-                                <m:t>h</m:t>
-                              </m:r>
-                            </m:sub>
-                            <m:sup>
-                              <m:r>
-                                <a:rPr lang="zh-CN" altLang="en-US" sz="2400">
-                                  <a:latin typeface="Cambria Math" panose="02040503050406030204" pitchFamily="18" charset="0"/>
-                                </a:rPr>
-                                <m:t>2</m:t>
-                              </m:r>
-                            </m:sup>
-                          </m:sSubSup>
-                        </m:e>
-                      </m:nary>
-                      <m:f>
-                        <m:fPr>
-                          <m:ctrlPr>
-                            <a:rPr lang="zh-CN" altLang="en-US" sz="2400" i="1">
-                              <a:latin typeface="Cambria Math" panose="02040503050406030204" pitchFamily="18" charset="0"/>
-                            </a:rPr>
-                          </m:ctrlPr>
-                        </m:fPr>
-                        <m:num>
-                          <m:r>
-                            <a:rPr lang="zh-CN" altLang="en-US" sz="2400">
-                              <a:latin typeface="Cambria Math" panose="02040503050406030204" pitchFamily="18" charset="0"/>
-                            </a:rPr>
-                            <m:t>1−</m:t>
-                          </m:r>
-                          <m:sSub>
-                            <m:sSubPr>
-                              <m:ctrlPr>
-                                <a:rPr lang="zh-CN" altLang="en-US" sz="2400" i="1">
-                                  <a:latin typeface="Cambria Math" panose="02040503050406030204" pitchFamily="18" charset="0"/>
-                                </a:rPr>
-                              </m:ctrlPr>
-                            </m:sSubPr>
-                            <m:e>
-                              <m:r>
-                                <a:rPr lang="zh-CN" altLang="en-US" sz="2400" i="1">
-                                  <a:latin typeface="Cambria Math" panose="02040503050406030204" pitchFamily="18" charset="0"/>
-                                </a:rPr>
-                                <m:t>𝑓</m:t>
-                              </m:r>
-                            </m:e>
-                            <m:sub>
-                              <m:r>
-                                <a:rPr lang="zh-CN" altLang="en-US" sz="2400" i="1">
-                                  <a:latin typeface="Cambria Math" panose="02040503050406030204" pitchFamily="18" charset="0"/>
-                                </a:rPr>
-                                <m:t>h</m:t>
-                              </m:r>
-                            </m:sub>
-                          </m:sSub>
-                        </m:num>
-                        <m:den>
-                          <m:sSub>
-                            <m:sSubPr>
-                              <m:ctrlPr>
-                                <a:rPr lang="zh-CN" altLang="en-US" sz="2400" i="1">
-                                  <a:latin typeface="Cambria Math" panose="02040503050406030204" pitchFamily="18" charset="0"/>
-                                </a:rPr>
-                              </m:ctrlPr>
-                            </m:sSubPr>
-                            <m:e>
-                              <m:r>
-                                <a:rPr lang="zh-CN" altLang="en-US" sz="2400" i="1">
-                                  <a:latin typeface="Cambria Math" panose="02040503050406030204" pitchFamily="18" charset="0"/>
-                                </a:rPr>
-                                <m:t>𝑛</m:t>
-                              </m:r>
-                            </m:e>
-                            <m:sub>
-                              <m:r>
-                                <a:rPr lang="zh-CN" altLang="en-US" sz="2400" i="1">
-                                  <a:latin typeface="Cambria Math" panose="02040503050406030204" pitchFamily="18" charset="0"/>
-                                </a:rPr>
-                                <m:t>h</m:t>
-                              </m:r>
-                            </m:sub>
-                          </m:sSub>
-                        </m:den>
-                      </m:f>
-                      <m:d>
-                        <m:dPr>
-                          <m:ctrlPr>
-                            <a:rPr lang="zh-CN" altLang="en-US" sz="2400" i="1">
-                              <a:latin typeface="Cambria Math" panose="02040503050406030204" pitchFamily="18" charset="0"/>
-                            </a:rPr>
-                          </m:ctrlPr>
-                        </m:dPr>
-                        <m:e>
-                          <m:sSubSup>
-                            <m:sSubSupPr>
-                              <m:ctrlPr>
-                                <a:rPr lang="zh-CN" altLang="en-US" sz="2400" i="1">
-                                  <a:latin typeface="Cambria Math" panose="02040503050406030204" pitchFamily="18" charset="0"/>
-                                </a:rPr>
-                              </m:ctrlPr>
-                            </m:sSubSupPr>
-                            <m:e>
-                              <m:r>
-                                <a:rPr lang="zh-CN" altLang="en-US" sz="2400" i="1">
-                                  <a:latin typeface="Cambria Math" panose="02040503050406030204" pitchFamily="18" charset="0"/>
-                                </a:rPr>
-                                <m:t>𝑆</m:t>
-                              </m:r>
-                            </m:e>
-                            <m:sub>
-                              <m:r>
-                                <a:rPr lang="zh-CN" altLang="en-US" sz="2400" i="1">
-                                  <a:latin typeface="Cambria Math" panose="02040503050406030204" pitchFamily="18" charset="0"/>
-                                </a:rPr>
-                                <m:t>𝑦h</m:t>
-                              </m:r>
-                            </m:sub>
-                            <m:sup>
-                              <m:r>
-                                <a:rPr lang="zh-CN" altLang="en-US" sz="2400">
-                                  <a:latin typeface="Cambria Math" panose="02040503050406030204" pitchFamily="18" charset="0"/>
-                                </a:rPr>
-                                <m:t>2</m:t>
-                              </m:r>
-                            </m:sup>
-                          </m:sSubSup>
-                          <m:r>
-                            <a:rPr lang="zh-CN" altLang="en-US" sz="2400">
-                              <a:latin typeface="Cambria Math" panose="02040503050406030204" pitchFamily="18" charset="0"/>
-                            </a:rPr>
-                            <m:t>−2</m:t>
-                          </m:r>
-                          <m:sSub>
-                            <m:sSubPr>
-                              <m:ctrlPr>
-                                <a:rPr lang="zh-CN" altLang="en-US" sz="2400" i="1">
-                                  <a:latin typeface="Cambria Math" panose="02040503050406030204" pitchFamily="18" charset="0"/>
-                                </a:rPr>
-                              </m:ctrlPr>
-                            </m:sSubPr>
-                            <m:e>
-                              <m:r>
-                                <a:rPr lang="en-US" altLang="zh-CN" sz="2400" i="1">
-                                  <a:latin typeface="Cambria Math" panose="02040503050406030204" pitchFamily="18" charset="0"/>
-                                </a:rPr>
-                                <m:t>𝐵</m:t>
-                              </m:r>
-                            </m:e>
-                            <m:sub>
-                              <m:r>
-                                <a:rPr lang="en-US" altLang="zh-CN" sz="2400" i="1">
-                                  <a:latin typeface="Cambria Math" panose="02040503050406030204" pitchFamily="18" charset="0"/>
-                                </a:rPr>
-                                <m:t>h</m:t>
-                              </m:r>
-                            </m:sub>
-                          </m:sSub>
-                          <m:sSub>
-                            <m:sSubPr>
-                              <m:ctrlPr>
-                                <a:rPr lang="zh-CN" altLang="en-US" sz="2400" i="1">
-                                  <a:latin typeface="Cambria Math" panose="02040503050406030204" pitchFamily="18" charset="0"/>
-                                </a:rPr>
-                              </m:ctrlPr>
-                            </m:sSubPr>
-                            <m:e>
-                              <m:r>
-                                <a:rPr lang="zh-CN" altLang="en-US" sz="2400" i="1">
-                                  <a:latin typeface="Cambria Math" panose="02040503050406030204" pitchFamily="18" charset="0"/>
-                                </a:rPr>
-                                <m:t>𝑆</m:t>
-                              </m:r>
-                            </m:e>
-                            <m:sub>
-                              <m:r>
-                                <a:rPr lang="zh-CN" altLang="en-US" sz="2400" i="1">
-                                  <a:latin typeface="Cambria Math" panose="02040503050406030204" pitchFamily="18" charset="0"/>
-                                </a:rPr>
-                                <m:t>𝑥𝑦h</m:t>
-                              </m:r>
-                            </m:sub>
-                          </m:sSub>
-                          <m:r>
-                            <a:rPr lang="zh-CN" altLang="en-US" sz="2400">
-                              <a:latin typeface="Cambria Math" panose="02040503050406030204" pitchFamily="18" charset="0"/>
-                            </a:rPr>
-                            <m:t>+</m:t>
-                          </m:r>
-                          <m:sSubSup>
-                            <m:sSubSupPr>
-                              <m:ctrlPr>
-                                <a:rPr lang="zh-CN" altLang="en-US" sz="2400" i="1">
-                                  <a:latin typeface="Cambria Math" panose="02040503050406030204" pitchFamily="18" charset="0"/>
-                                </a:rPr>
-                              </m:ctrlPr>
-                            </m:sSubSupPr>
-                            <m:e>
-                              <m:r>
-                                <a:rPr lang="en-US" altLang="zh-CN" sz="2400" i="1">
-                                  <a:latin typeface="Cambria Math" panose="02040503050406030204" pitchFamily="18" charset="0"/>
-                                </a:rPr>
-                                <m:t>𝐵</m:t>
-                              </m:r>
-                            </m:e>
-                            <m:sub>
-                              <m:r>
-                                <a:rPr lang="en-US" altLang="zh-CN" sz="2400" i="1">
-                                  <a:latin typeface="Cambria Math" panose="02040503050406030204" pitchFamily="18" charset="0"/>
-                                </a:rPr>
-                                <m:t>h</m:t>
-                              </m:r>
-                            </m:sub>
-                            <m:sup>
-                              <m:r>
-                                <a:rPr lang="zh-CN" altLang="en-US" sz="2400">
-                                  <a:latin typeface="Cambria Math" panose="02040503050406030204" pitchFamily="18" charset="0"/>
-                                </a:rPr>
-                                <m:t>2</m:t>
-                              </m:r>
-                            </m:sup>
-                          </m:sSubSup>
-                          <m:sSubSup>
-                            <m:sSubSupPr>
-                              <m:ctrlPr>
-                                <a:rPr lang="zh-CN" altLang="en-US" sz="2400" i="1">
-                                  <a:latin typeface="Cambria Math" panose="02040503050406030204" pitchFamily="18" charset="0"/>
-                                </a:rPr>
-                              </m:ctrlPr>
-                            </m:sSubSupPr>
-                            <m:e>
-                              <m:r>
-                                <a:rPr lang="zh-CN" altLang="en-US" sz="2400" i="1">
-                                  <a:latin typeface="Cambria Math" panose="02040503050406030204" pitchFamily="18" charset="0"/>
-                                </a:rPr>
-                                <m:t>𝑆</m:t>
-                              </m:r>
-                            </m:e>
-                            <m:sub>
-                              <m:r>
-                                <a:rPr lang="zh-CN" altLang="en-US" sz="2400" i="1">
-                                  <a:latin typeface="Cambria Math" panose="02040503050406030204" pitchFamily="18" charset="0"/>
-                                </a:rPr>
-                                <m:t>𝑥h</m:t>
-                              </m:r>
-                            </m:sub>
-                            <m:sup>
-                              <m:r>
-                                <a:rPr lang="zh-CN" altLang="en-US" sz="2400">
-                                  <a:latin typeface="Cambria Math" panose="02040503050406030204" pitchFamily="18" charset="0"/>
-                                </a:rPr>
-                                <m:t>2</m:t>
-                              </m:r>
-                            </m:sup>
-                          </m:sSubSup>
-                        </m:e>
-                      </m:d>
-                    </m:oMath>
-                  </m:oMathPara>
-                </a14:m>
-                <a:endParaRPr lang="en-US" altLang="zh-CN" sz="2400" i="1" dirty="0">
-                  <a:solidFill>
-                    <a:prstClr val="black"/>
-                  </a:solidFill>
-                  <a:latin typeface="Cambria Math" panose="02040503050406030204" pitchFamily="18" charset="0"/>
-                </a:endParaRPr>
-              </a:p>
-              <a:p>
-                <a14:m>
-                  <m:oMathPara xmlns:m="http://schemas.openxmlformats.org/officeDocument/2006/math">
-                    <m:oMathParaPr>
-                      <m:jc m:val="centerGroup"/>
-                    </m:oMathParaPr>
-                    <m:oMath xmlns:m="http://schemas.openxmlformats.org/officeDocument/2006/math">
-                      <m:sSub>
-                        <m:sSubPr>
-                          <m:ctrlPr>
-                            <a:rPr lang="en-US" altLang="zh-CN" sz="2400" i="1">
-                              <a:latin typeface="Cambria Math" panose="02040503050406030204" pitchFamily="18" charset="0"/>
-                            </a:rPr>
-                          </m:ctrlPr>
-                        </m:sSubPr>
-                        <m:e>
-                          <m:r>
-                            <a:rPr lang="zh-CN" altLang="en-US" sz="2400" i="1">
-                              <a:latin typeface="Cambria Math" panose="02040503050406030204" pitchFamily="18" charset="0"/>
-                            </a:rPr>
-                            <m:t>𝑉</m:t>
-                          </m:r>
-                        </m:e>
-                        <m:sub>
-                          <m:r>
-                            <m:rPr>
-                              <m:sty m:val="p"/>
-                            </m:rPr>
-                            <a:rPr lang="en-US" altLang="zh-CN" sz="2400" i="1">
-                              <a:latin typeface="Cambria Math" panose="02040503050406030204" pitchFamily="18" charset="0"/>
-                            </a:rPr>
-                            <m:t>min</m:t>
-                          </m:r>
-                        </m:sub>
-                      </m:sSub>
-                      <m:d>
-                        <m:dPr>
-                          <m:ctrlPr>
-                            <a:rPr lang="zh-CN" altLang="en-US" sz="2400" i="1">
-                              <a:solidFill>
-                                <a:prstClr val="black"/>
-                              </a:solidFill>
-                              <a:latin typeface="Cambria Math" panose="02040503050406030204" pitchFamily="18" charset="0"/>
-                            </a:rPr>
-                          </m:ctrlPr>
-                        </m:dPr>
-                        <m:e>
-                          <m:sSub>
-                            <m:sSubPr>
-                              <m:ctrlPr>
-                                <a:rPr lang="zh-CN" altLang="en-US" sz="2400" i="1">
-                                  <a:solidFill>
-                                    <a:prstClr val="black"/>
-                                  </a:solidFill>
-                                  <a:latin typeface="Cambria Math" panose="02040503050406030204" pitchFamily="18" charset="0"/>
-                                </a:rPr>
-                              </m:ctrlPr>
-                            </m:sSubPr>
-                            <m:e>
-                              <m:acc>
-                                <m:accPr>
-                                  <m:chr m:val="̅"/>
-                                  <m:ctrlPr>
-                                    <a:rPr lang="zh-CN" altLang="en-US" sz="2400" i="1">
-                                      <a:solidFill>
-                                        <a:prstClr val="black"/>
-                                      </a:solidFill>
-                                      <a:latin typeface="Cambria Math" panose="02040503050406030204" pitchFamily="18" charset="0"/>
-                                    </a:rPr>
-                                  </m:ctrlPr>
-                                </m:accPr>
-                                <m:e>
-                                  <m:r>
-                                    <a:rPr lang="zh-CN" altLang="en-US" sz="2400" i="1">
-                                      <a:solidFill>
-                                        <a:prstClr val="black"/>
-                                      </a:solidFill>
-                                      <a:latin typeface="Cambria Math" panose="02040503050406030204" pitchFamily="18" charset="0"/>
-                                    </a:rPr>
-                                    <m:t>𝑦</m:t>
-                                  </m:r>
-                                </m:e>
-                              </m:acc>
-                            </m:e>
-                            <m:sub>
-                              <m:r>
-                                <a:rPr lang="zh-CN" altLang="en-US" sz="2400" i="1">
-                                  <a:solidFill>
-                                    <a:prstClr val="black"/>
-                                  </a:solidFill>
-                                  <a:latin typeface="Cambria Math" panose="02040503050406030204" pitchFamily="18" charset="0"/>
-                                </a:rPr>
-                                <m:t>𝑙𝑟𝑐</m:t>
-                              </m:r>
-                            </m:sub>
-                          </m:sSub>
-                        </m:e>
-                      </m:d>
-                      <m:r>
-                        <a:rPr lang="en-US" altLang="zh-CN" sz="2400" b="0" i="0" smtClean="0">
-                          <a:solidFill>
-                            <a:prstClr val="black"/>
-                          </a:solidFill>
-                          <a:latin typeface="Cambria Math" panose="02040503050406030204" pitchFamily="18" charset="0"/>
-                        </a:rPr>
-                        <m:t>=</m:t>
-                      </m:r>
-                      <m:nary>
-                        <m:naryPr>
-                          <m:chr m:val="∑"/>
-                          <m:limLoc m:val="undOvr"/>
-                          <m:grow m:val="on"/>
-                          <m:ctrlPr>
-                            <a:rPr lang="zh-CN" altLang="en-US" sz="2400" i="1">
-                              <a:solidFill>
-                                <a:prstClr val="black"/>
-                              </a:solidFill>
-                              <a:latin typeface="Cambria Math" panose="02040503050406030204" pitchFamily="18" charset="0"/>
-                            </a:rPr>
-                          </m:ctrlPr>
-                        </m:naryPr>
-                        <m:sub>
-                          <m:r>
-                            <a:rPr lang="zh-CN" altLang="en-US" sz="2400" i="1">
-                              <a:solidFill>
-                                <a:prstClr val="black"/>
-                              </a:solidFill>
-                              <a:latin typeface="Cambria Math" panose="02040503050406030204" pitchFamily="18" charset="0"/>
-                            </a:rPr>
-                            <m:t>h</m:t>
-                          </m:r>
-                          <m:r>
-                            <a:rPr lang="zh-CN" altLang="en-US" sz="2400">
-                              <a:solidFill>
-                                <a:prstClr val="black"/>
-                              </a:solidFill>
-                              <a:latin typeface="Cambria Math" panose="02040503050406030204" pitchFamily="18" charset="0"/>
-                            </a:rPr>
-                            <m:t>=1</m:t>
-                          </m:r>
-                        </m:sub>
-                        <m:sup>
-                          <m:r>
-                            <a:rPr lang="zh-CN" altLang="en-US" sz="2400" i="1">
-                              <a:solidFill>
-                                <a:prstClr val="black"/>
-                              </a:solidFill>
-                              <a:latin typeface="Cambria Math" panose="02040503050406030204" pitchFamily="18" charset="0"/>
-                            </a:rPr>
-                            <m:t>𝐿</m:t>
-                          </m:r>
-                        </m:sup>
-                        <m:e>
-                          <m:sSubSup>
-                            <m:sSubSupPr>
-                              <m:ctrlPr>
-                                <a:rPr lang="zh-CN" altLang="en-US" sz="2400" i="1">
-                                  <a:solidFill>
-                                    <a:prstClr val="black"/>
-                                  </a:solidFill>
-                                  <a:latin typeface="Cambria Math" panose="02040503050406030204" pitchFamily="18" charset="0"/>
-                                </a:rPr>
-                              </m:ctrlPr>
-                            </m:sSubSupPr>
-                            <m:e>
-                              <m:r>
-                                <a:rPr lang="zh-CN" altLang="en-US" sz="2400" i="1">
-                                  <a:solidFill>
-                                    <a:prstClr val="black"/>
-                                  </a:solidFill>
-                                  <a:latin typeface="Cambria Math" panose="02040503050406030204" pitchFamily="18" charset="0"/>
-                                </a:rPr>
-                                <m:t>𝑊</m:t>
-                              </m:r>
-                            </m:e>
-                            <m:sub>
-                              <m:r>
-                                <a:rPr lang="zh-CN" altLang="en-US" sz="2400" i="1">
-                                  <a:solidFill>
-                                    <a:prstClr val="black"/>
-                                  </a:solidFill>
-                                  <a:latin typeface="Cambria Math" panose="02040503050406030204" pitchFamily="18" charset="0"/>
-                                </a:rPr>
-                                <m:t>h</m:t>
-                              </m:r>
-                            </m:sub>
-                            <m:sup>
-                              <m:r>
-                                <a:rPr lang="zh-CN" altLang="en-US" sz="2400">
-                                  <a:solidFill>
-                                    <a:prstClr val="black"/>
-                                  </a:solidFill>
-                                  <a:latin typeface="Cambria Math" panose="02040503050406030204" pitchFamily="18" charset="0"/>
-                                </a:rPr>
-                                <m:t>2</m:t>
-                              </m:r>
-                            </m:sup>
-                          </m:sSubSup>
-                        </m:e>
-                      </m:nary>
-                      <m:f>
-                        <m:fPr>
-                          <m:ctrlPr>
-                            <a:rPr lang="zh-CN" altLang="en-US" sz="2400" i="1">
-                              <a:solidFill>
-                                <a:prstClr val="black"/>
-                              </a:solidFill>
-                              <a:latin typeface="Cambria Math" panose="02040503050406030204" pitchFamily="18" charset="0"/>
-                            </a:rPr>
-                          </m:ctrlPr>
-                        </m:fPr>
-                        <m:num>
-                          <m:r>
-                            <a:rPr lang="zh-CN" altLang="en-US" sz="2400">
-                              <a:solidFill>
-                                <a:prstClr val="black"/>
-                              </a:solidFill>
-                              <a:latin typeface="Cambria Math" panose="02040503050406030204" pitchFamily="18" charset="0"/>
-                            </a:rPr>
-                            <m:t>1−</m:t>
-                          </m:r>
-                          <m:sSub>
-                            <m:sSubPr>
-                              <m:ctrlPr>
-                                <a:rPr lang="zh-CN" altLang="en-US" sz="2400" i="1">
-                                  <a:solidFill>
-                                    <a:prstClr val="black"/>
-                                  </a:solidFill>
-                                  <a:latin typeface="Cambria Math" panose="02040503050406030204" pitchFamily="18" charset="0"/>
-                                </a:rPr>
-                              </m:ctrlPr>
-                            </m:sSubPr>
-                            <m:e>
-                              <m:r>
-                                <a:rPr lang="zh-CN" altLang="en-US" sz="2400" i="1">
-                                  <a:solidFill>
-                                    <a:prstClr val="black"/>
-                                  </a:solidFill>
-                                  <a:latin typeface="Cambria Math" panose="02040503050406030204" pitchFamily="18" charset="0"/>
-                                </a:rPr>
-                                <m:t>𝑓</m:t>
-                              </m:r>
-                            </m:e>
-                            <m:sub>
-                              <m:r>
-                                <a:rPr lang="zh-CN" altLang="en-US" sz="2400" i="1">
-                                  <a:solidFill>
-                                    <a:prstClr val="black"/>
-                                  </a:solidFill>
-                                  <a:latin typeface="Cambria Math" panose="02040503050406030204" pitchFamily="18" charset="0"/>
-                                </a:rPr>
-                                <m:t>h</m:t>
-                              </m:r>
-                            </m:sub>
-                          </m:sSub>
-                        </m:num>
-                        <m:den>
-                          <m:sSub>
-                            <m:sSubPr>
-                              <m:ctrlPr>
-                                <a:rPr lang="zh-CN" altLang="en-US" sz="2400" i="1">
-                                  <a:solidFill>
-                                    <a:prstClr val="black"/>
-                                  </a:solidFill>
-                                  <a:latin typeface="Cambria Math" panose="02040503050406030204" pitchFamily="18" charset="0"/>
-                                </a:rPr>
-                              </m:ctrlPr>
-                            </m:sSubPr>
-                            <m:e>
-                              <m:r>
-                                <a:rPr lang="zh-CN" altLang="en-US" sz="2400" i="1">
-                                  <a:solidFill>
-                                    <a:prstClr val="black"/>
-                                  </a:solidFill>
-                                  <a:latin typeface="Cambria Math" panose="02040503050406030204" pitchFamily="18" charset="0"/>
-                                </a:rPr>
-                                <m:t>𝑛</m:t>
-                              </m:r>
-                            </m:e>
-                            <m:sub>
-                              <m:r>
-                                <a:rPr lang="zh-CN" altLang="en-US" sz="2400" i="1">
-                                  <a:solidFill>
-                                    <a:prstClr val="black"/>
-                                  </a:solidFill>
-                                  <a:latin typeface="Cambria Math" panose="02040503050406030204" pitchFamily="18" charset="0"/>
-                                </a:rPr>
-                                <m:t>h</m:t>
-                              </m:r>
-                            </m:sub>
-                          </m:sSub>
-                        </m:den>
-                      </m:f>
-                      <m:d>
-                        <m:dPr>
-                          <m:ctrlPr>
-                            <a:rPr lang="zh-CN" altLang="en-US" sz="2400" i="1">
-                              <a:solidFill>
-                                <a:prstClr val="black"/>
-                              </a:solidFill>
-                              <a:latin typeface="Cambria Math" panose="02040503050406030204" pitchFamily="18" charset="0"/>
-                            </a:rPr>
-                          </m:ctrlPr>
-                        </m:dPr>
-                        <m:e>
-                          <m:sSubSup>
-                            <m:sSubSupPr>
-                              <m:ctrlPr>
-                                <a:rPr lang="zh-CN" altLang="en-US" sz="2400" i="1">
-                                  <a:solidFill>
-                                    <a:prstClr val="black"/>
-                                  </a:solidFill>
-                                  <a:latin typeface="Cambria Math" panose="02040503050406030204" pitchFamily="18" charset="0"/>
-                                </a:rPr>
-                              </m:ctrlPr>
-                            </m:sSubSupPr>
-                            <m:e>
-                              <m:r>
-                                <a:rPr lang="zh-CN" altLang="en-US" sz="2400" i="1">
-                                  <a:solidFill>
-                                    <a:prstClr val="black"/>
-                                  </a:solidFill>
-                                  <a:latin typeface="Cambria Math" panose="02040503050406030204" pitchFamily="18" charset="0"/>
-                                </a:rPr>
-                                <m:t>𝑆</m:t>
-                              </m:r>
-                            </m:e>
-                            <m:sub>
-                              <m:r>
-                                <a:rPr lang="zh-CN" altLang="en-US" sz="2400" i="1">
-                                  <a:solidFill>
-                                    <a:prstClr val="black"/>
-                                  </a:solidFill>
-                                  <a:latin typeface="Cambria Math" panose="02040503050406030204" pitchFamily="18" charset="0"/>
-                                </a:rPr>
-                                <m:t>𝑦h</m:t>
-                              </m:r>
-                            </m:sub>
-                            <m:sup>
-                              <m:r>
-                                <a:rPr lang="zh-CN" altLang="en-US" sz="2400">
-                                  <a:solidFill>
-                                    <a:prstClr val="black"/>
-                                  </a:solidFill>
-                                  <a:latin typeface="Cambria Math" panose="02040503050406030204" pitchFamily="18" charset="0"/>
-                                </a:rPr>
-                                <m:t>2</m:t>
-                              </m:r>
-                            </m:sup>
-                          </m:sSubSup>
-                          <m:r>
-                            <a:rPr lang="zh-CN" altLang="en-US" sz="2400">
-                              <a:solidFill>
-                                <a:prstClr val="black"/>
-                              </a:solidFill>
-                              <a:latin typeface="Cambria Math" panose="02040503050406030204" pitchFamily="18" charset="0"/>
-                            </a:rPr>
-                            <m:t>−2</m:t>
-                          </m:r>
-                          <m:sSub>
-                            <m:sSubPr>
-                              <m:ctrlPr>
-                                <a:rPr lang="zh-CN" altLang="en-US" sz="2400" i="1">
-                                  <a:solidFill>
-                                    <a:prstClr val="black"/>
-                                  </a:solidFill>
-                                  <a:latin typeface="Cambria Math" panose="02040503050406030204" pitchFamily="18" charset="0"/>
-                                </a:rPr>
-                              </m:ctrlPr>
-                            </m:sSubPr>
-                            <m:e>
-                              <m:r>
-                                <a:rPr lang="zh-CN" altLang="en-US" sz="2400" i="1">
-                                  <a:solidFill>
-                                    <a:prstClr val="black"/>
-                                  </a:solidFill>
-                                  <a:latin typeface="Cambria Math" panose="02040503050406030204" pitchFamily="18" charset="0"/>
-                                </a:rPr>
-                                <m:t>𝐵</m:t>
-                              </m:r>
-                            </m:e>
-                            <m:sub>
-                              <m:r>
-                                <a:rPr lang="zh-CN" altLang="en-US" sz="2400" i="1">
-                                  <a:solidFill>
-                                    <a:prstClr val="black"/>
-                                  </a:solidFill>
-                                  <a:latin typeface="Cambria Math" panose="02040503050406030204" pitchFamily="18" charset="0"/>
-                                </a:rPr>
-                                <m:t>𝑐</m:t>
-                              </m:r>
-                            </m:sub>
-                          </m:sSub>
-                          <m:sSub>
-                            <m:sSubPr>
-                              <m:ctrlPr>
-                                <a:rPr lang="zh-CN" altLang="en-US" sz="2400" i="1">
-                                  <a:solidFill>
-                                    <a:prstClr val="black"/>
-                                  </a:solidFill>
-                                  <a:latin typeface="Cambria Math" panose="02040503050406030204" pitchFamily="18" charset="0"/>
-                                </a:rPr>
-                              </m:ctrlPr>
-                            </m:sSubPr>
-                            <m:e>
-                              <m:r>
-                                <a:rPr lang="zh-CN" altLang="en-US" sz="2400" i="1">
-                                  <a:solidFill>
-                                    <a:prstClr val="black"/>
-                                  </a:solidFill>
-                                  <a:latin typeface="Cambria Math" panose="02040503050406030204" pitchFamily="18" charset="0"/>
-                                </a:rPr>
-                                <m:t>𝑆</m:t>
-                              </m:r>
-                            </m:e>
-                            <m:sub>
-                              <m:r>
-                                <a:rPr lang="zh-CN" altLang="en-US" sz="2400" i="1">
-                                  <a:solidFill>
-                                    <a:prstClr val="black"/>
-                                  </a:solidFill>
-                                  <a:latin typeface="Cambria Math" panose="02040503050406030204" pitchFamily="18" charset="0"/>
-                                </a:rPr>
-                                <m:t>𝑥𝑦h</m:t>
-                              </m:r>
-                            </m:sub>
-                          </m:sSub>
-                          <m:r>
-                            <a:rPr lang="zh-CN" altLang="en-US" sz="2400">
-                              <a:solidFill>
-                                <a:prstClr val="black"/>
-                              </a:solidFill>
-                              <a:latin typeface="Cambria Math" panose="02040503050406030204" pitchFamily="18" charset="0"/>
-                            </a:rPr>
-                            <m:t>+</m:t>
-                          </m:r>
-                          <m:sSubSup>
-                            <m:sSubSupPr>
-                              <m:ctrlPr>
-                                <a:rPr lang="zh-CN" altLang="en-US" sz="2400" i="1">
-                                  <a:solidFill>
-                                    <a:prstClr val="black"/>
-                                  </a:solidFill>
-                                  <a:latin typeface="Cambria Math" panose="02040503050406030204" pitchFamily="18" charset="0"/>
-                                </a:rPr>
-                              </m:ctrlPr>
-                            </m:sSubSupPr>
-                            <m:e>
-                              <m:r>
-                                <a:rPr lang="zh-CN" altLang="en-US" sz="2400" i="1">
-                                  <a:solidFill>
-                                    <a:prstClr val="black"/>
-                                  </a:solidFill>
-                                  <a:latin typeface="Cambria Math" panose="02040503050406030204" pitchFamily="18" charset="0"/>
-                                </a:rPr>
-                                <m:t>𝐵</m:t>
-                              </m:r>
-                            </m:e>
-                            <m:sub>
-                              <m:r>
-                                <a:rPr lang="zh-CN" altLang="en-US" sz="2400" i="1">
-                                  <a:solidFill>
-                                    <a:prstClr val="black"/>
-                                  </a:solidFill>
-                                  <a:latin typeface="Cambria Math" panose="02040503050406030204" pitchFamily="18" charset="0"/>
-                                </a:rPr>
-                                <m:t>𝑐</m:t>
-                              </m:r>
-                            </m:sub>
-                            <m:sup>
-                              <m:r>
-                                <a:rPr lang="zh-CN" altLang="en-US" sz="2400">
-                                  <a:solidFill>
-                                    <a:prstClr val="black"/>
-                                  </a:solidFill>
-                                  <a:latin typeface="Cambria Math" panose="02040503050406030204" pitchFamily="18" charset="0"/>
-                                </a:rPr>
-                                <m:t>2</m:t>
-                              </m:r>
-                            </m:sup>
-                          </m:sSubSup>
-                          <m:sSubSup>
-                            <m:sSubSupPr>
-                              <m:ctrlPr>
-                                <a:rPr lang="zh-CN" altLang="en-US" sz="2400" i="1">
-                                  <a:solidFill>
-                                    <a:prstClr val="black"/>
-                                  </a:solidFill>
-                                  <a:latin typeface="Cambria Math" panose="02040503050406030204" pitchFamily="18" charset="0"/>
-                                </a:rPr>
-                              </m:ctrlPr>
-                            </m:sSubSupPr>
-                            <m:e>
-                              <m:r>
-                                <a:rPr lang="zh-CN" altLang="en-US" sz="2400" i="1">
-                                  <a:solidFill>
-                                    <a:prstClr val="black"/>
-                                  </a:solidFill>
-                                  <a:latin typeface="Cambria Math" panose="02040503050406030204" pitchFamily="18" charset="0"/>
-                                </a:rPr>
-                                <m:t>𝑆</m:t>
-                              </m:r>
-                            </m:e>
-                            <m:sub>
-                              <m:r>
-                                <a:rPr lang="zh-CN" altLang="en-US" sz="2400" i="1">
-                                  <a:solidFill>
-                                    <a:prstClr val="black"/>
-                                  </a:solidFill>
-                                  <a:latin typeface="Cambria Math" panose="02040503050406030204" pitchFamily="18" charset="0"/>
-                                </a:rPr>
-                                <m:t>𝑥h</m:t>
-                              </m:r>
-                            </m:sub>
-                            <m:sup>
-                              <m:r>
-                                <a:rPr lang="zh-CN" altLang="en-US" sz="2400">
-                                  <a:solidFill>
-                                    <a:prstClr val="black"/>
-                                  </a:solidFill>
-                                  <a:latin typeface="Cambria Math" panose="02040503050406030204" pitchFamily="18" charset="0"/>
-                                </a:rPr>
-                                <m:t>2</m:t>
-                              </m:r>
-                            </m:sup>
-                          </m:sSubSup>
-                        </m:e>
-                      </m:d>
-                    </m:oMath>
-                  </m:oMathPara>
-                </a14:m>
-                <a:endParaRPr lang="en-US" altLang="zh-CN" dirty="0"/>
-              </a:p>
-              <a:p>
-                <a14:m>
-                  <m:oMathPara xmlns:m="http://schemas.openxmlformats.org/officeDocument/2006/math">
-                    <m:oMathParaPr>
-                      <m:jc m:val="centerGroup"/>
-                    </m:oMathParaPr>
-                    <m:oMath xmlns:m="http://schemas.openxmlformats.org/officeDocument/2006/math">
-                      <m:sSub>
-                        <m:sSubPr>
-                          <m:ctrlPr>
-                            <a:rPr lang="zh-CN" altLang="en-US" sz="2400" i="1">
-                              <a:solidFill>
-                                <a:prstClr val="black"/>
-                              </a:solidFill>
-                              <a:latin typeface="Cambria Math" panose="02040503050406030204" pitchFamily="18" charset="0"/>
-                            </a:rPr>
-                          </m:ctrlPr>
-                        </m:sSubPr>
-                        <m:e>
-                          <m:r>
-                            <a:rPr lang="en-US" altLang="zh-CN" sz="2400" i="1">
-                              <a:solidFill>
-                                <a:prstClr val="black"/>
-                              </a:solidFill>
-                              <a:latin typeface="Cambria Math" panose="02040503050406030204" pitchFamily="18" charset="0"/>
-                            </a:rPr>
-                            <m:t>𝐵</m:t>
-                          </m:r>
-                        </m:e>
-                        <m:sub>
-                          <m:r>
-                            <a:rPr lang="en-US" altLang="zh-CN" sz="2400" i="1">
-                              <a:solidFill>
-                                <a:prstClr val="black"/>
-                              </a:solidFill>
-                              <a:latin typeface="Cambria Math" panose="02040503050406030204" pitchFamily="18" charset="0"/>
-                            </a:rPr>
-                            <m:t>h</m:t>
-                          </m:r>
-                        </m:sub>
-                      </m:sSub>
-                      <m:r>
-                        <a:rPr lang="en-US" altLang="zh-CN" sz="2400" i="1">
-                          <a:solidFill>
-                            <a:prstClr val="black"/>
-                          </a:solidFill>
-                          <a:latin typeface="Cambria Math" panose="02040503050406030204" pitchFamily="18" charset="0"/>
-                        </a:rPr>
-                        <m:t>=</m:t>
-                      </m:r>
-                      <m:f>
-                        <m:fPr>
-                          <m:ctrlPr>
-                            <a:rPr lang="zh-CN" altLang="en-US" sz="2400" i="1">
-                              <a:solidFill>
-                                <a:prstClr val="black"/>
-                              </a:solidFill>
-                              <a:latin typeface="Cambria Math" panose="02040503050406030204" pitchFamily="18" charset="0"/>
-                            </a:rPr>
-                          </m:ctrlPr>
-                        </m:fPr>
-                        <m:num>
-                          <m:sSub>
-                            <m:sSubPr>
-                              <m:ctrlPr>
-                                <a:rPr lang="zh-CN" altLang="en-US" sz="2400" i="1">
-                                  <a:solidFill>
-                                    <a:prstClr val="black"/>
-                                  </a:solidFill>
-                                  <a:latin typeface="Cambria Math" panose="02040503050406030204" pitchFamily="18" charset="0"/>
-                                </a:rPr>
-                              </m:ctrlPr>
-                            </m:sSubPr>
-                            <m:e>
-                              <m:r>
-                                <a:rPr lang="zh-CN" altLang="en-US" sz="2400" i="1">
-                                  <a:solidFill>
-                                    <a:prstClr val="black"/>
-                                  </a:solidFill>
-                                  <a:latin typeface="Cambria Math" panose="02040503050406030204" pitchFamily="18" charset="0"/>
-                                </a:rPr>
-                                <m:t>𝑆</m:t>
-                              </m:r>
-                            </m:e>
-                            <m:sub>
-                              <m:r>
-                                <a:rPr lang="zh-CN" altLang="en-US" sz="2400" i="1">
-                                  <a:solidFill>
-                                    <a:prstClr val="black"/>
-                                  </a:solidFill>
-                                  <a:latin typeface="Cambria Math" panose="02040503050406030204" pitchFamily="18" charset="0"/>
-                                </a:rPr>
-                                <m:t>𝑥𝑦h</m:t>
-                              </m:r>
-                            </m:sub>
-                          </m:sSub>
-                        </m:num>
-                        <m:den>
-                          <m:sSubSup>
-                            <m:sSubSupPr>
-                              <m:ctrlPr>
-                                <a:rPr lang="zh-CN" altLang="en-US" sz="2400" i="1">
-                                  <a:solidFill>
-                                    <a:prstClr val="black"/>
-                                  </a:solidFill>
-                                  <a:latin typeface="Cambria Math" panose="02040503050406030204" pitchFamily="18" charset="0"/>
-                                </a:rPr>
-                              </m:ctrlPr>
-                            </m:sSubSupPr>
-                            <m:e>
-                              <m:r>
-                                <a:rPr lang="zh-CN" altLang="en-US" sz="2400" i="1">
-                                  <a:solidFill>
-                                    <a:prstClr val="black"/>
-                                  </a:solidFill>
-                                  <a:latin typeface="Cambria Math" panose="02040503050406030204" pitchFamily="18" charset="0"/>
-                                </a:rPr>
-                                <m:t>𝑆</m:t>
-                              </m:r>
-                            </m:e>
-                            <m:sub>
-                              <m:r>
-                                <a:rPr lang="zh-CN" altLang="en-US" sz="2400" i="1">
-                                  <a:solidFill>
-                                    <a:prstClr val="black"/>
-                                  </a:solidFill>
-                                  <a:latin typeface="Cambria Math" panose="02040503050406030204" pitchFamily="18" charset="0"/>
-                                </a:rPr>
-                                <m:t>𝑥h</m:t>
-                              </m:r>
-                            </m:sub>
-                            <m:sup>
-                              <m:r>
-                                <a:rPr lang="zh-CN" altLang="en-US" sz="2400">
-                                  <a:solidFill>
-                                    <a:prstClr val="black"/>
-                                  </a:solidFill>
-                                  <a:latin typeface="Cambria Math" panose="02040503050406030204" pitchFamily="18" charset="0"/>
-                                </a:rPr>
-                                <m:t>2</m:t>
-                              </m:r>
-                            </m:sup>
-                          </m:sSubSup>
-                        </m:den>
-                      </m:f>
-                      <m:r>
-                        <a:rPr lang="en-US" altLang="zh-CN" sz="2400" i="1">
-                          <a:solidFill>
-                            <a:prstClr val="black"/>
-                          </a:solidFill>
-                          <a:latin typeface="Cambria Math" panose="02040503050406030204" pitchFamily="18" charset="0"/>
-                        </a:rPr>
-                        <m:t>,</m:t>
-                      </m:r>
-                      <m:sSub>
-                        <m:sSubPr>
-                          <m:ctrlPr>
-                            <a:rPr lang="zh-CN" altLang="en-US" sz="2400" i="1">
-                              <a:solidFill>
-                                <a:prstClr val="black"/>
-                              </a:solidFill>
-                              <a:latin typeface="Cambria Math" panose="02040503050406030204" pitchFamily="18" charset="0"/>
-                            </a:rPr>
-                          </m:ctrlPr>
-                        </m:sSubPr>
-                        <m:e>
-                          <m:r>
-                            <a:rPr lang="zh-CN" altLang="en-US" sz="2400" i="1">
-                              <a:solidFill>
-                                <a:prstClr val="black"/>
-                              </a:solidFill>
-                              <a:latin typeface="Cambria Math" panose="02040503050406030204" pitchFamily="18" charset="0"/>
-                            </a:rPr>
-                            <m:t>𝐵</m:t>
-                          </m:r>
-                        </m:e>
-                        <m:sub>
-                          <m:r>
-                            <a:rPr lang="zh-CN" altLang="en-US" sz="2400" i="1">
-                              <a:solidFill>
-                                <a:prstClr val="black"/>
-                              </a:solidFill>
-                              <a:latin typeface="Cambria Math" panose="02040503050406030204" pitchFamily="18" charset="0"/>
-                            </a:rPr>
-                            <m:t>𝑐</m:t>
-                          </m:r>
-                        </m:sub>
-                      </m:sSub>
-                      <m:r>
-                        <a:rPr lang="en-US" altLang="zh-CN" sz="2400" i="1">
-                          <a:solidFill>
-                            <a:prstClr val="black"/>
-                          </a:solidFill>
-                          <a:latin typeface="Cambria Math" panose="02040503050406030204" pitchFamily="18" charset="0"/>
-                        </a:rPr>
-                        <m:t>=</m:t>
-                      </m:r>
-                      <m:f>
-                        <m:fPr>
-                          <m:ctrlPr>
-                            <a:rPr lang="zh-CN" altLang="en-US" sz="2400" i="1">
-                              <a:solidFill>
-                                <a:prstClr val="black"/>
-                              </a:solidFill>
-                              <a:latin typeface="Cambria Math" panose="02040503050406030204" pitchFamily="18" charset="0"/>
-                            </a:rPr>
-                          </m:ctrlPr>
-                        </m:fPr>
-                        <m:num>
-                          <m:nary>
-                            <m:naryPr>
-                              <m:chr m:val="∑"/>
-                              <m:limLoc m:val="undOvr"/>
-                              <m:grow m:val="on"/>
-                              <m:ctrlPr>
-                                <a:rPr lang="zh-CN" altLang="en-US" sz="2400" i="1">
-                                  <a:solidFill>
-                                    <a:prstClr val="black"/>
-                                  </a:solidFill>
-                                  <a:latin typeface="Cambria Math" panose="02040503050406030204" pitchFamily="18" charset="0"/>
-                                </a:rPr>
-                              </m:ctrlPr>
-                            </m:naryPr>
-                            <m:sub>
-                              <m:r>
-                                <a:rPr lang="zh-CN" altLang="en-US" sz="2400" i="1">
-                                  <a:solidFill>
-                                    <a:prstClr val="black"/>
-                                  </a:solidFill>
-                                  <a:latin typeface="Cambria Math" panose="02040503050406030204" pitchFamily="18" charset="0"/>
-                                </a:rPr>
-                                <m:t>h</m:t>
-                              </m:r>
-                              <m:r>
-                                <a:rPr lang="zh-CN" altLang="en-US" sz="2400">
-                                  <a:solidFill>
-                                    <a:prstClr val="black"/>
-                                  </a:solidFill>
-                                  <a:latin typeface="Cambria Math" panose="02040503050406030204" pitchFamily="18" charset="0"/>
-                                </a:rPr>
-                                <m:t>=1</m:t>
-                              </m:r>
-                            </m:sub>
-                            <m:sup>
-                              <m:r>
-                                <a:rPr lang="zh-CN" altLang="en-US" sz="2400" i="1">
-                                  <a:solidFill>
-                                    <a:prstClr val="black"/>
-                                  </a:solidFill>
-                                  <a:latin typeface="Cambria Math" panose="02040503050406030204" pitchFamily="18" charset="0"/>
-                                </a:rPr>
-                                <m:t>𝐿</m:t>
-                              </m:r>
-                            </m:sup>
-                            <m:e>
-                              <m:sSub>
-                                <m:sSubPr>
-                                  <m:ctrlPr>
-                                    <a:rPr lang="zh-CN" altLang="en-US" sz="2400" i="1">
-                                      <a:solidFill>
-                                        <a:prstClr val="black"/>
-                                      </a:solidFill>
-                                      <a:latin typeface="Cambria Math" panose="02040503050406030204" pitchFamily="18" charset="0"/>
-                                    </a:rPr>
-                                  </m:ctrlPr>
-                                </m:sSubPr>
-                                <m:e>
-                                  <m:r>
-                                    <a:rPr lang="en-US" altLang="zh-CN" sz="2400" i="1">
-                                      <a:solidFill>
-                                        <a:prstClr val="black"/>
-                                      </a:solidFill>
-                                      <a:latin typeface="Cambria Math" panose="02040503050406030204" pitchFamily="18" charset="0"/>
-                                    </a:rPr>
-                                    <m:t>𝑎</m:t>
-                                  </m:r>
-                                </m:e>
-                                <m:sub>
-                                  <m:r>
-                                    <a:rPr lang="en-US" altLang="zh-CN" sz="2400" i="1">
-                                      <a:solidFill>
-                                        <a:prstClr val="black"/>
-                                      </a:solidFill>
-                                      <a:latin typeface="Cambria Math" panose="02040503050406030204" pitchFamily="18" charset="0"/>
-                                    </a:rPr>
-                                    <m:t>h</m:t>
-                                  </m:r>
-                                </m:sub>
-                              </m:sSub>
-                            </m:e>
-                          </m:nary>
-                          <m:sSub>
-                            <m:sSubPr>
-                              <m:ctrlPr>
-                                <a:rPr lang="zh-CN" altLang="en-US" sz="2400" i="1">
-                                  <a:solidFill>
-                                    <a:prstClr val="black"/>
-                                  </a:solidFill>
-                                  <a:latin typeface="Cambria Math" panose="02040503050406030204" pitchFamily="18" charset="0"/>
-                                </a:rPr>
-                              </m:ctrlPr>
-                            </m:sSubPr>
-                            <m:e>
-                              <m:r>
-                                <a:rPr lang="en-US" altLang="zh-CN" sz="2400" i="1">
-                                  <a:solidFill>
-                                    <a:prstClr val="black"/>
-                                  </a:solidFill>
-                                  <a:latin typeface="Cambria Math" panose="02040503050406030204" pitchFamily="18" charset="0"/>
-                                </a:rPr>
-                                <m:t>𝐵</m:t>
-                              </m:r>
-                            </m:e>
-                            <m:sub>
-                              <m:r>
-                                <a:rPr lang="en-US" altLang="zh-CN" sz="2400" i="1">
-                                  <a:solidFill>
-                                    <a:prstClr val="black"/>
-                                  </a:solidFill>
-                                  <a:latin typeface="Cambria Math" panose="02040503050406030204" pitchFamily="18" charset="0"/>
-                                </a:rPr>
-                                <m:t>h</m:t>
-                              </m:r>
-                            </m:sub>
-                          </m:sSub>
-                        </m:num>
-                        <m:den>
-                          <m:nary>
-                            <m:naryPr>
-                              <m:chr m:val="∑"/>
-                              <m:limLoc m:val="undOvr"/>
-                              <m:grow m:val="on"/>
-                              <m:ctrlPr>
-                                <a:rPr lang="zh-CN" altLang="en-US" sz="2400" i="1">
-                                  <a:solidFill>
-                                    <a:prstClr val="black"/>
-                                  </a:solidFill>
-                                  <a:latin typeface="Cambria Math" panose="02040503050406030204" pitchFamily="18" charset="0"/>
-                                </a:rPr>
-                              </m:ctrlPr>
-                            </m:naryPr>
-                            <m:sub>
-                              <m:r>
-                                <a:rPr lang="zh-CN" altLang="en-US" sz="2400" i="1">
-                                  <a:solidFill>
-                                    <a:prstClr val="black"/>
-                                  </a:solidFill>
-                                  <a:latin typeface="Cambria Math" panose="02040503050406030204" pitchFamily="18" charset="0"/>
-                                </a:rPr>
-                                <m:t>h</m:t>
-                              </m:r>
-                              <m:r>
-                                <a:rPr lang="zh-CN" altLang="en-US" sz="2400">
-                                  <a:solidFill>
-                                    <a:prstClr val="black"/>
-                                  </a:solidFill>
-                                  <a:latin typeface="Cambria Math" panose="02040503050406030204" pitchFamily="18" charset="0"/>
-                                </a:rPr>
-                                <m:t>=1</m:t>
-                              </m:r>
-                            </m:sub>
-                            <m:sup>
-                              <m:r>
-                                <a:rPr lang="zh-CN" altLang="en-US" sz="2400" i="1">
-                                  <a:solidFill>
-                                    <a:prstClr val="black"/>
-                                  </a:solidFill>
-                                  <a:latin typeface="Cambria Math" panose="02040503050406030204" pitchFamily="18" charset="0"/>
-                                </a:rPr>
-                                <m:t>𝐿</m:t>
-                              </m:r>
-                            </m:sup>
-                            <m:e>
-                              <m:sSub>
-                                <m:sSubPr>
-                                  <m:ctrlPr>
-                                    <a:rPr lang="zh-CN" altLang="en-US" sz="2400" i="1">
-                                      <a:solidFill>
-                                        <a:prstClr val="black"/>
-                                      </a:solidFill>
-                                      <a:latin typeface="Cambria Math" panose="02040503050406030204" pitchFamily="18" charset="0"/>
-                                    </a:rPr>
-                                  </m:ctrlPr>
-                                </m:sSubPr>
-                                <m:e>
-                                  <m:r>
-                                    <a:rPr lang="en-US" altLang="zh-CN" sz="2400" i="1">
-                                      <a:solidFill>
-                                        <a:prstClr val="black"/>
-                                      </a:solidFill>
-                                      <a:latin typeface="Cambria Math" panose="02040503050406030204" pitchFamily="18" charset="0"/>
-                                    </a:rPr>
-                                    <m:t>𝑎</m:t>
-                                  </m:r>
-                                </m:e>
-                                <m:sub>
-                                  <m:r>
-                                    <a:rPr lang="en-US" altLang="zh-CN" sz="2400" i="1">
-                                      <a:solidFill>
-                                        <a:prstClr val="black"/>
-                                      </a:solidFill>
-                                      <a:latin typeface="Cambria Math" panose="02040503050406030204" pitchFamily="18" charset="0"/>
-                                    </a:rPr>
-                                    <m:t>h</m:t>
-                                  </m:r>
-                                </m:sub>
-                              </m:sSub>
-                            </m:e>
-                          </m:nary>
-                        </m:den>
-                      </m:f>
-                      <m:r>
-                        <a:rPr lang="en-US" altLang="zh-CN" sz="2400" i="1">
-                          <a:solidFill>
-                            <a:prstClr val="black"/>
-                          </a:solidFill>
-                          <a:latin typeface="Cambria Math" panose="02040503050406030204" pitchFamily="18" charset="0"/>
-                        </a:rPr>
-                        <m:t>,</m:t>
-                      </m:r>
-                      <m:sSub>
-                        <m:sSubPr>
-                          <m:ctrlPr>
-                            <a:rPr lang="zh-CN" altLang="en-US" sz="2400" i="1">
-                              <a:solidFill>
-                                <a:prstClr val="black"/>
-                              </a:solidFill>
-                              <a:latin typeface="Cambria Math" panose="02040503050406030204" pitchFamily="18" charset="0"/>
-                            </a:rPr>
-                          </m:ctrlPr>
-                        </m:sSubPr>
-                        <m:e>
-                          <m:r>
-                            <a:rPr lang="en-US" altLang="zh-CN" sz="2400" i="1">
-                              <a:solidFill>
-                                <a:prstClr val="black"/>
-                              </a:solidFill>
-                              <a:latin typeface="Cambria Math" panose="02040503050406030204" pitchFamily="18" charset="0"/>
-                            </a:rPr>
-                            <m:t>𝑎</m:t>
-                          </m:r>
-                        </m:e>
-                        <m:sub>
-                          <m:r>
-                            <a:rPr lang="en-US" altLang="zh-CN" sz="2400" i="1">
-                              <a:solidFill>
-                                <a:prstClr val="black"/>
-                              </a:solidFill>
-                              <a:latin typeface="Cambria Math" panose="02040503050406030204" pitchFamily="18" charset="0"/>
-                            </a:rPr>
-                            <m:t>h</m:t>
-                          </m:r>
-                        </m:sub>
-                      </m:sSub>
-                      <m:r>
-                        <a:rPr lang="en-US" altLang="zh-CN" sz="2400" i="1">
-                          <a:solidFill>
-                            <a:prstClr val="black"/>
-                          </a:solidFill>
-                          <a:latin typeface="Cambria Math" panose="02040503050406030204" pitchFamily="18" charset="0"/>
-                        </a:rPr>
-                        <m:t>=</m:t>
-                      </m:r>
-                      <m:f>
-                        <m:fPr>
-                          <m:ctrlPr>
-                            <a:rPr lang="zh-CN" altLang="en-US" sz="2400" i="1">
-                              <a:solidFill>
-                                <a:prstClr val="black"/>
-                              </a:solidFill>
-                              <a:latin typeface="Cambria Math" panose="02040503050406030204" pitchFamily="18" charset="0"/>
-                            </a:rPr>
-                          </m:ctrlPr>
-                        </m:fPr>
-                        <m:num>
-                          <m:sSubSup>
-                            <m:sSubSupPr>
-                              <m:ctrlPr>
-                                <a:rPr lang="zh-CN" altLang="en-US" sz="2400" i="1">
-                                  <a:solidFill>
-                                    <a:prstClr val="black"/>
-                                  </a:solidFill>
-                                  <a:latin typeface="Cambria Math" panose="02040503050406030204" pitchFamily="18" charset="0"/>
-                                </a:rPr>
-                              </m:ctrlPr>
-                            </m:sSubSupPr>
-                            <m:e>
-                              <m:r>
-                                <a:rPr lang="zh-CN" altLang="en-US" sz="2400" i="1">
-                                  <a:solidFill>
-                                    <a:prstClr val="black"/>
-                                  </a:solidFill>
-                                  <a:latin typeface="Cambria Math" panose="02040503050406030204" pitchFamily="18" charset="0"/>
-                                </a:rPr>
-                                <m:t>𝑊</m:t>
-                              </m:r>
-                            </m:e>
-                            <m:sub>
-                              <m:r>
-                                <a:rPr lang="zh-CN" altLang="en-US" sz="2400" i="1">
-                                  <a:solidFill>
-                                    <a:prstClr val="black"/>
-                                  </a:solidFill>
-                                  <a:latin typeface="Cambria Math" panose="02040503050406030204" pitchFamily="18" charset="0"/>
-                                </a:rPr>
-                                <m:t>h</m:t>
-                              </m:r>
-                            </m:sub>
-                            <m:sup>
-                              <m:r>
-                                <a:rPr lang="zh-CN" altLang="en-US" sz="2400">
-                                  <a:solidFill>
-                                    <a:prstClr val="black"/>
-                                  </a:solidFill>
-                                  <a:latin typeface="Cambria Math" panose="02040503050406030204" pitchFamily="18" charset="0"/>
-                                </a:rPr>
-                                <m:t>2</m:t>
-                              </m:r>
-                            </m:sup>
-                          </m:sSubSup>
-                          <m:r>
-                            <a:rPr lang="en-US" altLang="zh-CN" sz="2400">
-                              <a:solidFill>
-                                <a:prstClr val="black"/>
-                              </a:solidFill>
-                              <a:latin typeface="Cambria Math" panose="02040503050406030204" pitchFamily="18" charset="0"/>
-                            </a:rPr>
-                            <m:t>(</m:t>
-                          </m:r>
-                          <m:r>
-                            <a:rPr lang="zh-CN" altLang="en-US" sz="2400">
-                              <a:solidFill>
-                                <a:prstClr val="black"/>
-                              </a:solidFill>
-                              <a:latin typeface="Cambria Math" panose="02040503050406030204" pitchFamily="18" charset="0"/>
-                            </a:rPr>
-                            <m:t>1−</m:t>
-                          </m:r>
-                          <m:sSub>
-                            <m:sSubPr>
-                              <m:ctrlPr>
-                                <a:rPr lang="zh-CN" altLang="en-US" sz="2400" i="1">
-                                  <a:solidFill>
-                                    <a:prstClr val="black"/>
-                                  </a:solidFill>
-                                  <a:latin typeface="Cambria Math" panose="02040503050406030204" pitchFamily="18" charset="0"/>
-                                </a:rPr>
-                              </m:ctrlPr>
-                            </m:sSubPr>
-                            <m:e>
-                              <m:r>
-                                <a:rPr lang="zh-CN" altLang="en-US" sz="2400" i="1">
-                                  <a:solidFill>
-                                    <a:prstClr val="black"/>
-                                  </a:solidFill>
-                                  <a:latin typeface="Cambria Math" panose="02040503050406030204" pitchFamily="18" charset="0"/>
-                                </a:rPr>
-                                <m:t>𝑓</m:t>
-                              </m:r>
-                            </m:e>
-                            <m:sub>
-                              <m:r>
-                                <a:rPr lang="zh-CN" altLang="en-US" sz="2400" i="1">
-                                  <a:solidFill>
-                                    <a:prstClr val="black"/>
-                                  </a:solidFill>
-                                  <a:latin typeface="Cambria Math" panose="02040503050406030204" pitchFamily="18" charset="0"/>
-                                </a:rPr>
-                                <m:t>h</m:t>
-                              </m:r>
-                            </m:sub>
-                          </m:sSub>
-                          <m:r>
-                            <a:rPr lang="en-US" altLang="zh-CN" sz="2400" i="1">
-                              <a:solidFill>
-                                <a:prstClr val="black"/>
-                              </a:solidFill>
-                              <a:latin typeface="Cambria Math" panose="02040503050406030204" pitchFamily="18" charset="0"/>
-                            </a:rPr>
-                            <m:t>)</m:t>
-                          </m:r>
-                          <m:sSubSup>
-                            <m:sSubSupPr>
-                              <m:ctrlPr>
-                                <a:rPr lang="zh-CN" altLang="en-US" sz="2400" i="1">
-                                  <a:solidFill>
-                                    <a:prstClr val="black"/>
-                                  </a:solidFill>
-                                  <a:latin typeface="Cambria Math" panose="02040503050406030204" pitchFamily="18" charset="0"/>
-                                </a:rPr>
-                              </m:ctrlPr>
-                            </m:sSubSupPr>
-                            <m:e>
-                              <m:r>
-                                <a:rPr lang="zh-CN" altLang="en-US" sz="2400" i="1">
-                                  <a:solidFill>
-                                    <a:prstClr val="black"/>
-                                  </a:solidFill>
-                                  <a:latin typeface="Cambria Math" panose="02040503050406030204" pitchFamily="18" charset="0"/>
-                                </a:rPr>
-                                <m:t>𝑆</m:t>
-                              </m:r>
-                            </m:e>
-                            <m:sub>
-                              <m:r>
-                                <a:rPr lang="zh-CN" altLang="en-US" sz="2400" i="1">
-                                  <a:solidFill>
-                                    <a:prstClr val="black"/>
-                                  </a:solidFill>
-                                  <a:latin typeface="Cambria Math" panose="02040503050406030204" pitchFamily="18" charset="0"/>
-                                </a:rPr>
-                                <m:t>𝑥h</m:t>
-                              </m:r>
-                            </m:sub>
-                            <m:sup>
-                              <m:r>
-                                <a:rPr lang="zh-CN" altLang="en-US" sz="2400">
-                                  <a:solidFill>
-                                    <a:prstClr val="black"/>
-                                  </a:solidFill>
-                                  <a:latin typeface="Cambria Math" panose="02040503050406030204" pitchFamily="18" charset="0"/>
-                                </a:rPr>
-                                <m:t>2</m:t>
-                              </m:r>
-                            </m:sup>
-                          </m:sSubSup>
-                        </m:num>
-                        <m:den>
-                          <m:sSub>
-                            <m:sSubPr>
-                              <m:ctrlPr>
-                                <a:rPr lang="zh-CN" altLang="en-US" sz="2400" i="1">
-                                  <a:solidFill>
-                                    <a:prstClr val="black"/>
-                                  </a:solidFill>
-                                  <a:latin typeface="Cambria Math" panose="02040503050406030204" pitchFamily="18" charset="0"/>
-                                </a:rPr>
-                              </m:ctrlPr>
-                            </m:sSubPr>
-                            <m:e>
-                              <m:r>
-                                <a:rPr lang="zh-CN" altLang="en-US" sz="2400" i="1">
-                                  <a:solidFill>
-                                    <a:prstClr val="black"/>
-                                  </a:solidFill>
-                                  <a:latin typeface="Cambria Math" panose="02040503050406030204" pitchFamily="18" charset="0"/>
-                                </a:rPr>
-                                <m:t>𝑛</m:t>
-                              </m:r>
-                            </m:e>
-                            <m:sub>
-                              <m:r>
-                                <a:rPr lang="zh-CN" altLang="en-US" sz="2400" i="1">
-                                  <a:solidFill>
-                                    <a:prstClr val="black"/>
-                                  </a:solidFill>
-                                  <a:latin typeface="Cambria Math" panose="02040503050406030204" pitchFamily="18" charset="0"/>
-                                </a:rPr>
-                                <m:t>h</m:t>
-                              </m:r>
-                            </m:sub>
-                          </m:sSub>
-                        </m:den>
-                      </m:f>
-                    </m:oMath>
-                  </m:oMathPara>
-                </a14:m>
-                <a:endParaRPr lang="en-US" altLang="zh-CN" dirty="0"/>
-              </a:p>
-              <a:p>
-                <a:endParaRPr lang="en-US" altLang="zh-CN" dirty="0"/>
-              </a:p>
-              <a:p>
-                <a:pPr algn="ctr"/>
-                <a14:m>
-                  <m:oMath xmlns:m="http://schemas.openxmlformats.org/officeDocument/2006/math">
-                    <m:sSub>
-                      <m:sSubPr>
-                        <m:ctrlPr>
-                          <a:rPr lang="en-US" altLang="zh-CN" sz="2400" i="1">
-                            <a:solidFill>
-                              <a:prstClr val="black"/>
-                            </a:solidFill>
-                            <a:latin typeface="Cambria Math" panose="02040503050406030204" pitchFamily="18" charset="0"/>
-                          </a:rPr>
-                        </m:ctrlPr>
-                      </m:sSubPr>
-                      <m:e>
-                        <m:r>
-                          <a:rPr lang="zh-CN" altLang="en-US" sz="2400" i="1">
-                            <a:solidFill>
-                              <a:prstClr val="black"/>
-                            </a:solidFill>
-                            <a:latin typeface="Cambria Math" panose="02040503050406030204" pitchFamily="18" charset="0"/>
-                          </a:rPr>
-                          <m:t>𝑉</m:t>
-                        </m:r>
-                      </m:e>
-                      <m:sub>
-                        <m:r>
-                          <m:rPr>
-                            <m:sty m:val="p"/>
-                          </m:rPr>
-                          <a:rPr lang="en-US" altLang="zh-CN" sz="2400" i="1">
-                            <a:solidFill>
-                              <a:prstClr val="black"/>
-                            </a:solidFill>
-                            <a:latin typeface="Cambria Math" panose="02040503050406030204" pitchFamily="18" charset="0"/>
-                          </a:rPr>
-                          <m:t>min</m:t>
-                        </m:r>
-                      </m:sub>
-                    </m:sSub>
-                    <m:d>
-                      <m:dPr>
-                        <m:ctrlPr>
-                          <a:rPr lang="zh-CN" altLang="en-US" sz="2400" i="1">
-                            <a:solidFill>
-                              <a:prstClr val="black"/>
-                            </a:solidFill>
-                            <a:latin typeface="Cambria Math" panose="02040503050406030204" pitchFamily="18" charset="0"/>
-                          </a:rPr>
-                        </m:ctrlPr>
-                      </m:dPr>
-                      <m:e>
-                        <m:sSub>
-                          <m:sSubPr>
-                            <m:ctrlPr>
-                              <a:rPr lang="zh-CN" altLang="en-US" sz="2400" i="1">
-                                <a:solidFill>
-                                  <a:prstClr val="black"/>
-                                </a:solidFill>
-                                <a:latin typeface="Cambria Math" panose="02040503050406030204" pitchFamily="18" charset="0"/>
-                              </a:rPr>
-                            </m:ctrlPr>
-                          </m:sSubPr>
-                          <m:e>
-                            <m:acc>
-                              <m:accPr>
-                                <m:chr m:val="̅"/>
-                                <m:ctrlPr>
-                                  <a:rPr lang="zh-CN" altLang="en-US" sz="2400" i="1">
-                                    <a:solidFill>
-                                      <a:prstClr val="black"/>
-                                    </a:solidFill>
-                                    <a:latin typeface="Cambria Math" panose="02040503050406030204" pitchFamily="18" charset="0"/>
-                                  </a:rPr>
-                                </m:ctrlPr>
-                              </m:accPr>
-                              <m:e>
-                                <m:r>
-                                  <a:rPr lang="zh-CN" altLang="en-US" sz="2400" i="1">
-                                    <a:solidFill>
-                                      <a:prstClr val="black"/>
-                                    </a:solidFill>
-                                    <a:latin typeface="Cambria Math" panose="02040503050406030204" pitchFamily="18" charset="0"/>
-                                  </a:rPr>
-                                  <m:t>𝑦</m:t>
-                                </m:r>
-                              </m:e>
-                            </m:acc>
-                          </m:e>
-                          <m:sub>
-                            <m:r>
-                              <a:rPr lang="zh-CN" altLang="en-US" sz="2400" i="1">
-                                <a:solidFill>
-                                  <a:prstClr val="black"/>
-                                </a:solidFill>
-                                <a:latin typeface="Cambria Math" panose="02040503050406030204" pitchFamily="18" charset="0"/>
-                              </a:rPr>
-                              <m:t>𝑙𝑟𝑠</m:t>
-                            </m:r>
-                          </m:sub>
-                        </m:sSub>
-                      </m:e>
-                    </m:d>
-                    <m:r>
-                      <a:rPr lang="zh-CN" altLang="en-US" sz="2400" i="1" smtClean="0">
-                        <a:solidFill>
-                          <a:prstClr val="black"/>
-                        </a:solidFill>
-                        <a:latin typeface="Cambria Math" panose="02040503050406030204" pitchFamily="18" charset="0"/>
-                      </a:rPr>
-                      <m:t>≤</m:t>
-                    </m:r>
-                  </m:oMath>
-                </a14:m>
-                <a:r>
-                  <a:rPr lang="en-US" altLang="zh-CN" sz="2400" dirty="0">
-                    <a:solidFill>
-                      <a:prstClr val="black"/>
-                    </a:solidFill>
-                  </a:rPr>
-                  <a:t> </a:t>
-                </a:r>
-                <a14:m>
-                  <m:oMath xmlns:m="http://schemas.openxmlformats.org/officeDocument/2006/math">
-                    <m:sSub>
-                      <m:sSubPr>
-                        <m:ctrlPr>
-                          <a:rPr lang="en-US" altLang="zh-CN" sz="2400" i="1">
-                            <a:solidFill>
-                              <a:prstClr val="black"/>
-                            </a:solidFill>
-                            <a:latin typeface="Cambria Math" panose="02040503050406030204" pitchFamily="18" charset="0"/>
-                          </a:rPr>
-                        </m:ctrlPr>
-                      </m:sSubPr>
-                      <m:e>
-                        <m:r>
-                          <a:rPr lang="zh-CN" altLang="en-US" sz="2400" i="1">
-                            <a:solidFill>
-                              <a:prstClr val="black"/>
-                            </a:solidFill>
-                            <a:latin typeface="Cambria Math" panose="02040503050406030204" pitchFamily="18" charset="0"/>
-                          </a:rPr>
-                          <m:t>𝑉</m:t>
-                        </m:r>
-                      </m:e>
-                      <m:sub>
-                        <m:r>
-                          <m:rPr>
-                            <m:sty m:val="p"/>
-                          </m:rPr>
-                          <a:rPr lang="en-US" altLang="zh-CN" sz="2400" i="1">
-                            <a:solidFill>
-                              <a:prstClr val="black"/>
-                            </a:solidFill>
-                            <a:latin typeface="Cambria Math" panose="02040503050406030204" pitchFamily="18" charset="0"/>
-                          </a:rPr>
-                          <m:t>min</m:t>
-                        </m:r>
-                      </m:sub>
-                    </m:sSub>
-                    <m:d>
-                      <m:dPr>
-                        <m:ctrlPr>
-                          <a:rPr lang="zh-CN" altLang="en-US" sz="2400" i="1">
-                            <a:solidFill>
-                              <a:prstClr val="black"/>
-                            </a:solidFill>
-                            <a:latin typeface="Cambria Math" panose="02040503050406030204" pitchFamily="18" charset="0"/>
-                          </a:rPr>
-                        </m:ctrlPr>
-                      </m:dPr>
-                      <m:e>
-                        <m:sSub>
-                          <m:sSubPr>
-                            <m:ctrlPr>
-                              <a:rPr lang="zh-CN" altLang="en-US" sz="2400" i="1">
-                                <a:solidFill>
-                                  <a:prstClr val="black"/>
-                                </a:solidFill>
-                                <a:latin typeface="Cambria Math" panose="02040503050406030204" pitchFamily="18" charset="0"/>
-                              </a:rPr>
-                            </m:ctrlPr>
-                          </m:sSubPr>
-                          <m:e>
-                            <m:acc>
-                              <m:accPr>
-                                <m:chr m:val="̅"/>
-                                <m:ctrlPr>
-                                  <a:rPr lang="zh-CN" altLang="en-US" sz="2400" i="1">
-                                    <a:solidFill>
-                                      <a:prstClr val="black"/>
-                                    </a:solidFill>
-                                    <a:latin typeface="Cambria Math" panose="02040503050406030204" pitchFamily="18" charset="0"/>
-                                  </a:rPr>
-                                </m:ctrlPr>
-                              </m:accPr>
-                              <m:e>
-                                <m:r>
-                                  <a:rPr lang="zh-CN" altLang="en-US" sz="2400" i="1">
-                                    <a:solidFill>
-                                      <a:prstClr val="black"/>
-                                    </a:solidFill>
-                                    <a:latin typeface="Cambria Math" panose="02040503050406030204" pitchFamily="18" charset="0"/>
-                                  </a:rPr>
-                                  <m:t>𝑦</m:t>
-                                </m:r>
-                              </m:e>
-                            </m:acc>
-                          </m:e>
-                          <m:sub>
-                            <m:r>
-                              <a:rPr lang="zh-CN" altLang="en-US" sz="2400" i="1">
-                                <a:solidFill>
-                                  <a:prstClr val="black"/>
-                                </a:solidFill>
-                                <a:latin typeface="Cambria Math" panose="02040503050406030204" pitchFamily="18" charset="0"/>
-                              </a:rPr>
-                              <m:t>𝑙𝑟𝑐</m:t>
-                            </m:r>
-                          </m:sub>
-                        </m:sSub>
-                      </m:e>
-                    </m:d>
-                  </m:oMath>
-                </a14:m>
-                <a:endParaRPr lang="zh-CN" altLang="en-US" dirty="0"/>
-              </a:p>
-            </p:txBody>
-          </p:sp>
-        </mc:Choice>
-        <mc:Fallback>
-          <p:sp>
-            <p:nvSpPr>
-              <p:cNvPr id="4" name="矩形 3">
-                <a:extLst>
-                  <a:ext uri="{FF2B5EF4-FFF2-40B4-BE49-F238E27FC236}">
-                    <a16:creationId xmlns:a16="http://schemas.microsoft.com/office/drawing/2014/main" id="{B41B3928-8087-42BD-8575-42BC4C286A98}"/>
-                  </a:ext>
-                </a:extLst>
-              </p:cNvPr>
-              <p:cNvSpPr>
-                <a:spLocks noRot="1" noChangeAspect="1" noMove="1" noResize="1" noEditPoints="1" noAdjustHandles="1" noChangeArrowheads="1" noChangeShapeType="1" noTextEdit="1"/>
-              </p:cNvSpPr>
-              <p:nvPr/>
-            </p:nvSpPr>
-            <p:spPr>
-              <a:xfrm>
-                <a:off x="908655" y="1628800"/>
-                <a:ext cx="7182544" cy="3661323"/>
-              </a:xfrm>
-              <a:prstGeom prst="rect">
-                <a:avLst/>
-              </a:prstGeom>
-              <a:blipFill>
-                <a:blip r:embed="rId3"/>
-                <a:stretch>
-                  <a:fillRect b="-832"/>
-                </a:stretch>
-              </a:blipFill>
-            </p:spPr>
-            <p:txBody>
-              <a:bodyPr/>
-              <a:lstStyle/>
-              <a:p>
-                <a:r>
-                  <a:rPr lang="zh-CN" altLang="en-US">
-                    <a:noFill/>
-                  </a:rPr>
-                  <a:t> </a:t>
-                </a:r>
-              </a:p>
-            </p:txBody>
-          </p:sp>
-        </mc:Fallback>
-      </mc:AlternateContent>
-    </p:spTree>
-    <p:extLst>
-      <p:ext uri="{BB962C8B-B14F-4D97-AF65-F5344CB8AC3E}">
-        <p14:creationId xmlns:p14="http://schemas.microsoft.com/office/powerpoint/2010/main" val="3213038053"/>
-      </p:ext>
-    </p:extLst>
-  </p:cSld>
-  <p:clrMapOvr>
-    <a:masterClrMapping/>
-  </p:clrMapOvr>
-  <mc:AlternateContent xmlns:mc="http://schemas.openxmlformats.org/markup-compatibility/2006" xmlns:p14="http://schemas.microsoft.com/office/powerpoint/2010/main">
-    <mc:Choice Requires="p14">
-      <p:transition spd="slow" p14:dur="3400">
-        <p14:reveal/>
-      </p:transition>
-    </mc:Choice>
-    <mc:Fallback xmlns="">
-      <p:transition spd="slow">
-        <p:fade/>
-      </p:transition>
-    </mc:Fallback>
-  </mc:AlternateContent>
 </p:sld>
 </file>
 
@@ -17066,6 +12164,7 @@
                 </a:endParaRPr>
               </a:p>
               <a:p>
+                <a:pPr/>
                 <a14:m>
                   <m:oMathPara xmlns:m="http://schemas.openxmlformats.org/officeDocument/2006/math">
                     <m:oMathParaPr>
@@ -17075,8 +12174,8 @@
                       <m:sSub>
                         <m:sSubPr>
                           <m:ctrlPr>
-                            <a:rPr lang="zh-CN" altLang="en-US" sz="2200" cap="small">
-                              <a:latin typeface="华文楷体" panose="02010600040101010101" pitchFamily="2" charset="-122"/>
+                            <a:rPr lang="zh-CN" altLang="en-US" sz="2200" i="1" cap="small">
+                              <a:latin typeface="Cambria Math" panose="02040503050406030204" pitchFamily="18" charset="0"/>
                               <a:ea typeface="华文楷体" panose="02010600040101010101" pitchFamily="2" charset="-122"/>
                               <a:cs typeface="+mj-cs"/>
                             </a:rPr>
@@ -17087,8 +12186,8 @@
                             <m:accPr>
                               <m:chr m:val="̅"/>
                               <m:ctrlPr>
-                                <a:rPr lang="zh-CN" altLang="en-US" sz="2200" cap="small">
-                                  <a:latin typeface="华文楷体" panose="02010600040101010101" pitchFamily="2" charset="-122"/>
+                                <a:rPr lang="zh-CN" altLang="en-US" sz="2200" i="1" cap="small">
+                                  <a:latin typeface="Cambria Math" panose="02040503050406030204" pitchFamily="18" charset="0"/>
                                   <a:ea typeface="华文楷体" panose="02010600040101010101" pitchFamily="2" charset="-122"/>
                                   <a:cs typeface="+mj-cs"/>
                                 </a:rPr>
@@ -17097,7 +12196,7 @@
                             <m:e>
                               <m:r>
                                 <a:rPr lang="zh-CN" altLang="en-US" sz="2200" cap="small">
-                                  <a:latin typeface="华文楷体" panose="02010600040101010101" pitchFamily="2" charset="-122"/>
+                                  <a:latin typeface="Cambria Math" panose="02040503050406030204" pitchFamily="18" charset="0"/>
                                   <a:ea typeface="华文楷体" panose="02010600040101010101" pitchFamily="2" charset="-122"/>
                                   <a:cs typeface="+mj-cs"/>
                                 </a:rPr>
@@ -17109,7 +12208,7 @@
                         <m:sub>
                           <m:r>
                             <a:rPr lang="zh-CN" altLang="en-US" sz="2200" cap="small">
-                              <a:latin typeface="华文楷体" panose="02010600040101010101" pitchFamily="2" charset="-122"/>
+                              <a:latin typeface="Cambria Math" panose="02040503050406030204" pitchFamily="18" charset="0"/>
                               <a:ea typeface="华文楷体" panose="02010600040101010101" pitchFamily="2" charset="-122"/>
                               <a:cs typeface="+mj-cs"/>
                             </a:rPr>
@@ -17119,7 +12218,7 @@
                       </m:sSub>
                       <m:r>
                         <a:rPr lang="zh-CN" altLang="en-US" sz="2200" cap="small">
-                          <a:latin typeface="华文楷体" panose="02010600040101010101" pitchFamily="2" charset="-122"/>
+                          <a:latin typeface="Cambria Math" panose="02040503050406030204" pitchFamily="18" charset="0"/>
                           <a:ea typeface="华文楷体" panose="02010600040101010101" pitchFamily="2" charset="-122"/>
                           <a:cs typeface="+mj-cs"/>
                         </a:rPr>
@@ -17131,8 +12230,8 @@
                           <m:limLoc m:val="undOvr"/>
                           <m:grow m:val="on"/>
                           <m:ctrlPr>
-                            <a:rPr lang="zh-CN" altLang="en-US" sz="2200" cap="small">
-                              <a:latin typeface="华文楷体" panose="02010600040101010101" pitchFamily="2" charset="-122"/>
+                            <a:rPr lang="zh-CN" altLang="en-US" sz="2200" i="1" cap="small">
+                              <a:latin typeface="Cambria Math" panose="02040503050406030204" pitchFamily="18" charset="0"/>
                               <a:ea typeface="华文楷体" panose="02010600040101010101" pitchFamily="2" charset="-122"/>
                               <a:cs typeface="+mj-cs"/>
                             </a:rPr>
@@ -17141,7 +12240,7 @@
                         <m:sub>
                           <m:r>
                             <a:rPr lang="zh-CN" altLang="en-US" sz="2200" cap="small">
-                              <a:latin typeface="华文楷体" panose="02010600040101010101" pitchFamily="2" charset="-122"/>
+                              <a:latin typeface="Cambria Math" panose="02040503050406030204" pitchFamily="18" charset="0"/>
                               <a:ea typeface="华文楷体" panose="02010600040101010101" pitchFamily="2" charset="-122"/>
                               <a:cs typeface="+mj-cs"/>
                             </a:rPr>
@@ -17149,7 +12248,7 @@
                           </m:r>
                           <m:r>
                             <a:rPr lang="zh-CN" altLang="en-US" sz="2200" cap="small">
-                              <a:latin typeface="华文楷体" panose="02010600040101010101" pitchFamily="2" charset="-122"/>
+                              <a:latin typeface="Cambria Math" panose="02040503050406030204" pitchFamily="18" charset="0"/>
                               <a:ea typeface="华文楷体" panose="02010600040101010101" pitchFamily="2" charset="-122"/>
                               <a:cs typeface="+mj-cs"/>
                             </a:rPr>
@@ -17159,7 +12258,7 @@
                         <m:sup>
                           <m:r>
                             <a:rPr lang="zh-CN" altLang="en-US" sz="2200" cap="small">
-                              <a:latin typeface="华文楷体" panose="02010600040101010101" pitchFamily="2" charset="-122"/>
+                              <a:latin typeface="Cambria Math" panose="02040503050406030204" pitchFamily="18" charset="0"/>
                               <a:ea typeface="华文楷体" panose="02010600040101010101" pitchFamily="2" charset="-122"/>
                               <a:cs typeface="+mj-cs"/>
                             </a:rPr>
@@ -17170,8 +12269,8 @@
                           <m:sSub>
                             <m:sSubPr>
                               <m:ctrlPr>
-                                <a:rPr lang="zh-CN" altLang="en-US" sz="2200" cap="small">
-                                  <a:latin typeface="华文楷体" panose="02010600040101010101" pitchFamily="2" charset="-122"/>
+                                <a:rPr lang="zh-CN" altLang="en-US" sz="2200" i="1" cap="small">
+                                  <a:latin typeface="Cambria Math" panose="02040503050406030204" pitchFamily="18" charset="0"/>
                                   <a:ea typeface="华文楷体" panose="02010600040101010101" pitchFamily="2" charset="-122"/>
                                   <a:cs typeface="+mj-cs"/>
                                 </a:rPr>
@@ -17180,7 +12279,7 @@
                             <m:e>
                               <m:r>
                                 <a:rPr lang="zh-CN" altLang="en-US" sz="2200" cap="small">
-                                  <a:latin typeface="华文楷体" panose="02010600040101010101" pitchFamily="2" charset="-122"/>
+                                  <a:latin typeface="Cambria Math" panose="02040503050406030204" pitchFamily="18" charset="0"/>
                                   <a:ea typeface="华文楷体" panose="02010600040101010101" pitchFamily="2" charset="-122"/>
                                   <a:cs typeface="+mj-cs"/>
                                 </a:rPr>
@@ -17190,7 +12289,7 @@
                             <m:sub>
                               <m:r>
                                 <a:rPr lang="zh-CN" altLang="en-US" sz="2200" cap="small">
-                                  <a:latin typeface="华文楷体" panose="02010600040101010101" pitchFamily="2" charset="-122"/>
+                                  <a:latin typeface="Cambria Math" panose="02040503050406030204" pitchFamily="18" charset="0"/>
                                   <a:ea typeface="华文楷体" panose="02010600040101010101" pitchFamily="2" charset="-122"/>
                                   <a:cs typeface="+mj-cs"/>
                                 </a:rPr>
@@ -17203,8 +12302,8 @@
                       <m:sSub>
                         <m:sSubPr>
                           <m:ctrlPr>
-                            <a:rPr lang="zh-CN" altLang="en-US" sz="2200" cap="small">
-                              <a:latin typeface="华文楷体" panose="02010600040101010101" pitchFamily="2" charset="-122"/>
+                            <a:rPr lang="zh-CN" altLang="en-US" sz="2200" i="1" cap="small">
+                              <a:latin typeface="Cambria Math" panose="02040503050406030204" pitchFamily="18" charset="0"/>
                               <a:ea typeface="华文楷体" panose="02010600040101010101" pitchFamily="2" charset="-122"/>
                               <a:cs typeface="+mj-cs"/>
                             </a:rPr>
@@ -17215,8 +12314,8 @@
                             <m:accPr>
                               <m:chr m:val="̅"/>
                               <m:ctrlPr>
-                                <a:rPr lang="zh-CN" altLang="en-US" sz="2200" cap="small">
-                                  <a:latin typeface="华文楷体" panose="02010600040101010101" pitchFamily="2" charset="-122"/>
+                                <a:rPr lang="zh-CN" altLang="en-US" sz="2200" i="1" cap="small">
+                                  <a:latin typeface="Cambria Math" panose="02040503050406030204" pitchFamily="18" charset="0"/>
                                   <a:ea typeface="华文楷体" panose="02010600040101010101" pitchFamily="2" charset="-122"/>
                                   <a:cs typeface="+mj-cs"/>
                                 </a:rPr>
@@ -17225,7 +12324,7 @@
                             <m:e>
                               <m:r>
                                 <a:rPr lang="zh-CN" altLang="en-US" sz="2200" cap="small">
-                                  <a:latin typeface="华文楷体" panose="02010600040101010101" pitchFamily="2" charset="-122"/>
+                                  <a:latin typeface="Cambria Math" panose="02040503050406030204" pitchFamily="18" charset="0"/>
                                   <a:ea typeface="华文楷体" panose="02010600040101010101" pitchFamily="2" charset="-122"/>
                                   <a:cs typeface="+mj-cs"/>
                                 </a:rPr>
@@ -17237,7 +12336,7 @@
                         <m:sub>
                           <m:r>
                             <a:rPr lang="zh-CN" altLang="en-US" sz="2200" cap="small">
-                              <a:latin typeface="华文楷体" panose="02010600040101010101" pitchFamily="2" charset="-122"/>
+                              <a:latin typeface="Cambria Math" panose="02040503050406030204" pitchFamily="18" charset="0"/>
                               <a:ea typeface="华文楷体" panose="02010600040101010101" pitchFamily="2" charset="-122"/>
                               <a:cs typeface="+mj-cs"/>
                             </a:rPr>
@@ -17247,7 +12346,7 @@
                       </m:sSub>
                       <m:r>
                         <a:rPr lang="zh-CN" altLang="en-US" sz="2200" cap="small">
-                          <a:latin typeface="华文楷体" panose="02010600040101010101" pitchFamily="2" charset="-122"/>
+                          <a:latin typeface="Cambria Math" panose="02040503050406030204" pitchFamily="18" charset="0"/>
                           <a:ea typeface="华文楷体" panose="02010600040101010101" pitchFamily="2" charset="-122"/>
                           <a:cs typeface="+mj-cs"/>
                         </a:rPr>
@@ -17259,8 +12358,8 @@
                           <m:limLoc m:val="undOvr"/>
                           <m:grow m:val="on"/>
                           <m:ctrlPr>
-                            <a:rPr lang="zh-CN" altLang="en-US" sz="2200" cap="small">
-                              <a:latin typeface="华文楷体" panose="02010600040101010101" pitchFamily="2" charset="-122"/>
+                            <a:rPr lang="zh-CN" altLang="en-US" sz="2200" i="1" cap="small">
+                              <a:latin typeface="Cambria Math" panose="02040503050406030204" pitchFamily="18" charset="0"/>
                               <a:ea typeface="华文楷体" panose="02010600040101010101" pitchFamily="2" charset="-122"/>
                               <a:cs typeface="+mj-cs"/>
                             </a:rPr>
@@ -17269,7 +12368,7 @@
                         <m:sub>
                           <m:r>
                             <a:rPr lang="zh-CN" altLang="en-US" sz="2200" cap="small">
-                              <a:latin typeface="华文楷体" panose="02010600040101010101" pitchFamily="2" charset="-122"/>
+                              <a:latin typeface="Cambria Math" panose="02040503050406030204" pitchFamily="18" charset="0"/>
                               <a:ea typeface="华文楷体" panose="02010600040101010101" pitchFamily="2" charset="-122"/>
                               <a:cs typeface="+mj-cs"/>
                             </a:rPr>
@@ -17277,7 +12376,7 @@
                           </m:r>
                           <m:r>
                             <a:rPr lang="zh-CN" altLang="en-US" sz="2200" cap="small">
-                              <a:latin typeface="华文楷体" panose="02010600040101010101" pitchFamily="2" charset="-122"/>
+                              <a:latin typeface="Cambria Math" panose="02040503050406030204" pitchFamily="18" charset="0"/>
                               <a:ea typeface="华文楷体" panose="02010600040101010101" pitchFamily="2" charset="-122"/>
                               <a:cs typeface="+mj-cs"/>
                             </a:rPr>
@@ -17287,7 +12386,7 @@
                         <m:sup>
                           <m:r>
                             <a:rPr lang="zh-CN" altLang="en-US" sz="2200" cap="small">
-                              <a:latin typeface="华文楷体" panose="02010600040101010101" pitchFamily="2" charset="-122"/>
+                              <a:latin typeface="Cambria Math" panose="02040503050406030204" pitchFamily="18" charset="0"/>
                               <a:ea typeface="华文楷体" panose="02010600040101010101" pitchFamily="2" charset="-122"/>
                               <a:cs typeface="+mj-cs"/>
                             </a:rPr>
@@ -17298,8 +12397,8 @@
                           <m:sSub>
                             <m:sSubPr>
                               <m:ctrlPr>
-                                <a:rPr lang="zh-CN" altLang="en-US" sz="2200" cap="small">
-                                  <a:latin typeface="华文楷体" panose="02010600040101010101" pitchFamily="2" charset="-122"/>
+                                <a:rPr lang="zh-CN" altLang="en-US" sz="2200" i="1" cap="small">
+                                  <a:latin typeface="Cambria Math" panose="02040503050406030204" pitchFamily="18" charset="0"/>
                                   <a:ea typeface="华文楷体" panose="02010600040101010101" pitchFamily="2" charset="-122"/>
                                   <a:cs typeface="+mj-cs"/>
                                 </a:rPr>
@@ -17308,7 +12407,7 @@
                             <m:e>
                               <m:r>
                                 <a:rPr lang="zh-CN" altLang="en-US" sz="2200" cap="small">
-                                  <a:latin typeface="华文楷体" panose="02010600040101010101" pitchFamily="2" charset="-122"/>
+                                  <a:latin typeface="Cambria Math" panose="02040503050406030204" pitchFamily="18" charset="0"/>
                                   <a:ea typeface="华文楷体" panose="02010600040101010101" pitchFamily="2" charset="-122"/>
                                   <a:cs typeface="+mj-cs"/>
                                 </a:rPr>
@@ -17318,7 +12417,7 @@
                             <m:sub>
                               <m:r>
                                 <a:rPr lang="zh-CN" altLang="en-US" sz="2200" cap="small">
-                                  <a:latin typeface="华文楷体" panose="02010600040101010101" pitchFamily="2" charset="-122"/>
+                                  <a:latin typeface="Cambria Math" panose="02040503050406030204" pitchFamily="18" charset="0"/>
                                   <a:ea typeface="华文楷体" panose="02010600040101010101" pitchFamily="2" charset="-122"/>
                                   <a:cs typeface="+mj-cs"/>
                                 </a:rPr>
@@ -17333,8 +12432,8 @@
                           <m:begChr m:val="["/>
                           <m:endChr m:val="]"/>
                           <m:ctrlPr>
-                            <a:rPr lang="zh-CN" altLang="en-US" sz="2200" cap="small">
-                              <a:latin typeface="华文楷体" panose="02010600040101010101" pitchFamily="2" charset="-122"/>
+                            <a:rPr lang="zh-CN" altLang="en-US" sz="2200" i="1" cap="small">
+                              <a:latin typeface="Cambria Math" panose="02040503050406030204" pitchFamily="18" charset="0"/>
                               <a:ea typeface="华文楷体" panose="02010600040101010101" pitchFamily="2" charset="-122"/>
                               <a:cs typeface="+mj-cs"/>
                             </a:rPr>
@@ -17344,8 +12443,8 @@
                           <m:sSub>
                             <m:sSubPr>
                               <m:ctrlPr>
-                                <a:rPr lang="zh-CN" altLang="en-US" sz="2200" cap="small">
-                                  <a:latin typeface="华文楷体" panose="02010600040101010101" pitchFamily="2" charset="-122"/>
+                                <a:rPr lang="zh-CN" altLang="en-US" sz="2200" i="1" cap="small">
+                                  <a:latin typeface="Cambria Math" panose="02040503050406030204" pitchFamily="18" charset="0"/>
                                   <a:ea typeface="华文楷体" panose="02010600040101010101" pitchFamily="2" charset="-122"/>
                                   <a:cs typeface="+mj-cs"/>
                                 </a:rPr>
@@ -17356,8 +12455,8 @@
                                 <m:accPr>
                                   <m:chr m:val="̅"/>
                                   <m:ctrlPr>
-                                    <a:rPr lang="zh-CN" altLang="en-US" sz="2200" cap="small">
-                                      <a:latin typeface="华文楷体" panose="02010600040101010101" pitchFamily="2" charset="-122"/>
+                                    <a:rPr lang="zh-CN" altLang="en-US" sz="2200" i="1" cap="small">
+                                      <a:latin typeface="Cambria Math" panose="02040503050406030204" pitchFamily="18" charset="0"/>
                                       <a:ea typeface="华文楷体" panose="02010600040101010101" pitchFamily="2" charset="-122"/>
                                       <a:cs typeface="+mj-cs"/>
                                     </a:rPr>
@@ -17366,7 +12465,7 @@
                                 <m:e>
                                   <m:r>
                                     <a:rPr lang="zh-CN" altLang="en-US" sz="2200" cap="small">
-                                      <a:latin typeface="华文楷体" panose="02010600040101010101" pitchFamily="2" charset="-122"/>
+                                      <a:latin typeface="Cambria Math" panose="02040503050406030204" pitchFamily="18" charset="0"/>
                                       <a:ea typeface="华文楷体" panose="02010600040101010101" pitchFamily="2" charset="-122"/>
                                       <a:cs typeface="+mj-cs"/>
                                     </a:rPr>
@@ -17378,7 +12477,7 @@
                             <m:sub>
                               <m:r>
                                 <a:rPr lang="zh-CN" altLang="en-US" sz="2200" cap="small">
-                                  <a:latin typeface="华文楷体" panose="02010600040101010101" pitchFamily="2" charset="-122"/>
+                                  <a:latin typeface="Cambria Math" panose="02040503050406030204" pitchFamily="18" charset="0"/>
                                   <a:ea typeface="华文楷体" panose="02010600040101010101" pitchFamily="2" charset="-122"/>
                                   <a:cs typeface="+mj-cs"/>
                                 </a:rPr>
@@ -17388,7 +12487,7 @@
                           </m:sSub>
                           <m:r>
                             <a:rPr lang="zh-CN" altLang="en-US" sz="2200" cap="small">
-                              <a:latin typeface="华文楷体" panose="02010600040101010101" pitchFamily="2" charset="-122"/>
+                              <a:latin typeface="Cambria Math" panose="02040503050406030204" pitchFamily="18" charset="0"/>
                               <a:ea typeface="华文楷体" panose="02010600040101010101" pitchFamily="2" charset="-122"/>
                               <a:cs typeface="+mj-cs"/>
                             </a:rPr>
@@ -17397,8 +12496,8 @@
                           <m:sSub>
                             <m:sSubPr>
                               <m:ctrlPr>
-                                <a:rPr lang="zh-CN" altLang="en-US" sz="2200" cap="small">
-                                  <a:latin typeface="华文楷体" panose="02010600040101010101" pitchFamily="2" charset="-122"/>
+                                <a:rPr lang="zh-CN" altLang="en-US" sz="2200" i="1" cap="small">
+                                  <a:latin typeface="Cambria Math" panose="02040503050406030204" pitchFamily="18" charset="0"/>
                                   <a:ea typeface="华文楷体" panose="02010600040101010101" pitchFamily="2" charset="-122"/>
                                   <a:cs typeface="+mj-cs"/>
                                 </a:rPr>
@@ -17407,7 +12506,7 @@
                             <m:e>
                               <m:r>
                                 <a:rPr lang="zh-CN" altLang="en-US" sz="2200" cap="small">
-                                  <a:latin typeface="华文楷体" panose="02010600040101010101" pitchFamily="2" charset="-122"/>
+                                  <a:latin typeface="Cambria Math" panose="02040503050406030204" pitchFamily="18" charset="0"/>
                                   <a:ea typeface="华文楷体" panose="02010600040101010101" pitchFamily="2" charset="-122"/>
                                   <a:cs typeface="+mj-cs"/>
                                 </a:rPr>
@@ -17417,7 +12516,7 @@
                             <m:sub>
                               <m:r>
                                 <a:rPr lang="zh-CN" altLang="en-US" sz="2200" cap="small">
-                                  <a:latin typeface="华文楷体" panose="02010600040101010101" pitchFamily="2" charset="-122"/>
+                                  <a:latin typeface="Cambria Math" panose="02040503050406030204" pitchFamily="18" charset="0"/>
                                   <a:ea typeface="华文楷体" panose="02010600040101010101" pitchFamily="2" charset="-122"/>
                                   <a:cs typeface="+mj-cs"/>
                                 </a:rPr>
@@ -17428,8 +12527,8 @@
                           <m:d>
                             <m:dPr>
                               <m:ctrlPr>
-                                <a:rPr lang="zh-CN" altLang="en-US" sz="2200" cap="small">
-                                  <a:latin typeface="华文楷体" panose="02010600040101010101" pitchFamily="2" charset="-122"/>
+                                <a:rPr lang="zh-CN" altLang="en-US" sz="2200" i="1" cap="small">
+                                  <a:latin typeface="Cambria Math" panose="02040503050406030204" pitchFamily="18" charset="0"/>
                                   <a:ea typeface="华文楷体" panose="02010600040101010101" pitchFamily="2" charset="-122"/>
                                   <a:cs typeface="+mj-cs"/>
                                 </a:rPr>
@@ -17439,8 +12538,8 @@
                               <m:sSub>
                                 <m:sSubPr>
                                   <m:ctrlPr>
-                                    <a:rPr lang="zh-CN" altLang="en-US" sz="2200" cap="small">
-                                      <a:latin typeface="华文楷体" panose="02010600040101010101" pitchFamily="2" charset="-122"/>
+                                    <a:rPr lang="zh-CN" altLang="en-US" sz="2200" i="1" cap="small">
+                                      <a:latin typeface="Cambria Math" panose="02040503050406030204" pitchFamily="18" charset="0"/>
                                       <a:ea typeface="华文楷体" panose="02010600040101010101" pitchFamily="2" charset="-122"/>
                                       <a:cs typeface="+mj-cs"/>
                                     </a:rPr>
@@ -17451,8 +12550,8 @@
                                     <m:accPr>
                                       <m:chr m:val="̅"/>
                                       <m:ctrlPr>
-                                        <a:rPr lang="zh-CN" altLang="en-US" sz="2200" cap="small">
-                                          <a:latin typeface="华文楷体" panose="02010600040101010101" pitchFamily="2" charset="-122"/>
+                                        <a:rPr lang="zh-CN" altLang="en-US" sz="2200" i="1" cap="small">
+                                          <a:latin typeface="Cambria Math" panose="02040503050406030204" pitchFamily="18" charset="0"/>
                                           <a:ea typeface="华文楷体" panose="02010600040101010101" pitchFamily="2" charset="-122"/>
                                           <a:cs typeface="+mj-cs"/>
                                         </a:rPr>
@@ -17461,7 +12560,7 @@
                                     <m:e>
                                       <m:r>
                                         <a:rPr lang="zh-CN" altLang="en-US" sz="2200" cap="small">
-                                          <a:latin typeface="华文楷体" panose="02010600040101010101" pitchFamily="2" charset="-122"/>
+                                          <a:latin typeface="Cambria Math" panose="02040503050406030204" pitchFamily="18" charset="0"/>
                                           <a:ea typeface="华文楷体" panose="02010600040101010101" pitchFamily="2" charset="-122"/>
                                           <a:cs typeface="+mj-cs"/>
                                         </a:rPr>
@@ -17473,7 +12572,7 @@
                                 <m:sub>
                                   <m:r>
                                     <a:rPr lang="zh-CN" altLang="en-US" sz="2200" cap="small">
-                                      <a:latin typeface="华文楷体" panose="02010600040101010101" pitchFamily="2" charset="-122"/>
+                                      <a:latin typeface="Cambria Math" panose="02040503050406030204" pitchFamily="18" charset="0"/>
                                       <a:ea typeface="华文楷体" panose="02010600040101010101" pitchFamily="2" charset="-122"/>
                                       <a:cs typeface="+mj-cs"/>
                                     </a:rPr>
@@ -17483,7 +12582,7 @@
                               </m:sSub>
                               <m:r>
                                 <a:rPr lang="zh-CN" altLang="en-US" sz="2200" cap="small">
-                                  <a:latin typeface="华文楷体" panose="02010600040101010101" pitchFamily="2" charset="-122"/>
+                                  <a:latin typeface="Cambria Math" panose="02040503050406030204" pitchFamily="18" charset="0"/>
                                   <a:ea typeface="华文楷体" panose="02010600040101010101" pitchFamily="2" charset="-122"/>
                                   <a:cs typeface="+mj-cs"/>
                                 </a:rPr>
@@ -17492,8 +12591,8 @@
                               <m:sSub>
                                 <m:sSubPr>
                                   <m:ctrlPr>
-                                    <a:rPr lang="zh-CN" altLang="en-US" sz="2200" cap="small">
-                                      <a:latin typeface="华文楷体" panose="02010600040101010101" pitchFamily="2" charset="-122"/>
+                                    <a:rPr lang="zh-CN" altLang="en-US" sz="2200" i="1" cap="small">
+                                      <a:latin typeface="Cambria Math" panose="02040503050406030204" pitchFamily="18" charset="0"/>
                                       <a:ea typeface="华文楷体" panose="02010600040101010101" pitchFamily="2" charset="-122"/>
                                       <a:cs typeface="+mj-cs"/>
                                     </a:rPr>
@@ -17504,8 +12603,8 @@
                                     <m:accPr>
                                       <m:chr m:val="̅"/>
                                       <m:ctrlPr>
-                                        <a:rPr lang="zh-CN" altLang="en-US" sz="2200" cap="small">
-                                          <a:latin typeface="华文楷体" panose="02010600040101010101" pitchFamily="2" charset="-122"/>
+                                        <a:rPr lang="zh-CN" altLang="en-US" sz="2200" i="1" cap="small">
+                                          <a:latin typeface="Cambria Math" panose="02040503050406030204" pitchFamily="18" charset="0"/>
                                           <a:ea typeface="华文楷体" panose="02010600040101010101" pitchFamily="2" charset="-122"/>
                                           <a:cs typeface="+mj-cs"/>
                                         </a:rPr>
@@ -17514,7 +12613,7 @@
                                     <m:e>
                                       <m:r>
                                         <a:rPr lang="zh-CN" altLang="en-US" sz="2200" cap="small">
-                                          <a:latin typeface="华文楷体" panose="02010600040101010101" pitchFamily="2" charset="-122"/>
+                                          <a:latin typeface="Cambria Math" panose="02040503050406030204" pitchFamily="18" charset="0"/>
                                           <a:ea typeface="华文楷体" panose="02010600040101010101" pitchFamily="2" charset="-122"/>
                                           <a:cs typeface="+mj-cs"/>
                                         </a:rPr>
@@ -17526,7 +12625,7 @@
                                 <m:sub>
                                   <m:r>
                                     <a:rPr lang="zh-CN" altLang="en-US" sz="2200" cap="small">
-                                      <a:latin typeface="华文楷体" panose="02010600040101010101" pitchFamily="2" charset="-122"/>
+                                      <a:latin typeface="Cambria Math" panose="02040503050406030204" pitchFamily="18" charset="0"/>
                                       <a:ea typeface="华文楷体" panose="02010600040101010101" pitchFamily="2" charset="-122"/>
                                       <a:cs typeface="+mj-cs"/>
                                     </a:rPr>
@@ -17789,8 +12888,9 @@
                           </m:ctrlPr>
                         </m:dPr>
                         <m:e>
-                          <m:sSub>
-                            <m:sSubPr>
+                          <m:acc>
+                            <m:accPr>
+                              <m:chr m:val="̅"/>
                               <m:ctrlPr>
                                 <a:rPr lang="zh-CN" altLang="en-US" sz="2200" i="1" cap="small">
                                   <a:solidFill>
@@ -17800,36 +12900,8 @@
                                   <a:ea typeface="华文楷体" panose="02010600040101010101" pitchFamily="2" charset="-122"/>
                                 </a:rPr>
                               </m:ctrlPr>
-                            </m:sSubPr>
+                            </m:accPr>
                             <m:e>
-                              <m:acc>
-                                <m:accPr>
-                                  <m:chr m:val="̅"/>
-                                  <m:ctrlPr>
-                                    <a:rPr lang="zh-CN" altLang="en-US" sz="2200" i="1" cap="small">
-                                      <a:solidFill>
-                                        <a:prstClr val="black"/>
-                                      </a:solidFill>
-                                      <a:latin typeface="Cambria Math" panose="02040503050406030204" pitchFamily="18" charset="0"/>
-                                      <a:ea typeface="华文楷体" panose="02010600040101010101" pitchFamily="2" charset="-122"/>
-                                    </a:rPr>
-                                  </m:ctrlPr>
-                                </m:accPr>
-                                <m:e>
-                                  <m:r>
-                                    <a:rPr lang="zh-CN" altLang="en-US" sz="2200" cap="small">
-                                      <a:solidFill>
-                                        <a:prstClr val="black"/>
-                                      </a:solidFill>
-                                      <a:latin typeface="Cambria Math" panose="02040503050406030204" pitchFamily="18" charset="0"/>
-                                      <a:ea typeface="华文楷体" panose="02010600040101010101" pitchFamily="2" charset="-122"/>
-                                    </a:rPr>
-                                    <m:t>𝑋</m:t>
-                                  </m:r>
-                                </m:e>
-                              </m:acc>
-                            </m:e>
-                            <m:sub>
                               <m:r>
                                 <a:rPr lang="zh-CN" altLang="en-US" sz="2200" cap="small">
                                   <a:solidFill>
@@ -17838,10 +12910,10 @@
                                   <a:latin typeface="Cambria Math" panose="02040503050406030204" pitchFamily="18" charset="0"/>
                                   <a:ea typeface="华文楷体" panose="02010600040101010101" pitchFamily="2" charset="-122"/>
                                 </a:rPr>
-                                <m:t>h</m:t>
+                                <m:t>𝑋</m:t>
                               </m:r>
-                            </m:sub>
-                          </m:sSub>
+                            </m:e>
+                          </m:acc>
                           <m:r>
                             <a:rPr lang="zh-CN" altLang="en-US" sz="2200" cap="small">
                               <a:solidFill>
@@ -18092,8 +13164,9 @@
                           </m:ctrlPr>
                         </m:dPr>
                         <m:e>
-                          <m:sSub>
-                            <m:sSubPr>
+                          <m:acc>
+                            <m:accPr>
+                              <m:chr m:val="̅"/>
                               <m:ctrlPr>
                                 <a:rPr lang="zh-CN" altLang="en-US" sz="2200" i="1" cap="small">
                                   <a:solidFill>
@@ -18103,36 +13176,8 @@
                                   <a:ea typeface="华文楷体" panose="02010600040101010101" pitchFamily="2" charset="-122"/>
                                 </a:rPr>
                               </m:ctrlPr>
-                            </m:sSubPr>
+                            </m:accPr>
                             <m:e>
-                              <m:acc>
-                                <m:accPr>
-                                  <m:chr m:val="̅"/>
-                                  <m:ctrlPr>
-                                    <a:rPr lang="zh-CN" altLang="en-US" sz="2200" i="1" cap="small">
-                                      <a:solidFill>
-                                        <a:prstClr val="black"/>
-                                      </a:solidFill>
-                                      <a:latin typeface="Cambria Math" panose="02040503050406030204" pitchFamily="18" charset="0"/>
-                                      <a:ea typeface="华文楷体" panose="02010600040101010101" pitchFamily="2" charset="-122"/>
-                                    </a:rPr>
-                                  </m:ctrlPr>
-                                </m:accPr>
-                                <m:e>
-                                  <m:r>
-                                    <a:rPr lang="zh-CN" altLang="en-US" sz="2200" cap="small">
-                                      <a:solidFill>
-                                        <a:prstClr val="black"/>
-                                      </a:solidFill>
-                                      <a:latin typeface="Cambria Math" panose="02040503050406030204" pitchFamily="18" charset="0"/>
-                                      <a:ea typeface="华文楷体" panose="02010600040101010101" pitchFamily="2" charset="-122"/>
-                                    </a:rPr>
-                                    <m:t>𝑋</m:t>
-                                  </m:r>
-                                </m:e>
-                              </m:acc>
-                            </m:e>
-                            <m:sub>
                               <m:r>
                                 <a:rPr lang="zh-CN" altLang="en-US" sz="2200" cap="small">
                                   <a:solidFill>
@@ -18141,10 +13186,10 @@
                                   <a:latin typeface="Cambria Math" panose="02040503050406030204" pitchFamily="18" charset="0"/>
                                   <a:ea typeface="华文楷体" panose="02010600040101010101" pitchFamily="2" charset="-122"/>
                                 </a:rPr>
-                                <m:t>h</m:t>
+                                <m:t>𝑋</m:t>
                               </m:r>
-                            </m:sub>
-                          </m:sSub>
+                            </m:e>
+                          </m:acc>
                           <m:r>
                             <a:rPr lang="zh-CN" altLang="en-US" sz="2200" cap="small">
                               <a:solidFill>
@@ -18562,8 +13607,8 @@
           </a:p>
         </p:txBody>
       </p:sp>
-      <mc:AlternateContent xmlns:mc="http://schemas.openxmlformats.org/markup-compatibility/2006">
-        <mc:Choice xmlns:a14="http://schemas.microsoft.com/office/drawing/2010/main" Requires="a14">
+      <mc:AlternateContent xmlns:mc="http://schemas.openxmlformats.org/markup-compatibility/2006" xmlns:a14="http://schemas.microsoft.com/office/drawing/2010/main">
+        <mc:Choice Requires="a14">
           <p:sp>
             <p:nvSpPr>
               <p:cNvPr id="4" name="矩形 3">
@@ -18597,7 +13642,7 @@
                       <m:sSubPr>
                         <m:ctrlPr>
                           <a:rPr lang="zh-CN" altLang="en-US" sz="2400" i="1" smtClean="0">
-                            <a:latin typeface="+mj-ea"/>
+                            <a:latin typeface="Cambria Math" panose="02040503050406030204" pitchFamily="18" charset="0"/>
                             <a:ea typeface="+mj-ea"/>
                           </a:rPr>
                         </m:ctrlPr>
@@ -18605,7 +13650,7 @@
                       <m:e>
                         <m:r>
                           <a:rPr lang="zh-CN" altLang="en-US" sz="2400" i="1">
-                            <a:latin typeface="+mj-ea"/>
+                            <a:latin typeface="Cambria Math" panose="02040503050406030204" pitchFamily="18" charset="0"/>
                             <a:ea typeface="+mj-ea"/>
                           </a:rPr>
                           <m:t>𝛽</m:t>
@@ -18614,7 +13659,7 @@
                       <m:sub>
                         <m:r>
                           <a:rPr lang="zh-CN" altLang="en-US" sz="2400" i="1">
-                            <a:latin typeface="+mj-ea"/>
+                            <a:latin typeface="Cambria Math" panose="02040503050406030204" pitchFamily="18" charset="0"/>
                             <a:ea typeface="+mj-ea"/>
                           </a:rPr>
                           <m:t>h</m:t>
@@ -18623,35 +13668,35 @@
                     </m:sSub>
                     <m:r>
                       <a:rPr lang="en-US" altLang="zh-CN" sz="2400" b="0" i="1" smtClean="0">
-                        <a:latin typeface="+mj-ea"/>
+                        <a:latin typeface="Cambria Math" panose="02040503050406030204" pitchFamily="18" charset="0"/>
                         <a:ea typeface="+mj-ea"/>
                       </a:rPr>
                       <m:t> (</m:t>
                     </m:r>
                     <m:r>
                       <a:rPr lang="zh-CN" altLang="en-US" sz="2400" i="1">
-                        <a:latin typeface="+mj-ea"/>
+                        <a:latin typeface="Cambria Math" panose="02040503050406030204" pitchFamily="18" charset="0"/>
                         <a:ea typeface="+mj-ea"/>
                       </a:rPr>
                       <m:t>或</m:t>
                     </m:r>
                     <m:r>
                       <a:rPr lang="en-US" altLang="zh-CN" sz="2400" b="0" i="1" smtClean="0">
-                        <a:latin typeface="+mj-ea"/>
+                        <a:latin typeface="Cambria Math" panose="02040503050406030204" pitchFamily="18" charset="0"/>
                         <a:ea typeface="+mj-ea"/>
                       </a:rPr>
                       <m:t> </m:t>
                     </m:r>
                     <m:r>
                       <a:rPr lang="zh-CN" altLang="en-US" sz="2400" i="1">
-                        <a:latin typeface="+mj-ea"/>
+                        <a:latin typeface="Cambria Math" panose="02040503050406030204" pitchFamily="18" charset="0"/>
                         <a:ea typeface="+mj-ea"/>
                       </a:rPr>
                       <m:t>𝛽</m:t>
                     </m:r>
                     <m:r>
                       <a:rPr lang="en-US" altLang="zh-CN" sz="2400" b="0" i="1" smtClean="0">
-                        <a:latin typeface="+mj-ea"/>
+                        <a:latin typeface="Cambria Math" panose="02040503050406030204" pitchFamily="18" charset="0"/>
                         <a:ea typeface="+mj-ea"/>
                       </a:rPr>
                       <m:t>)</m:t>
@@ -18676,6 +13721,7 @@
                 </a:endParaRPr>
               </a:p>
               <a:p>
+                <a:pPr/>
                 <a14:m>
                   <m:oMathPara xmlns:m="http://schemas.openxmlformats.org/officeDocument/2006/math">
                     <m:oMathParaPr>
@@ -18766,6 +13812,7 @@
                 <a:endParaRPr lang="en-US" altLang="zh-CN" sz="2400" dirty="0"/>
               </a:p>
               <a:p>
+                <a:pPr/>
                 <a14:m>
                   <m:oMathPara xmlns:m="http://schemas.openxmlformats.org/officeDocument/2006/math">
                     <m:oMathParaPr>
@@ -19151,6 +14198,7 @@
                 <a:endParaRPr lang="en-US" altLang="zh-CN" sz="2400" dirty="0"/>
               </a:p>
               <a:p>
+                <a:pPr/>
                 <a14:m>
                   <m:oMathPara xmlns:m="http://schemas.openxmlformats.org/officeDocument/2006/math">
                     <m:oMathParaPr>
@@ -19241,6 +14289,7 @@
                 <a:endParaRPr lang="en-US" altLang="zh-CN" sz="2400" dirty="0"/>
               </a:p>
               <a:p>
+                <a:pPr/>
                 <a14:m>
                   <m:oMathPara xmlns:m="http://schemas.openxmlformats.org/officeDocument/2006/math">
                     <m:oMathParaPr>
@@ -19601,7 +14650,7 @@
             </p:txBody>
           </p:sp>
         </mc:Choice>
-        <mc:Fallback>
+        <mc:Fallback xmlns="">
           <p:sp>
             <p:nvSpPr>
               <p:cNvPr id="4" name="矩形 3">
@@ -20092,8 +15141,8 @@
           </a:p>
         </p:txBody>
       </p:sp>
-      <mc:AlternateContent xmlns:mc="http://schemas.openxmlformats.org/markup-compatibility/2006">
-        <mc:Choice xmlns:a14="http://schemas.microsoft.com/office/drawing/2010/main" Requires="a14">
+      <mc:AlternateContent xmlns:mc="http://schemas.openxmlformats.org/markup-compatibility/2006" xmlns:a14="http://schemas.microsoft.com/office/drawing/2010/main">
+        <mc:Choice Requires="a14">
           <p:sp>
             <p:nvSpPr>
               <p:cNvPr id="4" name="矩形 3">
@@ -20127,7 +15176,7 @@
                       <m:sSubPr>
                         <m:ctrlPr>
                           <a:rPr lang="zh-CN" altLang="en-US" sz="2400" i="1" smtClean="0">
-                            <a:latin typeface="+mj-ea"/>
+                            <a:latin typeface="Cambria Math" panose="02040503050406030204" pitchFamily="18" charset="0"/>
                             <a:ea typeface="+mj-ea"/>
                           </a:rPr>
                         </m:ctrlPr>
@@ -20135,7 +15184,7 @@
                       <m:e>
                         <m:r>
                           <a:rPr lang="zh-CN" altLang="en-US" sz="2400" i="1">
-                            <a:latin typeface="+mj-ea"/>
+                            <a:latin typeface="Cambria Math" panose="02040503050406030204" pitchFamily="18" charset="0"/>
                             <a:ea typeface="+mj-ea"/>
                           </a:rPr>
                           <m:t>𝛽</m:t>
@@ -20144,7 +15193,7 @@
                       <m:sub>
                         <m:r>
                           <a:rPr lang="zh-CN" altLang="en-US" sz="2400" i="1">
-                            <a:latin typeface="+mj-ea"/>
+                            <a:latin typeface="Cambria Math" panose="02040503050406030204" pitchFamily="18" charset="0"/>
                             <a:ea typeface="+mj-ea"/>
                           </a:rPr>
                           <m:t>h</m:t>
@@ -20153,35 +15202,35 @@
                     </m:sSub>
                     <m:r>
                       <a:rPr lang="en-US" altLang="zh-CN" sz="2400" b="0" i="1" smtClean="0">
-                        <a:latin typeface="+mj-ea"/>
+                        <a:latin typeface="Cambria Math" panose="02040503050406030204" pitchFamily="18" charset="0"/>
                         <a:ea typeface="+mj-ea"/>
                       </a:rPr>
                       <m:t> (</m:t>
                     </m:r>
                     <m:r>
                       <a:rPr lang="zh-CN" altLang="en-US" sz="2400" i="1">
-                        <a:latin typeface="+mj-ea"/>
+                        <a:latin typeface="Cambria Math" panose="02040503050406030204" pitchFamily="18" charset="0"/>
                         <a:ea typeface="+mj-ea"/>
                       </a:rPr>
                       <m:t>或</m:t>
                     </m:r>
                     <m:r>
                       <a:rPr lang="en-US" altLang="zh-CN" sz="2400" b="0" i="1" smtClean="0">
-                        <a:latin typeface="+mj-ea"/>
+                        <a:latin typeface="Cambria Math" panose="02040503050406030204" pitchFamily="18" charset="0"/>
                         <a:ea typeface="+mj-ea"/>
                       </a:rPr>
                       <m:t> </m:t>
                     </m:r>
                     <m:r>
                       <a:rPr lang="zh-CN" altLang="en-US" sz="2400" i="1">
-                        <a:latin typeface="+mj-ea"/>
+                        <a:latin typeface="Cambria Math" panose="02040503050406030204" pitchFamily="18" charset="0"/>
                         <a:ea typeface="+mj-ea"/>
                       </a:rPr>
                       <m:t>𝛽</m:t>
                     </m:r>
                     <m:r>
                       <a:rPr lang="en-US" altLang="zh-CN" sz="2400" b="0" i="1" smtClean="0">
-                        <a:latin typeface="+mj-ea"/>
+                        <a:latin typeface="Cambria Math" panose="02040503050406030204" pitchFamily="18" charset="0"/>
                         <a:ea typeface="+mj-ea"/>
                       </a:rPr>
                       <m:t>)</m:t>
@@ -20201,7 +15250,7 @@
                       <m:sSubPr>
                         <m:ctrlPr>
                           <a:rPr lang="zh-CN" altLang="en-US" sz="2400" i="1">
-                            <a:latin typeface="+mj-ea"/>
+                            <a:latin typeface="Cambria Math" panose="02040503050406030204" pitchFamily="18" charset="0"/>
                             <a:ea typeface="+mj-ea"/>
                           </a:rPr>
                         </m:ctrlPr>
@@ -20209,7 +15258,7 @@
                       <m:e>
                         <m:r>
                           <a:rPr lang="zh-CN" altLang="en-US" sz="2400" i="1">
-                            <a:latin typeface="+mj-ea"/>
+                            <a:latin typeface="Cambria Math" panose="02040503050406030204" pitchFamily="18" charset="0"/>
                             <a:ea typeface="+mj-ea"/>
                           </a:rPr>
                           <m:t>𝑛</m:t>
@@ -20218,7 +15267,7 @@
                       <m:sub>
                         <m:r>
                           <a:rPr lang="zh-CN" altLang="en-US" sz="2400" i="1">
-                            <a:latin typeface="+mj-ea"/>
+                            <a:latin typeface="Cambria Math" panose="02040503050406030204" pitchFamily="18" charset="0"/>
                             <a:ea typeface="+mj-ea"/>
                           </a:rPr>
                           <m:t>h</m:t>
@@ -20227,49 +15276,49 @@
                     </m:sSub>
                     <m:r>
                       <a:rPr lang="zh-CN" altLang="en-US" sz="2400" i="1">
-                        <a:latin typeface="+mj-ea"/>
+                        <a:latin typeface="Cambria Math" panose="02040503050406030204" pitchFamily="18" charset="0"/>
                         <a:ea typeface="+mj-ea"/>
                       </a:rPr>
                       <m:t> </m:t>
                     </m:r>
                     <m:r>
                       <a:rPr lang="en-US" altLang="zh-CN" sz="2400" b="0" i="1" smtClean="0">
-                        <a:latin typeface="+mj-ea"/>
+                        <a:latin typeface="Cambria Math" panose="02040503050406030204" pitchFamily="18" charset="0"/>
                         <a:ea typeface="+mj-ea"/>
                       </a:rPr>
                       <m:t>(</m:t>
                     </m:r>
                     <m:r>
                       <a:rPr lang="zh-CN" altLang="en-US" sz="2400" i="1">
-                        <a:latin typeface="+mj-ea"/>
+                        <a:latin typeface="Cambria Math" panose="02040503050406030204" pitchFamily="18" charset="0"/>
                         <a:ea typeface="+mj-ea"/>
                       </a:rPr>
                       <m:t>或</m:t>
                     </m:r>
                     <m:r>
                       <a:rPr lang="zh-CN" altLang="en-US" sz="2400" i="1" smtClean="0">
-                        <a:latin typeface="+mj-ea"/>
+                        <a:latin typeface="Cambria Math" panose="02040503050406030204" pitchFamily="18" charset="0"/>
                         <a:ea typeface="+mj-ea"/>
                       </a:rPr>
                       <m:t>样本量</m:t>
                     </m:r>
                     <m:r>
                       <a:rPr lang="en-US" altLang="zh-CN" sz="2400" b="0" i="1" smtClean="0">
-                        <a:latin typeface="+mj-ea"/>
+                        <a:latin typeface="Cambria Math" panose="02040503050406030204" pitchFamily="18" charset="0"/>
                         <a:ea typeface="+mj-ea"/>
                       </a:rPr>
                       <m:t> </m:t>
                     </m:r>
                     <m:r>
                       <a:rPr lang="en-US" altLang="zh-CN" sz="2400" b="0" i="1" smtClean="0">
-                        <a:latin typeface="+mj-ea"/>
+                        <a:latin typeface="Cambria Math" panose="02040503050406030204" pitchFamily="18" charset="0"/>
                         <a:ea typeface="+mj-ea"/>
                       </a:rPr>
                       <m:t>𝑛</m:t>
                     </m:r>
                     <m:r>
                       <a:rPr lang="en-US" altLang="zh-CN" sz="2400" b="0" i="1" smtClean="0">
-                        <a:latin typeface="+mj-ea"/>
+                        <a:latin typeface="Cambria Math" panose="02040503050406030204" pitchFamily="18" charset="0"/>
                         <a:ea typeface="+mj-ea"/>
                       </a:rPr>
                       <m:t>)</m:t>
@@ -20299,6 +15348,7 @@
                 </a:endParaRPr>
               </a:p>
               <a:p>
+                <a:pPr/>
                 <a14:m>
                   <m:oMathPara xmlns:m="http://schemas.openxmlformats.org/officeDocument/2006/math">
                     <m:oMathParaPr>
@@ -20497,6 +15547,7 @@
                 <a:endParaRPr lang="zh-CN" altLang="en-US" sz="2400" dirty="0"/>
               </a:p>
               <a:p>
+                <a:pPr/>
                 <a14:m>
                   <m:oMathPara xmlns:m="http://schemas.openxmlformats.org/officeDocument/2006/math">
                     <m:oMathParaPr>
@@ -20882,6 +15933,7 @@
                 <a:endParaRPr lang="en-US" altLang="zh-CN" sz="2400" dirty="0"/>
               </a:p>
               <a:p>
+                <a:pPr/>
                 <a14:m>
                   <m:oMathPara xmlns:m="http://schemas.openxmlformats.org/officeDocument/2006/math">
                     <m:oMathParaPr>
@@ -21359,6 +16411,7 @@
                 <a:endParaRPr lang="en-US" altLang="zh-CN" sz="2400" dirty="0"/>
               </a:p>
               <a:p>
+                <a:pPr/>
                 <a14:m>
                   <m:oMathPara xmlns:m="http://schemas.openxmlformats.org/officeDocument/2006/math">
                     <m:oMathParaPr>
@@ -21743,7 +16796,7 @@
             </p:txBody>
           </p:sp>
         </mc:Choice>
-        <mc:Fallback>
+        <mc:Fallback xmlns="">
           <p:sp>
             <p:nvSpPr>
               <p:cNvPr id="4" name="矩形 3">
@@ -22234,8 +17287,8 @@
           </a:p>
         </p:txBody>
       </p:sp>
-      <mc:AlternateContent xmlns:mc="http://schemas.openxmlformats.org/markup-compatibility/2006">
-        <mc:Choice xmlns:a14="http://schemas.microsoft.com/office/drawing/2010/main" Requires="a14">
+      <mc:AlternateContent xmlns:mc="http://schemas.openxmlformats.org/markup-compatibility/2006" xmlns:a14="http://schemas.microsoft.com/office/drawing/2010/main">
+        <mc:Choice Requires="a14">
           <p:sp>
             <p:nvSpPr>
               <p:cNvPr id="4" name="矩形 3">
@@ -22267,14 +17320,14 @@
                   <m:oMath xmlns:m="http://schemas.openxmlformats.org/officeDocument/2006/math">
                     <m:r>
                       <a:rPr lang="zh-CN" altLang="en-US" sz="2800" i="1" smtClean="0">
-                        <a:latin typeface="+mj-ea"/>
+                        <a:latin typeface="Cambria Math" panose="02040503050406030204" pitchFamily="18" charset="0"/>
                         <a:ea typeface="+mj-ea"/>
                       </a:rPr>
                       <m:t>令</m:t>
                     </m:r>
                     <m:r>
                       <a:rPr lang="en-US" altLang="zh-CN" sz="2800" b="0" i="1" smtClean="0">
-                        <a:latin typeface="+mj-ea"/>
+                        <a:latin typeface="Cambria Math" panose="02040503050406030204" pitchFamily="18" charset="0"/>
                         <a:ea typeface="+mj-ea"/>
                       </a:rPr>
                       <m:t> </m:t>
@@ -22283,7 +17336,7 @@
                       <m:sSubPr>
                         <m:ctrlPr>
                           <a:rPr lang="zh-CN" altLang="en-US" sz="2800" i="1" smtClean="0">
-                            <a:latin typeface="+mj-ea"/>
+                            <a:latin typeface="Cambria Math" panose="02040503050406030204" pitchFamily="18" charset="0"/>
                             <a:ea typeface="+mj-ea"/>
                           </a:rPr>
                         </m:ctrlPr>
@@ -22291,7 +17344,7 @@
                       <m:e>
                         <m:r>
                           <a:rPr lang="zh-CN" altLang="en-US" sz="2800" i="1">
-                            <a:latin typeface="+mj-ea"/>
+                            <a:latin typeface="Cambria Math" panose="02040503050406030204" pitchFamily="18" charset="0"/>
                             <a:ea typeface="+mj-ea"/>
                           </a:rPr>
                           <m:t>𝛽</m:t>
@@ -22300,7 +17353,7 @@
                       <m:sub>
                         <m:r>
                           <a:rPr lang="zh-CN" altLang="en-US" sz="2800" i="1">
-                            <a:latin typeface="+mj-ea"/>
+                            <a:latin typeface="Cambria Math" panose="02040503050406030204" pitchFamily="18" charset="0"/>
                             <a:ea typeface="+mj-ea"/>
                           </a:rPr>
                           <m:t>h</m:t>
@@ -22309,7 +17362,7 @@
                     </m:sSub>
                     <m:r>
                       <a:rPr lang="en-US" altLang="zh-CN" sz="2800" i="1">
-                        <a:latin typeface="+mj-ea"/>
+                        <a:latin typeface="Cambria Math" panose="02040503050406030204" pitchFamily="18" charset="0"/>
                         <a:ea typeface="+mj-ea"/>
                       </a:rPr>
                       <m:t>=</m:t>
@@ -22318,7 +17371,7 @@
                       <m:sSubPr>
                         <m:ctrlPr>
                           <a:rPr lang="zh-CN" altLang="en-US" sz="2800" i="1">
-                            <a:latin typeface="+mj-ea"/>
+                            <a:latin typeface="Cambria Math" panose="02040503050406030204" pitchFamily="18" charset="0"/>
                             <a:ea typeface="+mj-ea"/>
                           </a:rPr>
                         </m:ctrlPr>
@@ -22329,7 +17382,7 @@
                             <m:chr m:val="̅"/>
                             <m:ctrlPr>
                               <a:rPr lang="zh-CN" altLang="en-US" sz="2800" i="1">
-                                <a:latin typeface="+mj-ea"/>
+                                <a:latin typeface="Cambria Math" panose="02040503050406030204" pitchFamily="18" charset="0"/>
                                 <a:ea typeface="+mj-ea"/>
                               </a:rPr>
                             </m:ctrlPr>
@@ -22337,7 +17390,7 @@
                           <m:e>
                             <m:r>
                               <a:rPr lang="zh-CN" altLang="en-US" sz="2800" i="1">
-                                <a:latin typeface="+mj-ea"/>
+                                <a:latin typeface="Cambria Math" panose="02040503050406030204" pitchFamily="18" charset="0"/>
                                 <a:ea typeface="+mj-ea"/>
                               </a:rPr>
                               <m:t>𝑦</m:t>
@@ -22348,7 +17401,7 @@
                       <m:sub>
                         <m:r>
                           <a:rPr lang="en-US" altLang="zh-CN" sz="2800" b="0" i="1" smtClean="0">
-                            <a:latin typeface="+mj-ea"/>
+                            <a:latin typeface="Cambria Math" panose="02040503050406030204" pitchFamily="18" charset="0"/>
                             <a:ea typeface="+mj-ea"/>
                           </a:rPr>
                           <m:t>h</m:t>
@@ -22357,7 +17410,7 @@
                     </m:sSub>
                     <m:r>
                       <a:rPr lang="en-US" altLang="zh-CN" sz="2800" b="0" i="1" smtClean="0">
-                        <a:latin typeface="+mj-ea"/>
+                        <a:latin typeface="Cambria Math" panose="02040503050406030204" pitchFamily="18" charset="0"/>
                         <a:ea typeface="+mj-ea"/>
                       </a:rPr>
                       <m:t>/</m:t>
@@ -22366,7 +17419,7 @@
                       <m:sSubPr>
                         <m:ctrlPr>
                           <a:rPr lang="zh-CN" altLang="en-US" sz="2800" i="1">
-                            <a:latin typeface="+mj-ea"/>
+                            <a:latin typeface="Cambria Math" panose="02040503050406030204" pitchFamily="18" charset="0"/>
                             <a:ea typeface="+mj-ea"/>
                           </a:rPr>
                         </m:ctrlPr>
@@ -22377,7 +17430,7 @@
                             <m:chr m:val="̅"/>
                             <m:ctrlPr>
                               <a:rPr lang="zh-CN" altLang="en-US" sz="2800" i="1">
-                                <a:latin typeface="+mj-ea"/>
+                                <a:latin typeface="Cambria Math" panose="02040503050406030204" pitchFamily="18" charset="0"/>
                                 <a:ea typeface="+mj-ea"/>
                               </a:rPr>
                             </m:ctrlPr>
@@ -22385,7 +17438,7 @@
                           <m:e>
                             <m:r>
                               <a:rPr lang="en-US" altLang="zh-CN" sz="2800" b="0" i="1" smtClean="0">
-                                <a:latin typeface="+mj-ea"/>
+                                <a:latin typeface="Cambria Math" panose="02040503050406030204" pitchFamily="18" charset="0"/>
                                 <a:ea typeface="+mj-ea"/>
                               </a:rPr>
                               <m:t>𝑥</m:t>
@@ -22396,7 +17449,7 @@
                       <m:sub>
                         <m:r>
                           <a:rPr lang="en-US" altLang="zh-CN" sz="2800" i="1">
-                            <a:latin typeface="+mj-ea"/>
+                            <a:latin typeface="Cambria Math" panose="02040503050406030204" pitchFamily="18" charset="0"/>
                             <a:ea typeface="+mj-ea"/>
                           </a:rPr>
                           <m:t>h</m:t>
@@ -22416,35 +17469,35 @@
                   <m:oMath xmlns:m="http://schemas.openxmlformats.org/officeDocument/2006/math">
                     <m:r>
                       <a:rPr lang="en-US" altLang="zh-CN" sz="2800" i="1">
-                        <a:latin typeface="+mj-ea"/>
+                        <a:latin typeface="Cambria Math" panose="02040503050406030204" pitchFamily="18" charset="0"/>
                         <a:ea typeface="+mj-ea"/>
                       </a:rPr>
                       <m:t>(</m:t>
                     </m:r>
                     <m:r>
                       <a:rPr lang="zh-CN" altLang="en-US" sz="2800" i="1">
-                        <a:latin typeface="+mj-ea"/>
+                        <a:latin typeface="Cambria Math" panose="02040503050406030204" pitchFamily="18" charset="0"/>
                         <a:ea typeface="+mj-ea"/>
                       </a:rPr>
                       <m:t>或</m:t>
                     </m:r>
                     <m:r>
                       <a:rPr lang="en-US" altLang="zh-CN" sz="2800" i="1">
-                        <a:latin typeface="+mj-ea"/>
+                        <a:latin typeface="Cambria Math" panose="02040503050406030204" pitchFamily="18" charset="0"/>
                         <a:ea typeface="+mj-ea"/>
                       </a:rPr>
                       <m:t> </m:t>
                     </m:r>
                     <m:r>
                       <a:rPr lang="zh-CN" altLang="en-US" sz="2800" i="1">
-                        <a:latin typeface="+mj-ea"/>
+                        <a:latin typeface="Cambria Math" panose="02040503050406030204" pitchFamily="18" charset="0"/>
                         <a:ea typeface="+mj-ea"/>
                       </a:rPr>
                       <m:t>𝛽</m:t>
                     </m:r>
                     <m:r>
                       <a:rPr lang="en-US" altLang="zh-CN" sz="2800" i="1">
-                        <a:latin typeface="+mj-ea"/>
+                        <a:latin typeface="Cambria Math" panose="02040503050406030204" pitchFamily="18" charset="0"/>
                         <a:ea typeface="+mj-ea"/>
                       </a:rPr>
                       <m:t>=</m:t>
@@ -22454,7 +17507,7 @@
                         <m:chr m:val="̅"/>
                         <m:ctrlPr>
                           <a:rPr lang="zh-CN" altLang="en-US" sz="2800" i="1">
-                            <a:latin typeface="+mj-ea"/>
+                            <a:latin typeface="Cambria Math" panose="02040503050406030204" pitchFamily="18" charset="0"/>
                             <a:ea typeface="+mj-ea"/>
                           </a:rPr>
                         </m:ctrlPr>
@@ -22462,7 +17515,7 @@
                       <m:e>
                         <m:r>
                           <a:rPr lang="zh-CN" altLang="en-US" sz="2800" i="1">
-                            <a:latin typeface="+mj-ea"/>
+                            <a:latin typeface="Cambria Math" panose="02040503050406030204" pitchFamily="18" charset="0"/>
                             <a:ea typeface="+mj-ea"/>
                           </a:rPr>
                           <m:t>𝑦</m:t>
@@ -22471,7 +17524,7 @@
                     </m:acc>
                     <m:r>
                       <a:rPr lang="en-US" altLang="zh-CN" sz="2800" i="1">
-                        <a:latin typeface="+mj-ea"/>
+                        <a:latin typeface="Cambria Math" panose="02040503050406030204" pitchFamily="18" charset="0"/>
                         <a:ea typeface="+mj-ea"/>
                       </a:rPr>
                       <m:t>/</m:t>
@@ -22481,7 +17534,7 @@
                         <m:chr m:val="̅"/>
                         <m:ctrlPr>
                           <a:rPr lang="zh-CN" altLang="en-US" sz="2800" i="1">
-                            <a:latin typeface="+mj-ea"/>
+                            <a:latin typeface="Cambria Math" panose="02040503050406030204" pitchFamily="18" charset="0"/>
                             <a:ea typeface="+mj-ea"/>
                           </a:rPr>
                         </m:ctrlPr>
@@ -22489,7 +17542,7 @@
                       <m:e>
                         <m:r>
                           <a:rPr lang="en-US" altLang="zh-CN" sz="2800" i="1">
-                            <a:latin typeface="+mj-ea"/>
+                            <a:latin typeface="Cambria Math" panose="02040503050406030204" pitchFamily="18" charset="0"/>
                             <a:ea typeface="+mj-ea"/>
                           </a:rPr>
                           <m:t>𝑥</m:t>
@@ -22498,7 +17551,7 @@
                     </m:acc>
                     <m:r>
                       <a:rPr lang="en-US" altLang="zh-CN" sz="2800" i="1">
-                        <a:latin typeface="+mj-ea"/>
+                        <a:latin typeface="Cambria Math" panose="02040503050406030204" pitchFamily="18" charset="0"/>
                         <a:ea typeface="+mj-ea"/>
                       </a:rPr>
                       <m:t>)</m:t>
@@ -22518,7 +17571,7 @@
                       <m:sSubPr>
                         <m:ctrlPr>
                           <a:rPr lang="zh-CN" altLang="en-US" sz="2800" i="1">
-                            <a:latin typeface="+mj-ea"/>
+                            <a:latin typeface="Cambria Math" panose="02040503050406030204" pitchFamily="18" charset="0"/>
                             <a:ea typeface="+mj-ea"/>
                           </a:rPr>
                         </m:ctrlPr>
@@ -22526,7 +17579,7 @@
                       <m:e>
                         <m:r>
                           <a:rPr lang="zh-CN" altLang="en-US" sz="2800" i="1">
-                            <a:latin typeface="+mj-ea"/>
+                            <a:latin typeface="Cambria Math" panose="02040503050406030204" pitchFamily="18" charset="0"/>
                             <a:ea typeface="+mj-ea"/>
                           </a:rPr>
                           <m:t>𝛽</m:t>
@@ -22535,7 +17588,7 @@
                       <m:sub>
                         <m:r>
                           <a:rPr lang="zh-CN" altLang="en-US" sz="2800" i="1">
-                            <a:latin typeface="+mj-ea"/>
+                            <a:latin typeface="Cambria Math" panose="02040503050406030204" pitchFamily="18" charset="0"/>
                             <a:ea typeface="+mj-ea"/>
                           </a:rPr>
                           <m:t>h</m:t>
@@ -22544,35 +17597,35 @@
                     </m:sSub>
                     <m:r>
                       <a:rPr lang="en-US" altLang="zh-CN" sz="2800" i="1">
-                        <a:latin typeface="+mj-ea"/>
+                        <a:latin typeface="Cambria Math" panose="02040503050406030204" pitchFamily="18" charset="0"/>
                         <a:ea typeface="+mj-ea"/>
                       </a:rPr>
                       <m:t> (</m:t>
                     </m:r>
                     <m:r>
                       <a:rPr lang="zh-CN" altLang="en-US" sz="2800" i="1">
-                        <a:latin typeface="+mj-ea"/>
+                        <a:latin typeface="Cambria Math" panose="02040503050406030204" pitchFamily="18" charset="0"/>
                         <a:ea typeface="+mj-ea"/>
                       </a:rPr>
                       <m:t>或</m:t>
                     </m:r>
                     <m:r>
                       <a:rPr lang="en-US" altLang="zh-CN" sz="2800" i="1">
-                        <a:latin typeface="+mj-ea"/>
+                        <a:latin typeface="Cambria Math" panose="02040503050406030204" pitchFamily="18" charset="0"/>
                         <a:ea typeface="+mj-ea"/>
                       </a:rPr>
                       <m:t> </m:t>
                     </m:r>
                     <m:r>
                       <a:rPr lang="zh-CN" altLang="en-US" sz="2800" i="1">
-                        <a:latin typeface="+mj-ea"/>
+                        <a:latin typeface="Cambria Math" panose="02040503050406030204" pitchFamily="18" charset="0"/>
                         <a:ea typeface="+mj-ea"/>
                       </a:rPr>
                       <m:t>𝛽</m:t>
                     </m:r>
                     <m:r>
                       <a:rPr lang="en-US" altLang="zh-CN" sz="2800" i="1">
-                        <a:latin typeface="+mj-ea"/>
+                        <a:latin typeface="Cambria Math" panose="02040503050406030204" pitchFamily="18" charset="0"/>
                         <a:ea typeface="+mj-ea"/>
                       </a:rPr>
                       <m:t>)</m:t>
@@ -22592,7 +17645,7 @@
                       <m:sSubPr>
                         <m:ctrlPr>
                           <a:rPr lang="zh-CN" altLang="en-US" sz="2800" i="1">
-                            <a:latin typeface="+mj-ea"/>
+                            <a:latin typeface="Cambria Math" panose="02040503050406030204" pitchFamily="18" charset="0"/>
                             <a:ea typeface="+mj-ea"/>
                           </a:rPr>
                         </m:ctrlPr>
@@ -22600,7 +17653,7 @@
                       <m:e>
                         <m:r>
                           <a:rPr lang="zh-CN" altLang="en-US" sz="2800" i="1">
-                            <a:latin typeface="+mj-ea"/>
+                            <a:latin typeface="Cambria Math" panose="02040503050406030204" pitchFamily="18" charset="0"/>
                             <a:ea typeface="+mj-ea"/>
                           </a:rPr>
                           <m:t>𝑛</m:t>
@@ -22609,7 +17662,7 @@
                       <m:sub>
                         <m:r>
                           <a:rPr lang="zh-CN" altLang="en-US" sz="2800" i="1">
-                            <a:latin typeface="+mj-ea"/>
+                            <a:latin typeface="Cambria Math" panose="02040503050406030204" pitchFamily="18" charset="0"/>
                             <a:ea typeface="+mj-ea"/>
                           </a:rPr>
                           <m:t>h</m:t>
@@ -22618,42 +17671,42 @@
                     </m:sSub>
                     <m:r>
                       <a:rPr lang="zh-CN" altLang="en-US" sz="2800" i="1">
-                        <a:latin typeface="+mj-ea"/>
+                        <a:latin typeface="Cambria Math" panose="02040503050406030204" pitchFamily="18" charset="0"/>
                         <a:ea typeface="+mj-ea"/>
                       </a:rPr>
                       <m:t> </m:t>
                     </m:r>
                     <m:r>
                       <a:rPr lang="en-US" altLang="zh-CN" sz="2800" i="1">
-                        <a:latin typeface="+mj-ea"/>
+                        <a:latin typeface="Cambria Math" panose="02040503050406030204" pitchFamily="18" charset="0"/>
                         <a:ea typeface="+mj-ea"/>
                       </a:rPr>
                       <m:t>(</m:t>
                     </m:r>
                     <m:r>
                       <a:rPr lang="zh-CN" altLang="en-US" sz="2800" i="1">
-                        <a:latin typeface="+mj-ea"/>
+                        <a:latin typeface="Cambria Math" panose="02040503050406030204" pitchFamily="18" charset="0"/>
                         <a:ea typeface="+mj-ea"/>
                       </a:rPr>
                       <m:t>或</m:t>
                     </m:r>
                     <m:r>
                       <a:rPr lang="en-US" altLang="zh-CN" sz="2800" i="1">
-                        <a:latin typeface="+mj-ea"/>
+                        <a:latin typeface="Cambria Math" panose="02040503050406030204" pitchFamily="18" charset="0"/>
                         <a:ea typeface="+mj-ea"/>
                       </a:rPr>
                       <m:t> </m:t>
                     </m:r>
                     <m:r>
                       <a:rPr lang="en-US" altLang="zh-CN" sz="2800" i="1">
-                        <a:latin typeface="+mj-ea"/>
+                        <a:latin typeface="Cambria Math" panose="02040503050406030204" pitchFamily="18" charset="0"/>
                         <a:ea typeface="+mj-ea"/>
                       </a:rPr>
                       <m:t>𝑛</m:t>
                     </m:r>
                     <m:r>
                       <a:rPr lang="en-US" altLang="zh-CN" sz="2800" i="1">
-                        <a:latin typeface="+mj-ea"/>
+                        <a:latin typeface="Cambria Math" panose="02040503050406030204" pitchFamily="18" charset="0"/>
                         <a:ea typeface="+mj-ea"/>
                       </a:rPr>
                       <m:t>)</m:t>
@@ -22751,7 +17804,7 @@
                     </m:sSub>
                     <m:r>
                       <a:rPr lang="zh-CN" altLang="en-US" sz="2800">
-                        <a:latin typeface="+mj-ea"/>
+                        <a:latin typeface="Cambria Math" panose="02040503050406030204" pitchFamily="18" charset="0"/>
                         <a:ea typeface="+mj-ea"/>
                       </a:rPr>
                       <m:t>≈</m:t>
@@ -23145,14 +18198,14 @@
                   <m:oMath xmlns:m="http://schemas.openxmlformats.org/officeDocument/2006/math">
                     <m:r>
                       <a:rPr lang="zh-CN" altLang="en-US" sz="2800" i="1">
-                        <a:latin typeface="+mj-ea"/>
+                        <a:latin typeface="Cambria Math" panose="02040503050406030204" pitchFamily="18" charset="0"/>
                         <a:ea typeface="+mj-ea"/>
                       </a:rPr>
                       <m:t>令</m:t>
                     </m:r>
                     <m:r>
                       <a:rPr lang="en-US" altLang="zh-CN" sz="2800" i="1">
-                        <a:latin typeface="+mj-ea"/>
+                        <a:latin typeface="Cambria Math" panose="02040503050406030204" pitchFamily="18" charset="0"/>
                         <a:ea typeface="+mj-ea"/>
                       </a:rPr>
                       <m:t> </m:t>
@@ -23161,7 +18214,7 @@
                       <m:sSubPr>
                         <m:ctrlPr>
                           <a:rPr lang="zh-CN" altLang="en-US" sz="2800" i="1">
-                            <a:latin typeface="+mj-ea"/>
+                            <a:latin typeface="Cambria Math" panose="02040503050406030204" pitchFamily="18" charset="0"/>
                             <a:ea typeface="+mj-ea"/>
                           </a:rPr>
                         </m:ctrlPr>
@@ -23169,7 +18222,7 @@
                       <m:e>
                         <m:r>
                           <a:rPr lang="zh-CN" altLang="en-US" sz="2800" i="1">
-                            <a:latin typeface="+mj-ea"/>
+                            <a:latin typeface="Cambria Math" panose="02040503050406030204" pitchFamily="18" charset="0"/>
                             <a:ea typeface="+mj-ea"/>
                           </a:rPr>
                           <m:t>𝛽</m:t>
@@ -23178,7 +18231,7 @@
                       <m:sub>
                         <m:r>
                           <a:rPr lang="zh-CN" altLang="en-US" sz="2800" i="1">
-                            <a:latin typeface="+mj-ea"/>
+                            <a:latin typeface="Cambria Math" panose="02040503050406030204" pitchFamily="18" charset="0"/>
                             <a:ea typeface="+mj-ea"/>
                           </a:rPr>
                           <m:t>h</m:t>
@@ -23187,14 +18240,14 @@
                     </m:sSub>
                     <m:r>
                       <a:rPr lang="en-US" altLang="zh-CN" sz="2800" i="1">
-                        <a:latin typeface="+mj-ea"/>
+                        <a:latin typeface="Cambria Math" panose="02040503050406030204" pitchFamily="18" charset="0"/>
                         <a:ea typeface="+mj-ea"/>
                       </a:rPr>
                       <m:t>=</m:t>
                     </m:r>
                     <m:r>
                       <a:rPr lang="en-US" altLang="zh-CN" sz="2800" b="0" i="1" smtClean="0">
-                        <a:latin typeface="+mj-ea"/>
+                        <a:latin typeface="Cambria Math" panose="02040503050406030204" pitchFamily="18" charset="0"/>
                         <a:ea typeface="+mj-ea"/>
                       </a:rPr>
                       <m:t>0</m:t>
@@ -23212,52 +18265,38 @@
                   <m:oMath xmlns:m="http://schemas.openxmlformats.org/officeDocument/2006/math">
                     <m:r>
                       <a:rPr lang="en-US" altLang="zh-CN" sz="2800" i="1">
-                        <a:latin typeface="+mj-ea"/>
+                        <a:latin typeface="Cambria Math" panose="02040503050406030204" pitchFamily="18" charset="0"/>
                         <a:ea typeface="+mj-ea"/>
                       </a:rPr>
                       <m:t>(</m:t>
                     </m:r>
                     <m:r>
                       <a:rPr lang="zh-CN" altLang="en-US" sz="2800" i="1">
-                        <a:latin typeface="+mj-ea"/>
+                        <a:latin typeface="Cambria Math" panose="02040503050406030204" pitchFamily="18" charset="0"/>
                         <a:ea typeface="+mj-ea"/>
                       </a:rPr>
                       <m:t>或</m:t>
                     </m:r>
                     <m:r>
                       <a:rPr lang="en-US" altLang="zh-CN" sz="2800" i="1">
-                        <a:latin typeface="+mj-ea"/>
+                        <a:latin typeface="Cambria Math" panose="02040503050406030204" pitchFamily="18" charset="0"/>
                         <a:ea typeface="+mj-ea"/>
                       </a:rPr>
                       <m:t> </m:t>
                     </m:r>
                     <m:r>
                       <a:rPr lang="zh-CN" altLang="en-US" sz="2800" i="1">
-                        <a:latin typeface="+mj-ea"/>
+                        <a:latin typeface="Cambria Math" panose="02040503050406030204" pitchFamily="18" charset="0"/>
                         <a:ea typeface="+mj-ea"/>
                       </a:rPr>
                       <m:t>𝛽</m:t>
                     </m:r>
                     <m:r>
                       <a:rPr lang="en-US" altLang="zh-CN" sz="2800" i="1">
-                        <a:latin typeface="+mj-ea"/>
+                        <a:latin typeface="Cambria Math" panose="02040503050406030204" pitchFamily="18" charset="0"/>
                         <a:ea typeface="+mj-ea"/>
                       </a:rPr>
-                      <m:t>=</m:t>
-                    </m:r>
-                    <m:r>
-                      <a:rPr lang="en-US" altLang="zh-CN" sz="2800" i="1">
-                        <a:latin typeface="+mj-ea"/>
-                        <a:ea typeface="+mj-ea"/>
-                      </a:rPr>
-                      <m:t>0</m:t>
-                    </m:r>
-                    <m:r>
-                      <a:rPr lang="en-US" altLang="zh-CN" sz="2800" i="1">
-                        <a:latin typeface="+mj-ea"/>
-                        <a:ea typeface="+mj-ea"/>
-                      </a:rPr>
-                      <m:t>)</m:t>
+                      <m:t>=0)</m:t>
                     </m:r>
                   </m:oMath>
                 </a14:m>
@@ -23274,7 +18313,7 @@
                       <m:sSubPr>
                         <m:ctrlPr>
                           <a:rPr lang="zh-CN" altLang="en-US" sz="2800" i="1">
-                            <a:latin typeface="+mj-ea"/>
+                            <a:latin typeface="Cambria Math" panose="02040503050406030204" pitchFamily="18" charset="0"/>
                             <a:ea typeface="+mj-ea"/>
                           </a:rPr>
                         </m:ctrlPr>
@@ -23282,7 +18321,7 @@
                       <m:e>
                         <m:r>
                           <a:rPr lang="zh-CN" altLang="en-US" sz="2800" i="1">
-                            <a:latin typeface="+mj-ea"/>
+                            <a:latin typeface="Cambria Math" panose="02040503050406030204" pitchFamily="18" charset="0"/>
                             <a:ea typeface="+mj-ea"/>
                           </a:rPr>
                           <m:t>𝛽</m:t>
@@ -23291,7 +18330,7 @@
                       <m:sub>
                         <m:r>
                           <a:rPr lang="zh-CN" altLang="en-US" sz="2800" i="1">
-                            <a:latin typeface="+mj-ea"/>
+                            <a:latin typeface="Cambria Math" panose="02040503050406030204" pitchFamily="18" charset="0"/>
                             <a:ea typeface="+mj-ea"/>
                           </a:rPr>
                           <m:t>h</m:t>
@@ -23300,35 +18339,35 @@
                     </m:sSub>
                     <m:r>
                       <a:rPr lang="en-US" altLang="zh-CN" sz="2800" i="1">
-                        <a:latin typeface="+mj-ea"/>
+                        <a:latin typeface="Cambria Math" panose="02040503050406030204" pitchFamily="18" charset="0"/>
                         <a:ea typeface="+mj-ea"/>
                       </a:rPr>
                       <m:t> (</m:t>
                     </m:r>
                     <m:r>
                       <a:rPr lang="zh-CN" altLang="en-US" sz="2800" i="1">
-                        <a:latin typeface="+mj-ea"/>
+                        <a:latin typeface="Cambria Math" panose="02040503050406030204" pitchFamily="18" charset="0"/>
                         <a:ea typeface="+mj-ea"/>
                       </a:rPr>
                       <m:t>或</m:t>
                     </m:r>
                     <m:r>
                       <a:rPr lang="en-US" altLang="zh-CN" sz="2800" i="1">
-                        <a:latin typeface="+mj-ea"/>
+                        <a:latin typeface="Cambria Math" panose="02040503050406030204" pitchFamily="18" charset="0"/>
                         <a:ea typeface="+mj-ea"/>
                       </a:rPr>
                       <m:t> </m:t>
                     </m:r>
                     <m:r>
                       <a:rPr lang="zh-CN" altLang="en-US" sz="2800" i="1">
-                        <a:latin typeface="+mj-ea"/>
+                        <a:latin typeface="Cambria Math" panose="02040503050406030204" pitchFamily="18" charset="0"/>
                         <a:ea typeface="+mj-ea"/>
                       </a:rPr>
                       <m:t>𝛽</m:t>
                     </m:r>
                     <m:r>
                       <a:rPr lang="en-US" altLang="zh-CN" sz="2800" i="1">
-                        <a:latin typeface="+mj-ea"/>
+                        <a:latin typeface="Cambria Math" panose="02040503050406030204" pitchFamily="18" charset="0"/>
                         <a:ea typeface="+mj-ea"/>
                       </a:rPr>
                       <m:t>)</m:t>
@@ -23350,7 +18389,7 @@
             </p:txBody>
           </p:sp>
         </mc:Choice>
-        <mc:Fallback>
+        <mc:Fallback xmlns="">
           <p:sp>
             <p:nvSpPr>
               <p:cNvPr id="4" name="矩形 3">
